--- a/Presentations/2024 Presentations/A11y 101 - Code Louisville.pptx
+++ b/Presentations/2024 Presentations/A11y 101 - Code Louisville.pptx
@@ -5,22 +5,25 @@
     <p:sldMasterId id="2147483995" r:id="rId4"/>
   </p:sldMasterIdLst>
   <p:notesMasterIdLst>
-    <p:notesMasterId r:id="rId15"/>
+    <p:notesMasterId r:id="rId18"/>
   </p:notesMasterIdLst>
   <p:handoutMasterIdLst>
-    <p:handoutMasterId r:id="rId16"/>
+    <p:handoutMasterId r:id="rId19"/>
   </p:handoutMasterIdLst>
   <p:sldIdLst>
     <p:sldId id="273" r:id="rId5"/>
     <p:sldId id="257" r:id="rId6"/>
-    <p:sldId id="258" r:id="rId7"/>
-    <p:sldId id="272" r:id="rId8"/>
-    <p:sldId id="278" r:id="rId9"/>
-    <p:sldId id="280" r:id="rId10"/>
-    <p:sldId id="286" r:id="rId11"/>
-    <p:sldId id="279" r:id="rId12"/>
-    <p:sldId id="287" r:id="rId13"/>
-    <p:sldId id="268" r:id="rId14"/>
+    <p:sldId id="288" r:id="rId7"/>
+    <p:sldId id="258" r:id="rId8"/>
+    <p:sldId id="272" r:id="rId9"/>
+    <p:sldId id="278" r:id="rId10"/>
+    <p:sldId id="280" r:id="rId11"/>
+    <p:sldId id="286" r:id="rId12"/>
+    <p:sldId id="279" r:id="rId13"/>
+    <p:sldId id="287" r:id="rId14"/>
+    <p:sldId id="289" r:id="rId15"/>
+    <p:sldId id="290" r:id="rId16"/>
+    <p:sldId id="268" r:id="rId17"/>
   </p:sldIdLst>
   <p:sldSz cx="12192000" cy="6858000"/>
   <p:notesSz cx="6858000" cy="9144000"/>
@@ -769,6 +772,330 @@
   <p:cSld>
     <p:spTree>
       <p:nvGrpSpPr>
+        <p:cNvPr id="1" name="">
+          <a:extLst>
+            <a:ext uri="{FF2B5EF4-FFF2-40B4-BE49-F238E27FC236}">
+              <a16:creationId xmlns:a16="http://schemas.microsoft.com/office/drawing/2014/main" id="{4BCA5C49-056F-A436-AD5C-D9A813E7644B}"/>
+            </a:ext>
+          </a:extLst>
+        </p:cNvPr>
+        <p:cNvGrpSpPr/>
+        <p:nvPr/>
+      </p:nvGrpSpPr>
+      <p:grpSpPr>
+        <a:xfrm>
+          <a:off x="0" y="0"/>
+          <a:ext cx="0" cy="0"/>
+          <a:chOff x="0" y="0"/>
+          <a:chExt cx="0" cy="0"/>
+        </a:xfrm>
+      </p:grpSpPr>
+      <p:sp>
+        <p:nvSpPr>
+          <p:cNvPr id="2" name="Slide Image Placeholder 1">
+            <a:extLst>
+              <a:ext uri="{FF2B5EF4-FFF2-40B4-BE49-F238E27FC236}">
+                <a16:creationId xmlns:a16="http://schemas.microsoft.com/office/drawing/2014/main" id="{850929B5-E290-113F-E828-E767C20F94A4}"/>
+              </a:ext>
+            </a:extLst>
+          </p:cNvPr>
+          <p:cNvSpPr>
+            <a:spLocks noGrp="1" noRot="1" noChangeAspect="1"/>
+          </p:cNvSpPr>
+          <p:nvPr>
+            <p:ph type="sldImg"/>
+          </p:nvPr>
+        </p:nvSpPr>
+        <p:spPr/>
+      </p:sp>
+      <p:sp>
+        <p:nvSpPr>
+          <p:cNvPr id="3" name="Notes Placeholder 2">
+            <a:extLst>
+              <a:ext uri="{FF2B5EF4-FFF2-40B4-BE49-F238E27FC236}">
+                <a16:creationId xmlns:a16="http://schemas.microsoft.com/office/drawing/2014/main" id="{9BFB84AF-FB5A-E6E3-92C7-FE1C4D4D78E9}"/>
+              </a:ext>
+            </a:extLst>
+          </p:cNvPr>
+          <p:cNvSpPr>
+            <a:spLocks noGrp="1"/>
+          </p:cNvSpPr>
+          <p:nvPr>
+            <p:ph type="body" idx="1"/>
+          </p:nvPr>
+        </p:nvSpPr>
+        <p:spPr/>
+        <p:txBody>
+          <a:bodyPr/>
+          <a:lstStyle/>
+          <a:p>
+            <a:endParaRPr lang="en-US" dirty="0"/>
+          </a:p>
+        </p:txBody>
+      </p:sp>
+      <p:sp>
+        <p:nvSpPr>
+          <p:cNvPr id="4" name="Slide Number Placeholder 3">
+            <a:extLst>
+              <a:ext uri="{FF2B5EF4-FFF2-40B4-BE49-F238E27FC236}">
+                <a16:creationId xmlns:a16="http://schemas.microsoft.com/office/drawing/2014/main" id="{20A20963-E093-B9CD-9BCD-961EC7045683}"/>
+              </a:ext>
+            </a:extLst>
+          </p:cNvPr>
+          <p:cNvSpPr>
+            <a:spLocks noGrp="1"/>
+          </p:cNvSpPr>
+          <p:nvPr>
+            <p:ph type="sldNum" sz="quarter" idx="5"/>
+          </p:nvPr>
+        </p:nvSpPr>
+        <p:spPr/>
+        <p:txBody>
+          <a:bodyPr/>
+          <a:lstStyle/>
+          <a:p>
+            <a:fld id="{DD82C05A-7A07-4286-AA18-B883C0AF9A3B}" type="slidenum">
+              <a:rPr lang="en-US" smtClean="0"/>
+              <a:t>10</a:t>
+            </a:fld>
+            <a:endParaRPr lang="en-US" dirty="0"/>
+          </a:p>
+        </p:txBody>
+      </p:sp>
+    </p:spTree>
+    <p:extLst>
+      <p:ext uri="{BB962C8B-B14F-4D97-AF65-F5344CB8AC3E}">
+        <p14:creationId xmlns:p14="http://schemas.microsoft.com/office/powerpoint/2010/main" val="1203455815"/>
+      </p:ext>
+    </p:extLst>
+  </p:cSld>
+  <p:clrMapOvr>
+    <a:masterClrMapping/>
+  </p:clrMapOvr>
+</p:notes>
+</file>
+
+<file path=ppt/notesSlides/notesSlide11.xml><?xml version="1.0" encoding="utf-8"?>
+<p:notes xmlns:a="http://schemas.openxmlformats.org/drawingml/2006/main" xmlns:r="http://schemas.openxmlformats.org/officeDocument/2006/relationships" xmlns:p="http://schemas.openxmlformats.org/presentationml/2006/main">
+  <p:cSld>
+    <p:spTree>
+      <p:nvGrpSpPr>
+        <p:cNvPr id="1" name="">
+          <a:extLst>
+            <a:ext uri="{FF2B5EF4-FFF2-40B4-BE49-F238E27FC236}">
+              <a16:creationId xmlns:a16="http://schemas.microsoft.com/office/drawing/2014/main" id="{63299A54-D53B-DC00-5B49-B7D2FA985AE5}"/>
+            </a:ext>
+          </a:extLst>
+        </p:cNvPr>
+        <p:cNvGrpSpPr/>
+        <p:nvPr/>
+      </p:nvGrpSpPr>
+      <p:grpSpPr>
+        <a:xfrm>
+          <a:off x="0" y="0"/>
+          <a:ext cx="0" cy="0"/>
+          <a:chOff x="0" y="0"/>
+          <a:chExt cx="0" cy="0"/>
+        </a:xfrm>
+      </p:grpSpPr>
+      <p:sp>
+        <p:nvSpPr>
+          <p:cNvPr id="2" name="Slide Image Placeholder 1">
+            <a:extLst>
+              <a:ext uri="{FF2B5EF4-FFF2-40B4-BE49-F238E27FC236}">
+                <a16:creationId xmlns:a16="http://schemas.microsoft.com/office/drawing/2014/main" id="{A3DA9C9F-9DB4-3543-32CF-05CC0E1AD9AB}"/>
+              </a:ext>
+            </a:extLst>
+          </p:cNvPr>
+          <p:cNvSpPr>
+            <a:spLocks noGrp="1" noRot="1" noChangeAspect="1"/>
+          </p:cNvSpPr>
+          <p:nvPr>
+            <p:ph type="sldImg"/>
+          </p:nvPr>
+        </p:nvSpPr>
+        <p:spPr/>
+      </p:sp>
+      <p:sp>
+        <p:nvSpPr>
+          <p:cNvPr id="3" name="Notes Placeholder 2">
+            <a:extLst>
+              <a:ext uri="{FF2B5EF4-FFF2-40B4-BE49-F238E27FC236}">
+                <a16:creationId xmlns:a16="http://schemas.microsoft.com/office/drawing/2014/main" id="{35F2A687-3C80-7E06-B415-0367F3BE0321}"/>
+              </a:ext>
+            </a:extLst>
+          </p:cNvPr>
+          <p:cNvSpPr>
+            <a:spLocks noGrp="1"/>
+          </p:cNvSpPr>
+          <p:nvPr>
+            <p:ph type="body" idx="1"/>
+          </p:nvPr>
+        </p:nvSpPr>
+        <p:spPr/>
+        <p:txBody>
+          <a:bodyPr/>
+          <a:lstStyle/>
+          <a:p>
+            <a:endParaRPr lang="en-US" dirty="0"/>
+          </a:p>
+        </p:txBody>
+      </p:sp>
+      <p:sp>
+        <p:nvSpPr>
+          <p:cNvPr id="4" name="Slide Number Placeholder 3">
+            <a:extLst>
+              <a:ext uri="{FF2B5EF4-FFF2-40B4-BE49-F238E27FC236}">
+                <a16:creationId xmlns:a16="http://schemas.microsoft.com/office/drawing/2014/main" id="{9F3D2209-DA5C-BF04-487E-98437FD87665}"/>
+              </a:ext>
+            </a:extLst>
+          </p:cNvPr>
+          <p:cNvSpPr>
+            <a:spLocks noGrp="1"/>
+          </p:cNvSpPr>
+          <p:nvPr>
+            <p:ph type="sldNum" sz="quarter" idx="5"/>
+          </p:nvPr>
+        </p:nvSpPr>
+        <p:spPr/>
+        <p:txBody>
+          <a:bodyPr/>
+          <a:lstStyle/>
+          <a:p>
+            <a:fld id="{DD82C05A-7A07-4286-AA18-B883C0AF9A3B}" type="slidenum">
+              <a:rPr lang="en-US" smtClean="0"/>
+              <a:t>11</a:t>
+            </a:fld>
+            <a:endParaRPr lang="en-US" dirty="0"/>
+          </a:p>
+        </p:txBody>
+      </p:sp>
+    </p:spTree>
+    <p:extLst>
+      <p:ext uri="{BB962C8B-B14F-4D97-AF65-F5344CB8AC3E}">
+        <p14:creationId xmlns:p14="http://schemas.microsoft.com/office/powerpoint/2010/main" val="2765485704"/>
+      </p:ext>
+    </p:extLst>
+  </p:cSld>
+  <p:clrMapOvr>
+    <a:masterClrMapping/>
+  </p:clrMapOvr>
+</p:notes>
+</file>
+
+<file path=ppt/notesSlides/notesSlide12.xml><?xml version="1.0" encoding="utf-8"?>
+<p:notes xmlns:a="http://schemas.openxmlformats.org/drawingml/2006/main" xmlns:r="http://schemas.openxmlformats.org/officeDocument/2006/relationships" xmlns:p="http://schemas.openxmlformats.org/presentationml/2006/main">
+  <p:cSld>
+    <p:spTree>
+      <p:nvGrpSpPr>
+        <p:cNvPr id="1" name="">
+          <a:extLst>
+            <a:ext uri="{FF2B5EF4-FFF2-40B4-BE49-F238E27FC236}">
+              <a16:creationId xmlns:a16="http://schemas.microsoft.com/office/drawing/2014/main" id="{E2F97C2C-B041-50D2-E4ED-8CF4D2D573A8}"/>
+            </a:ext>
+          </a:extLst>
+        </p:cNvPr>
+        <p:cNvGrpSpPr/>
+        <p:nvPr/>
+      </p:nvGrpSpPr>
+      <p:grpSpPr>
+        <a:xfrm>
+          <a:off x="0" y="0"/>
+          <a:ext cx="0" cy="0"/>
+          <a:chOff x="0" y="0"/>
+          <a:chExt cx="0" cy="0"/>
+        </a:xfrm>
+      </p:grpSpPr>
+      <p:sp>
+        <p:nvSpPr>
+          <p:cNvPr id="2" name="Slide Image Placeholder 1">
+            <a:extLst>
+              <a:ext uri="{FF2B5EF4-FFF2-40B4-BE49-F238E27FC236}">
+                <a16:creationId xmlns:a16="http://schemas.microsoft.com/office/drawing/2014/main" id="{CE66C8FF-AAFA-141E-A8EA-B13961AE1817}"/>
+              </a:ext>
+            </a:extLst>
+          </p:cNvPr>
+          <p:cNvSpPr>
+            <a:spLocks noGrp="1" noRot="1" noChangeAspect="1"/>
+          </p:cNvSpPr>
+          <p:nvPr>
+            <p:ph type="sldImg"/>
+          </p:nvPr>
+        </p:nvSpPr>
+        <p:spPr/>
+      </p:sp>
+      <p:sp>
+        <p:nvSpPr>
+          <p:cNvPr id="3" name="Notes Placeholder 2">
+            <a:extLst>
+              <a:ext uri="{FF2B5EF4-FFF2-40B4-BE49-F238E27FC236}">
+                <a16:creationId xmlns:a16="http://schemas.microsoft.com/office/drawing/2014/main" id="{FE1C25C8-5AD7-BB75-B514-D370EB471CBA}"/>
+              </a:ext>
+            </a:extLst>
+          </p:cNvPr>
+          <p:cNvSpPr>
+            <a:spLocks noGrp="1"/>
+          </p:cNvSpPr>
+          <p:nvPr>
+            <p:ph type="body" idx="1"/>
+          </p:nvPr>
+        </p:nvSpPr>
+        <p:spPr/>
+        <p:txBody>
+          <a:bodyPr/>
+          <a:lstStyle/>
+          <a:p>
+            <a:endParaRPr lang="en-US" dirty="0"/>
+          </a:p>
+        </p:txBody>
+      </p:sp>
+      <p:sp>
+        <p:nvSpPr>
+          <p:cNvPr id="4" name="Slide Number Placeholder 3">
+            <a:extLst>
+              <a:ext uri="{FF2B5EF4-FFF2-40B4-BE49-F238E27FC236}">
+                <a16:creationId xmlns:a16="http://schemas.microsoft.com/office/drawing/2014/main" id="{091D197C-7A50-FFED-8610-C9A777545D9F}"/>
+              </a:ext>
+            </a:extLst>
+          </p:cNvPr>
+          <p:cNvSpPr>
+            <a:spLocks noGrp="1"/>
+          </p:cNvSpPr>
+          <p:nvPr>
+            <p:ph type="sldNum" sz="quarter" idx="5"/>
+          </p:nvPr>
+        </p:nvSpPr>
+        <p:spPr/>
+        <p:txBody>
+          <a:bodyPr/>
+          <a:lstStyle/>
+          <a:p>
+            <a:fld id="{DD82C05A-7A07-4286-AA18-B883C0AF9A3B}" type="slidenum">
+              <a:rPr lang="en-US" smtClean="0"/>
+              <a:t>12</a:t>
+            </a:fld>
+            <a:endParaRPr lang="en-US" dirty="0"/>
+          </a:p>
+        </p:txBody>
+      </p:sp>
+    </p:spTree>
+    <p:extLst>
+      <p:ext uri="{BB962C8B-B14F-4D97-AF65-F5344CB8AC3E}">
+        <p14:creationId xmlns:p14="http://schemas.microsoft.com/office/powerpoint/2010/main" val="784819758"/>
+      </p:ext>
+    </p:extLst>
+  </p:cSld>
+  <p:clrMapOvr>
+    <a:masterClrMapping/>
+  </p:clrMapOvr>
+</p:notes>
+</file>
+
+<file path=ppt/notesSlides/notesSlide13.xml><?xml version="1.0" encoding="utf-8"?>
+<p:notes xmlns:a="http://schemas.openxmlformats.org/drawingml/2006/main" xmlns:r="http://schemas.openxmlformats.org/officeDocument/2006/relationships" xmlns:p="http://schemas.openxmlformats.org/presentationml/2006/main">
+  <p:cSld>
+    <p:spTree>
+      <p:nvGrpSpPr>
         <p:cNvPr id="1" name=""/>
         <p:cNvGrpSpPr/>
         <p:nvPr/>
@@ -829,7 +1156,7 @@
           <a:p>
             <a:fld id="{DD82C05A-7A07-4286-AA18-B883C0AF9A3B}" type="slidenum">
               <a:rPr lang="en-US" smtClean="0"/>
-              <a:t>10</a:t>
+              <a:t>13</a:t>
             </a:fld>
             <a:endParaRPr lang="en-US" dirty="0"/>
           </a:p>
@@ -937,7 +1264,13 @@
   <p:cSld>
     <p:spTree>
       <p:nvGrpSpPr>
-        <p:cNvPr id="1" name=""/>
+        <p:cNvPr id="1" name="">
+          <a:extLst>
+            <a:ext uri="{FF2B5EF4-FFF2-40B4-BE49-F238E27FC236}">
+              <a16:creationId xmlns:a16="http://schemas.microsoft.com/office/drawing/2014/main" id="{FDA8EFB7-5092-4BC9-CCE9-5D20ECCF7F9A}"/>
+            </a:ext>
+          </a:extLst>
+        </p:cNvPr>
         <p:cNvGrpSpPr/>
         <p:nvPr/>
       </p:nvGrpSpPr>
@@ -951,7 +1284,13 @@
       </p:grpSpPr>
       <p:sp>
         <p:nvSpPr>
-          <p:cNvPr id="2" name="Slide Image Placeholder 1"/>
+          <p:cNvPr id="2" name="Slide Image Placeholder 1">
+            <a:extLst>
+              <a:ext uri="{FF2B5EF4-FFF2-40B4-BE49-F238E27FC236}">
+                <a16:creationId xmlns:a16="http://schemas.microsoft.com/office/drawing/2014/main" id="{47D6EC70-AB20-2C78-5D17-8B3FFCF56D21}"/>
+              </a:ext>
+            </a:extLst>
+          </p:cNvPr>
           <p:cNvSpPr>
             <a:spLocks noGrp="1" noRot="1" noChangeAspect="1"/>
           </p:cNvSpPr>
@@ -963,7 +1302,13 @@
       </p:sp>
       <p:sp>
         <p:nvSpPr>
-          <p:cNvPr id="3" name="Notes Placeholder 2"/>
+          <p:cNvPr id="3" name="Notes Placeholder 2">
+            <a:extLst>
+              <a:ext uri="{FF2B5EF4-FFF2-40B4-BE49-F238E27FC236}">
+                <a16:creationId xmlns:a16="http://schemas.microsoft.com/office/drawing/2014/main" id="{5A48B640-239F-6DE3-7347-06FB6F8411E1}"/>
+              </a:ext>
+            </a:extLst>
+          </p:cNvPr>
           <p:cNvSpPr>
             <a:spLocks noGrp="1"/>
           </p:cNvSpPr>
@@ -1006,7 +1351,13 @@
       </p:sp>
       <p:sp>
         <p:nvSpPr>
-          <p:cNvPr id="4" name="Slide Number Placeholder 3"/>
+          <p:cNvPr id="4" name="Slide Number Placeholder 3">
+            <a:extLst>
+              <a:ext uri="{FF2B5EF4-FFF2-40B4-BE49-F238E27FC236}">
+                <a16:creationId xmlns:a16="http://schemas.microsoft.com/office/drawing/2014/main" id="{C676971E-9156-D941-4B5A-BB78771374FB}"/>
+              </a:ext>
+            </a:extLst>
+          </p:cNvPr>
           <p:cNvSpPr>
             <a:spLocks noGrp="1"/>
           </p:cNvSpPr>
@@ -1030,7 +1381,7 @@
     </p:spTree>
     <p:extLst>
       <p:ext uri="{BB962C8B-B14F-4D97-AF65-F5344CB8AC3E}">
-        <p14:creationId xmlns:p14="http://schemas.microsoft.com/office/powerpoint/2010/main" val="1592544419"/>
+        <p14:creationId xmlns:p14="http://schemas.microsoft.com/office/powerpoint/2010/main" val="2353976565"/>
       </p:ext>
     </p:extLst>
   </p:cSld>
@@ -1084,7 +1435,31 @@
           <a:bodyPr/>
           <a:lstStyle/>
           <a:p>
+            <a:r>
+              <a:rPr lang="en-US" dirty="0"/>
+              <a:t>“Keep Calm and CYA” image was sourced from </a:t>
+            </a:r>
+            <a:r>
+              <a:rPr lang="en-US" dirty="0">
+                <a:hlinkClick r:id="rId3"/>
+              </a:rPr>
+              <a:t>CYA is Killing Your Organization. I recently started working with an… | by Jennifer Cross | It's Your Turn (itsyourturnblog.com)</a:t>
+            </a:r>
             <a:endParaRPr lang="en-US" dirty="0"/>
+          </a:p>
+          <a:p>
+            <a:pPr marL="171450" indent="-171450">
+              <a:buFont typeface="Arial" panose="020B0604020202020204" pitchFamily="34" charset="0"/>
+              <a:buChar char="•"/>
+            </a:pPr>
+            <a:r>
+              <a:rPr lang="en-US" b="1" dirty="0"/>
+              <a:t>Image Source URL: </a:t>
+            </a:r>
+            <a:r>
+              <a:rPr lang="en-US" dirty="0"/>
+              <a:t>https://itsyourturnblog.com/cya-is-killing-your-organization-c2a17e15d834</a:t>
+            </a:r>
           </a:p>
         </p:txBody>
       </p:sp>
@@ -1106,6 +1481,90 @@
             <a:fld id="{DD82C05A-7A07-4286-AA18-B883C0AF9A3B}" type="slidenum">
               <a:rPr lang="en-US" smtClean="0"/>
               <a:t>4</a:t>
+            </a:fld>
+            <a:endParaRPr lang="en-US" dirty="0"/>
+          </a:p>
+        </p:txBody>
+      </p:sp>
+    </p:spTree>
+    <p:extLst>
+      <p:ext uri="{BB962C8B-B14F-4D97-AF65-F5344CB8AC3E}">
+        <p14:creationId xmlns:p14="http://schemas.microsoft.com/office/powerpoint/2010/main" val="1592544419"/>
+      </p:ext>
+    </p:extLst>
+  </p:cSld>
+  <p:clrMapOvr>
+    <a:masterClrMapping/>
+  </p:clrMapOvr>
+</p:notes>
+</file>
+
+<file path=ppt/notesSlides/notesSlide5.xml><?xml version="1.0" encoding="utf-8"?>
+<p:notes xmlns:a="http://schemas.openxmlformats.org/drawingml/2006/main" xmlns:r="http://schemas.openxmlformats.org/officeDocument/2006/relationships" xmlns:p="http://schemas.openxmlformats.org/presentationml/2006/main">
+  <p:cSld>
+    <p:spTree>
+      <p:nvGrpSpPr>
+        <p:cNvPr id="1" name=""/>
+        <p:cNvGrpSpPr/>
+        <p:nvPr/>
+      </p:nvGrpSpPr>
+      <p:grpSpPr>
+        <a:xfrm>
+          <a:off x="0" y="0"/>
+          <a:ext cx="0" cy="0"/>
+          <a:chOff x="0" y="0"/>
+          <a:chExt cx="0" cy="0"/>
+        </a:xfrm>
+      </p:grpSpPr>
+      <p:sp>
+        <p:nvSpPr>
+          <p:cNvPr id="2" name="Slide Image Placeholder 1"/>
+          <p:cNvSpPr>
+            <a:spLocks noGrp="1" noRot="1" noChangeAspect="1"/>
+          </p:cNvSpPr>
+          <p:nvPr>
+            <p:ph type="sldImg"/>
+          </p:nvPr>
+        </p:nvSpPr>
+        <p:spPr/>
+      </p:sp>
+      <p:sp>
+        <p:nvSpPr>
+          <p:cNvPr id="3" name="Notes Placeholder 2"/>
+          <p:cNvSpPr>
+            <a:spLocks noGrp="1"/>
+          </p:cNvSpPr>
+          <p:nvPr>
+            <p:ph type="body" idx="1"/>
+          </p:nvPr>
+        </p:nvSpPr>
+        <p:spPr/>
+        <p:txBody>
+          <a:bodyPr/>
+          <a:lstStyle/>
+          <a:p>
+            <a:endParaRPr lang="en-US" dirty="0"/>
+          </a:p>
+        </p:txBody>
+      </p:sp>
+      <p:sp>
+        <p:nvSpPr>
+          <p:cNvPr id="4" name="Slide Number Placeholder 3"/>
+          <p:cNvSpPr>
+            <a:spLocks noGrp="1"/>
+          </p:cNvSpPr>
+          <p:nvPr>
+            <p:ph type="sldNum" sz="quarter" idx="5"/>
+          </p:nvPr>
+        </p:nvSpPr>
+        <p:spPr/>
+        <p:txBody>
+          <a:bodyPr/>
+          <a:lstStyle/>
+          <a:p>
+            <a:fld id="{DD82C05A-7A07-4286-AA18-B883C0AF9A3B}" type="slidenum">
+              <a:rPr lang="en-US" smtClean="0"/>
+              <a:t>5</a:t>
             </a:fld>
             <a:endParaRPr lang="en-US" dirty="0"/>
           </a:p>
@@ -1124,7 +1583,7 @@
 </p:notes>
 </file>
 
-<file path=ppt/notesSlides/notesSlide5.xml><?xml version="1.0" encoding="utf-8"?>
+<file path=ppt/notesSlides/notesSlide6.xml><?xml version="1.0" encoding="utf-8"?>
 <p:notes xmlns:a="http://schemas.openxmlformats.org/drawingml/2006/main" xmlns:r="http://schemas.openxmlformats.org/officeDocument/2006/relationships" xmlns:p="http://schemas.openxmlformats.org/presentationml/2006/main">
   <p:cSld>
     <p:spTree>
@@ -1213,7 +1672,7 @@
           <a:p>
             <a:fld id="{DD82C05A-7A07-4286-AA18-B883C0AF9A3B}" type="slidenum">
               <a:rPr lang="en-US" smtClean="0"/>
-              <a:t>5</a:t>
+              <a:t>6</a:t>
             </a:fld>
             <a:endParaRPr lang="en-US" dirty="0"/>
           </a:p>
@@ -1232,7 +1691,7 @@
 </p:notes>
 </file>
 
-<file path=ppt/notesSlides/notesSlide6.xml><?xml version="1.0" encoding="utf-8"?>
+<file path=ppt/notesSlides/notesSlide7.xml><?xml version="1.0" encoding="utf-8"?>
 <p:notes xmlns:a="http://schemas.openxmlformats.org/drawingml/2006/main" xmlns:r="http://schemas.openxmlformats.org/officeDocument/2006/relationships" xmlns:p="http://schemas.openxmlformats.org/presentationml/2006/main">
   <p:cSld>
     <p:spTree>
@@ -1321,7 +1780,7 @@
           <a:p>
             <a:fld id="{DD82C05A-7A07-4286-AA18-B883C0AF9A3B}" type="slidenum">
               <a:rPr lang="en-US" smtClean="0"/>
-              <a:t>6</a:t>
+              <a:t>7</a:t>
             </a:fld>
             <a:endParaRPr lang="en-US" dirty="0"/>
           </a:p>
@@ -1340,7 +1799,7 @@
 </p:notes>
 </file>
 
-<file path=ppt/notesSlides/notesSlide7.xml><?xml version="1.0" encoding="utf-8"?>
+<file path=ppt/notesSlides/notesSlide8.xml><?xml version="1.0" encoding="utf-8"?>
 <p:notes xmlns:a="http://schemas.openxmlformats.org/drawingml/2006/main" xmlns:r="http://schemas.openxmlformats.org/officeDocument/2006/relationships" xmlns:p="http://schemas.openxmlformats.org/presentationml/2006/main">
   <p:cSld>
     <p:spTree>
@@ -1429,7 +1888,7 @@
           <a:p>
             <a:fld id="{DD82C05A-7A07-4286-AA18-B883C0AF9A3B}" type="slidenum">
               <a:rPr lang="en-US" smtClean="0"/>
-              <a:t>7</a:t>
+              <a:t>8</a:t>
             </a:fld>
             <a:endParaRPr lang="en-US" dirty="0"/>
           </a:p>
@@ -1448,7 +1907,7 @@
 </p:notes>
 </file>
 
-<file path=ppt/notesSlides/notesSlide8.xml><?xml version="1.0" encoding="utf-8"?>
+<file path=ppt/notesSlides/notesSlide9.xml><?xml version="1.0" encoding="utf-8"?>
 <p:notes xmlns:a="http://schemas.openxmlformats.org/drawingml/2006/main" xmlns:r="http://schemas.openxmlformats.org/officeDocument/2006/relationships" xmlns:p="http://schemas.openxmlformats.org/presentationml/2006/main">
   <p:cSld>
     <p:spTree>
@@ -1537,7 +1996,7 @@
           <a:p>
             <a:fld id="{DD82C05A-7A07-4286-AA18-B883C0AF9A3B}" type="slidenum">
               <a:rPr lang="en-US" smtClean="0"/>
-              <a:t>8</a:t>
+              <a:t>9</a:t>
             </a:fld>
             <a:endParaRPr lang="en-US" dirty="0"/>
           </a:p>
@@ -1547,114 +2006,6 @@
     <p:extLst>
       <p:ext uri="{BB962C8B-B14F-4D97-AF65-F5344CB8AC3E}">
         <p14:creationId xmlns:p14="http://schemas.microsoft.com/office/powerpoint/2010/main" val="1148829181"/>
-      </p:ext>
-    </p:extLst>
-  </p:cSld>
-  <p:clrMapOvr>
-    <a:masterClrMapping/>
-  </p:clrMapOvr>
-</p:notes>
-</file>
-
-<file path=ppt/notesSlides/notesSlide9.xml><?xml version="1.0" encoding="utf-8"?>
-<p:notes xmlns:a="http://schemas.openxmlformats.org/drawingml/2006/main" xmlns:r="http://schemas.openxmlformats.org/officeDocument/2006/relationships" xmlns:p="http://schemas.openxmlformats.org/presentationml/2006/main">
-  <p:cSld>
-    <p:spTree>
-      <p:nvGrpSpPr>
-        <p:cNvPr id="1" name="">
-          <a:extLst>
-            <a:ext uri="{FF2B5EF4-FFF2-40B4-BE49-F238E27FC236}">
-              <a16:creationId xmlns:a16="http://schemas.microsoft.com/office/drawing/2014/main" id="{4BCA5C49-056F-A436-AD5C-D9A813E7644B}"/>
-            </a:ext>
-          </a:extLst>
-        </p:cNvPr>
-        <p:cNvGrpSpPr/>
-        <p:nvPr/>
-      </p:nvGrpSpPr>
-      <p:grpSpPr>
-        <a:xfrm>
-          <a:off x="0" y="0"/>
-          <a:ext cx="0" cy="0"/>
-          <a:chOff x="0" y="0"/>
-          <a:chExt cx="0" cy="0"/>
-        </a:xfrm>
-      </p:grpSpPr>
-      <p:sp>
-        <p:nvSpPr>
-          <p:cNvPr id="2" name="Slide Image Placeholder 1">
-            <a:extLst>
-              <a:ext uri="{FF2B5EF4-FFF2-40B4-BE49-F238E27FC236}">
-                <a16:creationId xmlns:a16="http://schemas.microsoft.com/office/drawing/2014/main" id="{850929B5-E290-113F-E828-E767C20F94A4}"/>
-              </a:ext>
-            </a:extLst>
-          </p:cNvPr>
-          <p:cNvSpPr>
-            <a:spLocks noGrp="1" noRot="1" noChangeAspect="1"/>
-          </p:cNvSpPr>
-          <p:nvPr>
-            <p:ph type="sldImg"/>
-          </p:nvPr>
-        </p:nvSpPr>
-        <p:spPr/>
-      </p:sp>
-      <p:sp>
-        <p:nvSpPr>
-          <p:cNvPr id="3" name="Notes Placeholder 2">
-            <a:extLst>
-              <a:ext uri="{FF2B5EF4-FFF2-40B4-BE49-F238E27FC236}">
-                <a16:creationId xmlns:a16="http://schemas.microsoft.com/office/drawing/2014/main" id="{9BFB84AF-FB5A-E6E3-92C7-FE1C4D4D78E9}"/>
-              </a:ext>
-            </a:extLst>
-          </p:cNvPr>
-          <p:cNvSpPr>
-            <a:spLocks noGrp="1"/>
-          </p:cNvSpPr>
-          <p:nvPr>
-            <p:ph type="body" idx="1"/>
-          </p:nvPr>
-        </p:nvSpPr>
-        <p:spPr/>
-        <p:txBody>
-          <a:bodyPr/>
-          <a:lstStyle/>
-          <a:p>
-            <a:endParaRPr lang="en-US" dirty="0"/>
-          </a:p>
-        </p:txBody>
-      </p:sp>
-      <p:sp>
-        <p:nvSpPr>
-          <p:cNvPr id="4" name="Slide Number Placeholder 3">
-            <a:extLst>
-              <a:ext uri="{FF2B5EF4-FFF2-40B4-BE49-F238E27FC236}">
-                <a16:creationId xmlns:a16="http://schemas.microsoft.com/office/drawing/2014/main" id="{20A20963-E093-B9CD-9BCD-961EC7045683}"/>
-              </a:ext>
-            </a:extLst>
-          </p:cNvPr>
-          <p:cNvSpPr>
-            <a:spLocks noGrp="1"/>
-          </p:cNvSpPr>
-          <p:nvPr>
-            <p:ph type="sldNum" sz="quarter" idx="5"/>
-          </p:nvPr>
-        </p:nvSpPr>
-        <p:spPr/>
-        <p:txBody>
-          <a:bodyPr/>
-          <a:lstStyle/>
-          <a:p>
-            <a:fld id="{DD82C05A-7A07-4286-AA18-B883C0AF9A3B}" type="slidenum">
-              <a:rPr lang="en-US" smtClean="0"/>
-              <a:t>9</a:t>
-            </a:fld>
-            <a:endParaRPr lang="en-US" dirty="0"/>
-          </a:p>
-        </p:txBody>
-      </p:sp>
-    </p:spTree>
-    <p:extLst>
-      <p:ext uri="{BB962C8B-B14F-4D97-AF65-F5344CB8AC3E}">
-        <p14:creationId xmlns:p14="http://schemas.microsoft.com/office/powerpoint/2010/main" val="1203455815"/>
       </p:ext>
     </p:extLst>
   </p:cSld>
@@ -15604,6 +15955,2496 @@
   <p:cSld>
     <p:spTree>
       <p:nvGrpSpPr>
+        <p:cNvPr id="1" name="">
+          <a:extLst>
+            <a:ext uri="{FF2B5EF4-FFF2-40B4-BE49-F238E27FC236}">
+              <a16:creationId xmlns:a16="http://schemas.microsoft.com/office/drawing/2014/main" id="{4FA93381-937C-4C5D-13E9-9F29FA28CF5B}"/>
+            </a:ext>
+          </a:extLst>
+        </p:cNvPr>
+        <p:cNvGrpSpPr/>
+        <p:nvPr/>
+      </p:nvGrpSpPr>
+      <p:grpSpPr>
+        <a:xfrm>
+          <a:off x="0" y="0"/>
+          <a:ext cx="0" cy="0"/>
+          <a:chOff x="0" y="0"/>
+          <a:chExt cx="0" cy="0"/>
+        </a:xfrm>
+      </p:grpSpPr>
+      <p:sp>
+        <p:nvSpPr>
+          <p:cNvPr id="8" name="Title 7">
+            <a:extLst>
+              <a:ext uri="{FF2B5EF4-FFF2-40B4-BE49-F238E27FC236}">
+                <a16:creationId xmlns:a16="http://schemas.microsoft.com/office/drawing/2014/main" id="{7BC29A20-7597-11DA-54C7-1A672F11054D}"/>
+              </a:ext>
+            </a:extLst>
+          </p:cNvPr>
+          <p:cNvSpPr>
+            <a:spLocks noGrp="1"/>
+          </p:cNvSpPr>
+          <p:nvPr>
+            <p:ph type="title"/>
+          </p:nvPr>
+        </p:nvSpPr>
+        <p:spPr>
+          <a:xfrm>
+            <a:off x="2363686" y="1176402"/>
+            <a:ext cx="7464628" cy="881523"/>
+          </a:xfrm>
+        </p:spPr>
+        <p:txBody>
+          <a:bodyPr>
+            <a:normAutofit fontScale="90000"/>
+          </a:bodyPr>
+          <a:lstStyle/>
+          <a:p>
+            <a:r>
+              <a:rPr lang="en-US" dirty="0"/>
+              <a:t>Structure &amp; Relationships</a:t>
+            </a:r>
+          </a:p>
+        </p:txBody>
+      </p:sp>
+      <p:sp>
+        <p:nvSpPr>
+          <p:cNvPr id="6" name="Subtitle 8">
+            <a:extLst>
+              <a:ext uri="{FF2B5EF4-FFF2-40B4-BE49-F238E27FC236}">
+                <a16:creationId xmlns:a16="http://schemas.microsoft.com/office/drawing/2014/main" id="{A28274C8-3662-78AD-2A31-42504021C802}"/>
+              </a:ext>
+            </a:extLst>
+          </p:cNvPr>
+          <p:cNvSpPr txBox="1">
+            <a:spLocks/>
+          </p:cNvSpPr>
+          <p:nvPr/>
+        </p:nvSpPr>
+        <p:spPr>
+          <a:xfrm>
+            <a:off x="3961947" y="2120901"/>
+            <a:ext cx="4268106" cy="652923"/>
+          </a:xfrm>
+          <a:prstGeom prst="roundRect">
+            <a:avLst>
+              <a:gd name="adj" fmla="val 50000"/>
+            </a:avLst>
+          </a:prstGeom>
+          <a:solidFill>
+            <a:schemeClr val="accent6"/>
+          </a:solidFill>
+          <a:ln w="38100">
+            <a:solidFill>
+              <a:schemeClr val="tx1"/>
+            </a:solidFill>
+          </a:ln>
+        </p:spPr>
+        <p:txBody>
+          <a:bodyPr vert="horz" lIns="91440" tIns="45720" rIns="91440" bIns="45720" rtlCol="0" anchor="ctr">
+            <a:noAutofit/>
+          </a:bodyPr>
+          <a:lstStyle>
+            <a:lvl1pPr marL="0" indent="0" algn="ctr" defTabSz="457200" rtl="0" eaLnBrk="1" latinLnBrk="0" hangingPunct="1">
+              <a:spcBef>
+                <a:spcPct val="20000"/>
+              </a:spcBef>
+              <a:spcAft>
+                <a:spcPts val="600"/>
+              </a:spcAft>
+              <a:buClr>
+                <a:schemeClr val="accent1">
+                  <a:lumMod val="75000"/>
+                </a:schemeClr>
+              </a:buClr>
+              <a:buSzPct val="145000"/>
+              <a:buFont typeface="Arial"/>
+              <a:buNone/>
+              <a:defRPr sz="2000" kern="1200" cap="none">
+                <a:solidFill>
+                  <a:schemeClr val="tx1"/>
+                </a:solidFill>
+                <a:effectLst/>
+                <a:latin typeface="+mn-lt"/>
+                <a:ea typeface="+mn-ea"/>
+                <a:cs typeface="+mn-cs"/>
+              </a:defRPr>
+            </a:lvl1pPr>
+            <a:lvl2pPr marL="457200" indent="0" algn="ctr" defTabSz="457200" rtl="0" eaLnBrk="1" latinLnBrk="0" hangingPunct="1">
+              <a:spcBef>
+                <a:spcPct val="20000"/>
+              </a:spcBef>
+              <a:spcAft>
+                <a:spcPts val="600"/>
+              </a:spcAft>
+              <a:buClr>
+                <a:schemeClr val="accent1">
+                  <a:lumMod val="75000"/>
+                </a:schemeClr>
+              </a:buClr>
+              <a:buSzPct val="145000"/>
+              <a:buFont typeface="Arial"/>
+              <a:buNone/>
+              <a:defRPr sz="2000" kern="1200" cap="none">
+                <a:solidFill>
+                  <a:schemeClr val="tx1"/>
+                </a:solidFill>
+                <a:effectLst/>
+                <a:latin typeface="+mn-lt"/>
+                <a:ea typeface="+mn-ea"/>
+                <a:cs typeface="+mn-cs"/>
+              </a:defRPr>
+            </a:lvl2pPr>
+            <a:lvl3pPr marL="914400" indent="0" algn="ctr" defTabSz="457200" rtl="0" eaLnBrk="1" latinLnBrk="0" hangingPunct="1">
+              <a:spcBef>
+                <a:spcPct val="20000"/>
+              </a:spcBef>
+              <a:spcAft>
+                <a:spcPts val="600"/>
+              </a:spcAft>
+              <a:buClr>
+                <a:schemeClr val="accent1">
+                  <a:lumMod val="75000"/>
+                </a:schemeClr>
+              </a:buClr>
+              <a:buSzPct val="145000"/>
+              <a:buFont typeface="Arial"/>
+              <a:buNone/>
+              <a:defRPr sz="1800" kern="1200" cap="none">
+                <a:solidFill>
+                  <a:schemeClr val="tx1"/>
+                </a:solidFill>
+                <a:effectLst/>
+                <a:latin typeface="+mn-lt"/>
+                <a:ea typeface="+mn-ea"/>
+                <a:cs typeface="+mn-cs"/>
+              </a:defRPr>
+            </a:lvl3pPr>
+            <a:lvl4pPr marL="1371600" indent="0" algn="ctr" defTabSz="457200" rtl="0" eaLnBrk="1" latinLnBrk="0" hangingPunct="1">
+              <a:spcBef>
+                <a:spcPct val="20000"/>
+              </a:spcBef>
+              <a:spcAft>
+                <a:spcPts val="600"/>
+              </a:spcAft>
+              <a:buClr>
+                <a:schemeClr val="accent1">
+                  <a:lumMod val="75000"/>
+                </a:schemeClr>
+              </a:buClr>
+              <a:buSzPct val="145000"/>
+              <a:buFont typeface="Arial"/>
+              <a:buNone/>
+              <a:defRPr sz="1600" kern="1200" cap="none">
+                <a:solidFill>
+                  <a:schemeClr val="tx1"/>
+                </a:solidFill>
+                <a:effectLst/>
+                <a:latin typeface="+mn-lt"/>
+                <a:ea typeface="+mn-ea"/>
+                <a:cs typeface="+mn-cs"/>
+              </a:defRPr>
+            </a:lvl4pPr>
+            <a:lvl5pPr marL="1828800" indent="0" algn="ctr" defTabSz="457200" rtl="0" eaLnBrk="1" latinLnBrk="0" hangingPunct="1">
+              <a:spcBef>
+                <a:spcPct val="20000"/>
+              </a:spcBef>
+              <a:spcAft>
+                <a:spcPts val="600"/>
+              </a:spcAft>
+              <a:buClr>
+                <a:schemeClr val="accent1">
+                  <a:lumMod val="75000"/>
+                </a:schemeClr>
+              </a:buClr>
+              <a:buSzPct val="145000"/>
+              <a:buFont typeface="Arial"/>
+              <a:buNone/>
+              <a:defRPr sz="1600" kern="1200" cap="none">
+                <a:solidFill>
+                  <a:schemeClr val="tx1"/>
+                </a:solidFill>
+                <a:effectLst/>
+                <a:latin typeface="+mn-lt"/>
+                <a:ea typeface="+mn-ea"/>
+                <a:cs typeface="+mn-cs"/>
+              </a:defRPr>
+            </a:lvl5pPr>
+            <a:lvl6pPr marL="2286000" indent="0" algn="ctr" defTabSz="457200" rtl="0" eaLnBrk="1" latinLnBrk="0" hangingPunct="1">
+              <a:spcBef>
+                <a:spcPct val="20000"/>
+              </a:spcBef>
+              <a:spcAft>
+                <a:spcPts val="600"/>
+              </a:spcAft>
+              <a:buClr>
+                <a:schemeClr val="accent1">
+                  <a:lumMod val="75000"/>
+                </a:schemeClr>
+              </a:buClr>
+              <a:buSzPct val="145000"/>
+              <a:buFont typeface="Arial"/>
+              <a:buNone/>
+              <a:defRPr sz="1600" kern="1200" cap="none">
+                <a:solidFill>
+                  <a:schemeClr val="tx1"/>
+                </a:solidFill>
+                <a:effectLst/>
+                <a:latin typeface="+mn-lt"/>
+                <a:ea typeface="+mn-ea"/>
+                <a:cs typeface="+mn-cs"/>
+              </a:defRPr>
+            </a:lvl6pPr>
+            <a:lvl7pPr marL="2743200" indent="0" algn="ctr" defTabSz="457200" rtl="0" eaLnBrk="1" latinLnBrk="0" hangingPunct="1">
+              <a:spcBef>
+                <a:spcPct val="20000"/>
+              </a:spcBef>
+              <a:spcAft>
+                <a:spcPts val="600"/>
+              </a:spcAft>
+              <a:buClr>
+                <a:schemeClr val="accent1">
+                  <a:lumMod val="75000"/>
+                </a:schemeClr>
+              </a:buClr>
+              <a:buSzPct val="145000"/>
+              <a:buFont typeface="Arial"/>
+              <a:buNone/>
+              <a:defRPr sz="1600" kern="1200" cap="none">
+                <a:solidFill>
+                  <a:schemeClr val="tx1"/>
+                </a:solidFill>
+                <a:effectLst/>
+                <a:latin typeface="+mn-lt"/>
+                <a:ea typeface="+mn-ea"/>
+                <a:cs typeface="+mn-cs"/>
+              </a:defRPr>
+            </a:lvl7pPr>
+            <a:lvl8pPr marL="3200400" indent="0" algn="ctr" defTabSz="457200" rtl="0" eaLnBrk="1" latinLnBrk="0" hangingPunct="1">
+              <a:spcBef>
+                <a:spcPct val="20000"/>
+              </a:spcBef>
+              <a:spcAft>
+                <a:spcPts val="600"/>
+              </a:spcAft>
+              <a:buClr>
+                <a:schemeClr val="accent1">
+                  <a:lumMod val="75000"/>
+                </a:schemeClr>
+              </a:buClr>
+              <a:buSzPct val="145000"/>
+              <a:buFont typeface="Arial"/>
+              <a:buNone/>
+              <a:defRPr sz="1600" kern="1200" cap="none">
+                <a:solidFill>
+                  <a:schemeClr val="tx1"/>
+                </a:solidFill>
+                <a:effectLst/>
+                <a:latin typeface="+mn-lt"/>
+                <a:ea typeface="+mn-ea"/>
+                <a:cs typeface="+mn-cs"/>
+              </a:defRPr>
+            </a:lvl8pPr>
+            <a:lvl9pPr marL="3657600" indent="0" algn="ctr" defTabSz="457200" rtl="0" eaLnBrk="1" latinLnBrk="0" hangingPunct="1">
+              <a:spcBef>
+                <a:spcPct val="20000"/>
+              </a:spcBef>
+              <a:spcAft>
+                <a:spcPts val="600"/>
+              </a:spcAft>
+              <a:buClr>
+                <a:schemeClr val="accent1">
+                  <a:lumMod val="75000"/>
+                </a:schemeClr>
+              </a:buClr>
+              <a:buSzPct val="145000"/>
+              <a:buFont typeface="Arial"/>
+              <a:buNone/>
+              <a:defRPr sz="1600" kern="1200" cap="none">
+                <a:solidFill>
+                  <a:schemeClr val="tx1"/>
+                </a:solidFill>
+                <a:effectLst/>
+                <a:latin typeface="+mn-lt"/>
+                <a:ea typeface="+mn-ea"/>
+                <a:cs typeface="+mn-cs"/>
+              </a:defRPr>
+            </a:lvl9pPr>
+          </a:lstStyle>
+          <a:p>
+            <a:r>
+              <a:rPr lang="en-US" dirty="0"/>
+              <a:t>Semantics</a:t>
+            </a:r>
+          </a:p>
+        </p:txBody>
+      </p:sp>
+      <p:sp>
+        <p:nvSpPr>
+          <p:cNvPr id="13" name="Subtitle 8">
+            <a:extLst>
+              <a:ext uri="{FF2B5EF4-FFF2-40B4-BE49-F238E27FC236}">
+                <a16:creationId xmlns:a16="http://schemas.microsoft.com/office/drawing/2014/main" id="{DCD7C783-5E39-BD78-C78A-9EB9BA588000}"/>
+              </a:ext>
+            </a:extLst>
+          </p:cNvPr>
+          <p:cNvSpPr txBox="1">
+            <a:spLocks/>
+          </p:cNvSpPr>
+          <p:nvPr/>
+        </p:nvSpPr>
+        <p:spPr>
+          <a:xfrm>
+            <a:off x="3961947" y="2967371"/>
+            <a:ext cx="4268106" cy="652923"/>
+          </a:xfrm>
+          <a:prstGeom prst="roundRect">
+            <a:avLst>
+              <a:gd name="adj" fmla="val 50000"/>
+            </a:avLst>
+          </a:prstGeom>
+          <a:solidFill>
+            <a:schemeClr val="accent6"/>
+          </a:solidFill>
+          <a:ln w="38100">
+            <a:solidFill>
+              <a:schemeClr val="tx1"/>
+            </a:solidFill>
+          </a:ln>
+        </p:spPr>
+        <p:txBody>
+          <a:bodyPr vert="horz" lIns="91440" tIns="45720" rIns="91440" bIns="45720" rtlCol="0" anchor="ctr">
+            <a:noAutofit/>
+          </a:bodyPr>
+          <a:lstStyle>
+            <a:lvl1pPr marL="0" indent="0" algn="ctr" defTabSz="457200" rtl="0" eaLnBrk="1" latinLnBrk="0" hangingPunct="1">
+              <a:spcBef>
+                <a:spcPct val="20000"/>
+              </a:spcBef>
+              <a:spcAft>
+                <a:spcPts val="600"/>
+              </a:spcAft>
+              <a:buClr>
+                <a:schemeClr val="accent1">
+                  <a:lumMod val="75000"/>
+                </a:schemeClr>
+              </a:buClr>
+              <a:buSzPct val="145000"/>
+              <a:buFont typeface="Arial"/>
+              <a:buNone/>
+              <a:defRPr sz="2000" kern="1200" cap="none">
+                <a:solidFill>
+                  <a:schemeClr val="tx1"/>
+                </a:solidFill>
+                <a:effectLst/>
+                <a:latin typeface="+mn-lt"/>
+                <a:ea typeface="+mn-ea"/>
+                <a:cs typeface="+mn-cs"/>
+              </a:defRPr>
+            </a:lvl1pPr>
+            <a:lvl2pPr marL="457200" indent="0" algn="ctr" defTabSz="457200" rtl="0" eaLnBrk="1" latinLnBrk="0" hangingPunct="1">
+              <a:spcBef>
+                <a:spcPct val="20000"/>
+              </a:spcBef>
+              <a:spcAft>
+                <a:spcPts val="600"/>
+              </a:spcAft>
+              <a:buClr>
+                <a:schemeClr val="accent1">
+                  <a:lumMod val="75000"/>
+                </a:schemeClr>
+              </a:buClr>
+              <a:buSzPct val="145000"/>
+              <a:buFont typeface="Arial"/>
+              <a:buNone/>
+              <a:defRPr sz="2000" kern="1200" cap="none">
+                <a:solidFill>
+                  <a:schemeClr val="tx1"/>
+                </a:solidFill>
+                <a:effectLst/>
+                <a:latin typeface="+mn-lt"/>
+                <a:ea typeface="+mn-ea"/>
+                <a:cs typeface="+mn-cs"/>
+              </a:defRPr>
+            </a:lvl2pPr>
+            <a:lvl3pPr marL="914400" indent="0" algn="ctr" defTabSz="457200" rtl="0" eaLnBrk="1" latinLnBrk="0" hangingPunct="1">
+              <a:spcBef>
+                <a:spcPct val="20000"/>
+              </a:spcBef>
+              <a:spcAft>
+                <a:spcPts val="600"/>
+              </a:spcAft>
+              <a:buClr>
+                <a:schemeClr val="accent1">
+                  <a:lumMod val="75000"/>
+                </a:schemeClr>
+              </a:buClr>
+              <a:buSzPct val="145000"/>
+              <a:buFont typeface="Arial"/>
+              <a:buNone/>
+              <a:defRPr sz="1800" kern="1200" cap="none">
+                <a:solidFill>
+                  <a:schemeClr val="tx1"/>
+                </a:solidFill>
+                <a:effectLst/>
+                <a:latin typeface="+mn-lt"/>
+                <a:ea typeface="+mn-ea"/>
+                <a:cs typeface="+mn-cs"/>
+              </a:defRPr>
+            </a:lvl3pPr>
+            <a:lvl4pPr marL="1371600" indent="0" algn="ctr" defTabSz="457200" rtl="0" eaLnBrk="1" latinLnBrk="0" hangingPunct="1">
+              <a:spcBef>
+                <a:spcPct val="20000"/>
+              </a:spcBef>
+              <a:spcAft>
+                <a:spcPts val="600"/>
+              </a:spcAft>
+              <a:buClr>
+                <a:schemeClr val="accent1">
+                  <a:lumMod val="75000"/>
+                </a:schemeClr>
+              </a:buClr>
+              <a:buSzPct val="145000"/>
+              <a:buFont typeface="Arial"/>
+              <a:buNone/>
+              <a:defRPr sz="1600" kern="1200" cap="none">
+                <a:solidFill>
+                  <a:schemeClr val="tx1"/>
+                </a:solidFill>
+                <a:effectLst/>
+                <a:latin typeface="+mn-lt"/>
+                <a:ea typeface="+mn-ea"/>
+                <a:cs typeface="+mn-cs"/>
+              </a:defRPr>
+            </a:lvl4pPr>
+            <a:lvl5pPr marL="1828800" indent="0" algn="ctr" defTabSz="457200" rtl="0" eaLnBrk="1" latinLnBrk="0" hangingPunct="1">
+              <a:spcBef>
+                <a:spcPct val="20000"/>
+              </a:spcBef>
+              <a:spcAft>
+                <a:spcPts val="600"/>
+              </a:spcAft>
+              <a:buClr>
+                <a:schemeClr val="accent1">
+                  <a:lumMod val="75000"/>
+                </a:schemeClr>
+              </a:buClr>
+              <a:buSzPct val="145000"/>
+              <a:buFont typeface="Arial"/>
+              <a:buNone/>
+              <a:defRPr sz="1600" kern="1200" cap="none">
+                <a:solidFill>
+                  <a:schemeClr val="tx1"/>
+                </a:solidFill>
+                <a:effectLst/>
+                <a:latin typeface="+mn-lt"/>
+                <a:ea typeface="+mn-ea"/>
+                <a:cs typeface="+mn-cs"/>
+              </a:defRPr>
+            </a:lvl5pPr>
+            <a:lvl6pPr marL="2286000" indent="0" algn="ctr" defTabSz="457200" rtl="0" eaLnBrk="1" latinLnBrk="0" hangingPunct="1">
+              <a:spcBef>
+                <a:spcPct val="20000"/>
+              </a:spcBef>
+              <a:spcAft>
+                <a:spcPts val="600"/>
+              </a:spcAft>
+              <a:buClr>
+                <a:schemeClr val="accent1">
+                  <a:lumMod val="75000"/>
+                </a:schemeClr>
+              </a:buClr>
+              <a:buSzPct val="145000"/>
+              <a:buFont typeface="Arial"/>
+              <a:buNone/>
+              <a:defRPr sz="1600" kern="1200" cap="none">
+                <a:solidFill>
+                  <a:schemeClr val="tx1"/>
+                </a:solidFill>
+                <a:effectLst/>
+                <a:latin typeface="+mn-lt"/>
+                <a:ea typeface="+mn-ea"/>
+                <a:cs typeface="+mn-cs"/>
+              </a:defRPr>
+            </a:lvl6pPr>
+            <a:lvl7pPr marL="2743200" indent="0" algn="ctr" defTabSz="457200" rtl="0" eaLnBrk="1" latinLnBrk="0" hangingPunct="1">
+              <a:spcBef>
+                <a:spcPct val="20000"/>
+              </a:spcBef>
+              <a:spcAft>
+                <a:spcPts val="600"/>
+              </a:spcAft>
+              <a:buClr>
+                <a:schemeClr val="accent1">
+                  <a:lumMod val="75000"/>
+                </a:schemeClr>
+              </a:buClr>
+              <a:buSzPct val="145000"/>
+              <a:buFont typeface="Arial"/>
+              <a:buNone/>
+              <a:defRPr sz="1600" kern="1200" cap="none">
+                <a:solidFill>
+                  <a:schemeClr val="tx1"/>
+                </a:solidFill>
+                <a:effectLst/>
+                <a:latin typeface="+mn-lt"/>
+                <a:ea typeface="+mn-ea"/>
+                <a:cs typeface="+mn-cs"/>
+              </a:defRPr>
+            </a:lvl7pPr>
+            <a:lvl8pPr marL="3200400" indent="0" algn="ctr" defTabSz="457200" rtl="0" eaLnBrk="1" latinLnBrk="0" hangingPunct="1">
+              <a:spcBef>
+                <a:spcPct val="20000"/>
+              </a:spcBef>
+              <a:spcAft>
+                <a:spcPts val="600"/>
+              </a:spcAft>
+              <a:buClr>
+                <a:schemeClr val="accent1">
+                  <a:lumMod val="75000"/>
+                </a:schemeClr>
+              </a:buClr>
+              <a:buSzPct val="145000"/>
+              <a:buFont typeface="Arial"/>
+              <a:buNone/>
+              <a:defRPr sz="1600" kern="1200" cap="none">
+                <a:solidFill>
+                  <a:schemeClr val="tx1"/>
+                </a:solidFill>
+                <a:effectLst/>
+                <a:latin typeface="+mn-lt"/>
+                <a:ea typeface="+mn-ea"/>
+                <a:cs typeface="+mn-cs"/>
+              </a:defRPr>
+            </a:lvl8pPr>
+            <a:lvl9pPr marL="3657600" indent="0" algn="ctr" defTabSz="457200" rtl="0" eaLnBrk="1" latinLnBrk="0" hangingPunct="1">
+              <a:spcBef>
+                <a:spcPct val="20000"/>
+              </a:spcBef>
+              <a:spcAft>
+                <a:spcPts val="600"/>
+              </a:spcAft>
+              <a:buClr>
+                <a:schemeClr val="accent1">
+                  <a:lumMod val="75000"/>
+                </a:schemeClr>
+              </a:buClr>
+              <a:buSzPct val="145000"/>
+              <a:buFont typeface="Arial"/>
+              <a:buNone/>
+              <a:defRPr sz="1600" kern="1200" cap="none">
+                <a:solidFill>
+                  <a:schemeClr val="tx1"/>
+                </a:solidFill>
+                <a:effectLst/>
+                <a:latin typeface="+mn-lt"/>
+                <a:ea typeface="+mn-ea"/>
+                <a:cs typeface="+mn-cs"/>
+              </a:defRPr>
+            </a:lvl9pPr>
+          </a:lstStyle>
+          <a:p>
+            <a:r>
+              <a:rPr lang="en-US" dirty="0"/>
+              <a:t>Landmarks</a:t>
+            </a:r>
+          </a:p>
+        </p:txBody>
+      </p:sp>
+      <p:sp>
+        <p:nvSpPr>
+          <p:cNvPr id="4" name="Subtitle 8">
+            <a:extLst>
+              <a:ext uri="{FF2B5EF4-FFF2-40B4-BE49-F238E27FC236}">
+                <a16:creationId xmlns:a16="http://schemas.microsoft.com/office/drawing/2014/main" id="{A758D4D7-5822-9265-F296-5C3085B0464B}"/>
+              </a:ext>
+            </a:extLst>
+          </p:cNvPr>
+          <p:cNvSpPr txBox="1">
+            <a:spLocks/>
+          </p:cNvSpPr>
+          <p:nvPr/>
+        </p:nvSpPr>
+        <p:spPr>
+          <a:xfrm>
+            <a:off x="3961947" y="3808535"/>
+            <a:ext cx="4268106" cy="652923"/>
+          </a:xfrm>
+          <a:prstGeom prst="roundRect">
+            <a:avLst>
+              <a:gd name="adj" fmla="val 50000"/>
+            </a:avLst>
+          </a:prstGeom>
+          <a:solidFill>
+            <a:schemeClr val="accent6"/>
+          </a:solidFill>
+          <a:ln w="38100">
+            <a:solidFill>
+              <a:schemeClr val="tx1"/>
+            </a:solidFill>
+          </a:ln>
+        </p:spPr>
+        <p:txBody>
+          <a:bodyPr vert="horz" lIns="91440" tIns="45720" rIns="91440" bIns="45720" rtlCol="0" anchor="ctr">
+            <a:noAutofit/>
+          </a:bodyPr>
+          <a:lstStyle>
+            <a:lvl1pPr marL="0" indent="0" algn="ctr" defTabSz="457200" rtl="0" eaLnBrk="1" latinLnBrk="0" hangingPunct="1">
+              <a:spcBef>
+                <a:spcPct val="20000"/>
+              </a:spcBef>
+              <a:spcAft>
+                <a:spcPts val="600"/>
+              </a:spcAft>
+              <a:buClr>
+                <a:schemeClr val="accent1">
+                  <a:lumMod val="75000"/>
+                </a:schemeClr>
+              </a:buClr>
+              <a:buSzPct val="145000"/>
+              <a:buFont typeface="Arial"/>
+              <a:buNone/>
+              <a:defRPr sz="2000" kern="1200" cap="none">
+                <a:solidFill>
+                  <a:schemeClr val="tx1"/>
+                </a:solidFill>
+                <a:effectLst/>
+                <a:latin typeface="+mn-lt"/>
+                <a:ea typeface="+mn-ea"/>
+                <a:cs typeface="+mn-cs"/>
+              </a:defRPr>
+            </a:lvl1pPr>
+            <a:lvl2pPr marL="457200" indent="0" algn="ctr" defTabSz="457200" rtl="0" eaLnBrk="1" latinLnBrk="0" hangingPunct="1">
+              <a:spcBef>
+                <a:spcPct val="20000"/>
+              </a:spcBef>
+              <a:spcAft>
+                <a:spcPts val="600"/>
+              </a:spcAft>
+              <a:buClr>
+                <a:schemeClr val="accent1">
+                  <a:lumMod val="75000"/>
+                </a:schemeClr>
+              </a:buClr>
+              <a:buSzPct val="145000"/>
+              <a:buFont typeface="Arial"/>
+              <a:buNone/>
+              <a:defRPr sz="2000" kern="1200" cap="none">
+                <a:solidFill>
+                  <a:schemeClr val="tx1"/>
+                </a:solidFill>
+                <a:effectLst/>
+                <a:latin typeface="+mn-lt"/>
+                <a:ea typeface="+mn-ea"/>
+                <a:cs typeface="+mn-cs"/>
+              </a:defRPr>
+            </a:lvl2pPr>
+            <a:lvl3pPr marL="914400" indent="0" algn="ctr" defTabSz="457200" rtl="0" eaLnBrk="1" latinLnBrk="0" hangingPunct="1">
+              <a:spcBef>
+                <a:spcPct val="20000"/>
+              </a:spcBef>
+              <a:spcAft>
+                <a:spcPts val="600"/>
+              </a:spcAft>
+              <a:buClr>
+                <a:schemeClr val="accent1">
+                  <a:lumMod val="75000"/>
+                </a:schemeClr>
+              </a:buClr>
+              <a:buSzPct val="145000"/>
+              <a:buFont typeface="Arial"/>
+              <a:buNone/>
+              <a:defRPr sz="1800" kern="1200" cap="none">
+                <a:solidFill>
+                  <a:schemeClr val="tx1"/>
+                </a:solidFill>
+                <a:effectLst/>
+                <a:latin typeface="+mn-lt"/>
+                <a:ea typeface="+mn-ea"/>
+                <a:cs typeface="+mn-cs"/>
+              </a:defRPr>
+            </a:lvl3pPr>
+            <a:lvl4pPr marL="1371600" indent="0" algn="ctr" defTabSz="457200" rtl="0" eaLnBrk="1" latinLnBrk="0" hangingPunct="1">
+              <a:spcBef>
+                <a:spcPct val="20000"/>
+              </a:spcBef>
+              <a:spcAft>
+                <a:spcPts val="600"/>
+              </a:spcAft>
+              <a:buClr>
+                <a:schemeClr val="accent1">
+                  <a:lumMod val="75000"/>
+                </a:schemeClr>
+              </a:buClr>
+              <a:buSzPct val="145000"/>
+              <a:buFont typeface="Arial"/>
+              <a:buNone/>
+              <a:defRPr sz="1600" kern="1200" cap="none">
+                <a:solidFill>
+                  <a:schemeClr val="tx1"/>
+                </a:solidFill>
+                <a:effectLst/>
+                <a:latin typeface="+mn-lt"/>
+                <a:ea typeface="+mn-ea"/>
+                <a:cs typeface="+mn-cs"/>
+              </a:defRPr>
+            </a:lvl4pPr>
+            <a:lvl5pPr marL="1828800" indent="0" algn="ctr" defTabSz="457200" rtl="0" eaLnBrk="1" latinLnBrk="0" hangingPunct="1">
+              <a:spcBef>
+                <a:spcPct val="20000"/>
+              </a:spcBef>
+              <a:spcAft>
+                <a:spcPts val="600"/>
+              </a:spcAft>
+              <a:buClr>
+                <a:schemeClr val="accent1">
+                  <a:lumMod val="75000"/>
+                </a:schemeClr>
+              </a:buClr>
+              <a:buSzPct val="145000"/>
+              <a:buFont typeface="Arial"/>
+              <a:buNone/>
+              <a:defRPr sz="1600" kern="1200" cap="none">
+                <a:solidFill>
+                  <a:schemeClr val="tx1"/>
+                </a:solidFill>
+                <a:effectLst/>
+                <a:latin typeface="+mn-lt"/>
+                <a:ea typeface="+mn-ea"/>
+                <a:cs typeface="+mn-cs"/>
+              </a:defRPr>
+            </a:lvl5pPr>
+            <a:lvl6pPr marL="2286000" indent="0" algn="ctr" defTabSz="457200" rtl="0" eaLnBrk="1" latinLnBrk="0" hangingPunct="1">
+              <a:spcBef>
+                <a:spcPct val="20000"/>
+              </a:spcBef>
+              <a:spcAft>
+                <a:spcPts val="600"/>
+              </a:spcAft>
+              <a:buClr>
+                <a:schemeClr val="accent1">
+                  <a:lumMod val="75000"/>
+                </a:schemeClr>
+              </a:buClr>
+              <a:buSzPct val="145000"/>
+              <a:buFont typeface="Arial"/>
+              <a:buNone/>
+              <a:defRPr sz="1600" kern="1200" cap="none">
+                <a:solidFill>
+                  <a:schemeClr val="tx1"/>
+                </a:solidFill>
+                <a:effectLst/>
+                <a:latin typeface="+mn-lt"/>
+                <a:ea typeface="+mn-ea"/>
+                <a:cs typeface="+mn-cs"/>
+              </a:defRPr>
+            </a:lvl6pPr>
+            <a:lvl7pPr marL="2743200" indent="0" algn="ctr" defTabSz="457200" rtl="0" eaLnBrk="1" latinLnBrk="0" hangingPunct="1">
+              <a:spcBef>
+                <a:spcPct val="20000"/>
+              </a:spcBef>
+              <a:spcAft>
+                <a:spcPts val="600"/>
+              </a:spcAft>
+              <a:buClr>
+                <a:schemeClr val="accent1">
+                  <a:lumMod val="75000"/>
+                </a:schemeClr>
+              </a:buClr>
+              <a:buSzPct val="145000"/>
+              <a:buFont typeface="Arial"/>
+              <a:buNone/>
+              <a:defRPr sz="1600" kern="1200" cap="none">
+                <a:solidFill>
+                  <a:schemeClr val="tx1"/>
+                </a:solidFill>
+                <a:effectLst/>
+                <a:latin typeface="+mn-lt"/>
+                <a:ea typeface="+mn-ea"/>
+                <a:cs typeface="+mn-cs"/>
+              </a:defRPr>
+            </a:lvl7pPr>
+            <a:lvl8pPr marL="3200400" indent="0" algn="ctr" defTabSz="457200" rtl="0" eaLnBrk="1" latinLnBrk="0" hangingPunct="1">
+              <a:spcBef>
+                <a:spcPct val="20000"/>
+              </a:spcBef>
+              <a:spcAft>
+                <a:spcPts val="600"/>
+              </a:spcAft>
+              <a:buClr>
+                <a:schemeClr val="accent1">
+                  <a:lumMod val="75000"/>
+                </a:schemeClr>
+              </a:buClr>
+              <a:buSzPct val="145000"/>
+              <a:buFont typeface="Arial"/>
+              <a:buNone/>
+              <a:defRPr sz="1600" kern="1200" cap="none">
+                <a:solidFill>
+                  <a:schemeClr val="tx1"/>
+                </a:solidFill>
+                <a:effectLst/>
+                <a:latin typeface="+mn-lt"/>
+                <a:ea typeface="+mn-ea"/>
+                <a:cs typeface="+mn-cs"/>
+              </a:defRPr>
+            </a:lvl8pPr>
+            <a:lvl9pPr marL="3657600" indent="0" algn="ctr" defTabSz="457200" rtl="0" eaLnBrk="1" latinLnBrk="0" hangingPunct="1">
+              <a:spcBef>
+                <a:spcPct val="20000"/>
+              </a:spcBef>
+              <a:spcAft>
+                <a:spcPts val="600"/>
+              </a:spcAft>
+              <a:buClr>
+                <a:schemeClr val="accent1">
+                  <a:lumMod val="75000"/>
+                </a:schemeClr>
+              </a:buClr>
+              <a:buSzPct val="145000"/>
+              <a:buFont typeface="Arial"/>
+              <a:buNone/>
+              <a:defRPr sz="1600" kern="1200" cap="none">
+                <a:solidFill>
+                  <a:schemeClr val="tx1"/>
+                </a:solidFill>
+                <a:effectLst/>
+                <a:latin typeface="+mn-lt"/>
+                <a:ea typeface="+mn-ea"/>
+                <a:cs typeface="+mn-cs"/>
+              </a:defRPr>
+            </a:lvl9pPr>
+          </a:lstStyle>
+          <a:p>
+            <a:r>
+              <a:rPr lang="en-US" dirty="0"/>
+              <a:t>Best Practices</a:t>
+            </a:r>
+          </a:p>
+        </p:txBody>
+      </p:sp>
+      <p:sp>
+        <p:nvSpPr>
+          <p:cNvPr id="5" name="Subtitle 8">
+            <a:extLst>
+              <a:ext uri="{FF2B5EF4-FFF2-40B4-BE49-F238E27FC236}">
+                <a16:creationId xmlns:a16="http://schemas.microsoft.com/office/drawing/2014/main" id="{3FDC724E-86C9-0207-B00F-05D61B2FE87B}"/>
+              </a:ext>
+            </a:extLst>
+          </p:cNvPr>
+          <p:cNvSpPr txBox="1">
+            <a:spLocks/>
+          </p:cNvSpPr>
+          <p:nvPr/>
+        </p:nvSpPr>
+        <p:spPr>
+          <a:xfrm>
+            <a:off x="3961947" y="4655005"/>
+            <a:ext cx="4268106" cy="652923"/>
+          </a:xfrm>
+          <a:prstGeom prst="roundRect">
+            <a:avLst>
+              <a:gd name="adj" fmla="val 50000"/>
+            </a:avLst>
+          </a:prstGeom>
+          <a:solidFill>
+            <a:schemeClr val="accent6"/>
+          </a:solidFill>
+          <a:ln w="38100">
+            <a:solidFill>
+              <a:schemeClr val="tx1"/>
+            </a:solidFill>
+          </a:ln>
+        </p:spPr>
+        <p:txBody>
+          <a:bodyPr vert="horz" lIns="91440" tIns="45720" rIns="91440" bIns="45720" rtlCol="0" anchor="ctr">
+            <a:noAutofit/>
+          </a:bodyPr>
+          <a:lstStyle>
+            <a:lvl1pPr marL="0" indent="0" algn="ctr" defTabSz="457200" rtl="0" eaLnBrk="1" latinLnBrk="0" hangingPunct="1">
+              <a:spcBef>
+                <a:spcPct val="20000"/>
+              </a:spcBef>
+              <a:spcAft>
+                <a:spcPts val="600"/>
+              </a:spcAft>
+              <a:buClr>
+                <a:schemeClr val="accent1">
+                  <a:lumMod val="75000"/>
+                </a:schemeClr>
+              </a:buClr>
+              <a:buSzPct val="145000"/>
+              <a:buFont typeface="Arial"/>
+              <a:buNone/>
+              <a:defRPr sz="2000" kern="1200" cap="none">
+                <a:solidFill>
+                  <a:schemeClr val="tx1"/>
+                </a:solidFill>
+                <a:effectLst/>
+                <a:latin typeface="+mn-lt"/>
+                <a:ea typeface="+mn-ea"/>
+                <a:cs typeface="+mn-cs"/>
+              </a:defRPr>
+            </a:lvl1pPr>
+            <a:lvl2pPr marL="457200" indent="0" algn="ctr" defTabSz="457200" rtl="0" eaLnBrk="1" latinLnBrk="0" hangingPunct="1">
+              <a:spcBef>
+                <a:spcPct val="20000"/>
+              </a:spcBef>
+              <a:spcAft>
+                <a:spcPts val="600"/>
+              </a:spcAft>
+              <a:buClr>
+                <a:schemeClr val="accent1">
+                  <a:lumMod val="75000"/>
+                </a:schemeClr>
+              </a:buClr>
+              <a:buSzPct val="145000"/>
+              <a:buFont typeface="Arial"/>
+              <a:buNone/>
+              <a:defRPr sz="2000" kern="1200" cap="none">
+                <a:solidFill>
+                  <a:schemeClr val="tx1"/>
+                </a:solidFill>
+                <a:effectLst/>
+                <a:latin typeface="+mn-lt"/>
+                <a:ea typeface="+mn-ea"/>
+                <a:cs typeface="+mn-cs"/>
+              </a:defRPr>
+            </a:lvl2pPr>
+            <a:lvl3pPr marL="914400" indent="0" algn="ctr" defTabSz="457200" rtl="0" eaLnBrk="1" latinLnBrk="0" hangingPunct="1">
+              <a:spcBef>
+                <a:spcPct val="20000"/>
+              </a:spcBef>
+              <a:spcAft>
+                <a:spcPts val="600"/>
+              </a:spcAft>
+              <a:buClr>
+                <a:schemeClr val="accent1">
+                  <a:lumMod val="75000"/>
+                </a:schemeClr>
+              </a:buClr>
+              <a:buSzPct val="145000"/>
+              <a:buFont typeface="Arial"/>
+              <a:buNone/>
+              <a:defRPr sz="1800" kern="1200" cap="none">
+                <a:solidFill>
+                  <a:schemeClr val="tx1"/>
+                </a:solidFill>
+                <a:effectLst/>
+                <a:latin typeface="+mn-lt"/>
+                <a:ea typeface="+mn-ea"/>
+                <a:cs typeface="+mn-cs"/>
+              </a:defRPr>
+            </a:lvl3pPr>
+            <a:lvl4pPr marL="1371600" indent="0" algn="ctr" defTabSz="457200" rtl="0" eaLnBrk="1" latinLnBrk="0" hangingPunct="1">
+              <a:spcBef>
+                <a:spcPct val="20000"/>
+              </a:spcBef>
+              <a:spcAft>
+                <a:spcPts val="600"/>
+              </a:spcAft>
+              <a:buClr>
+                <a:schemeClr val="accent1">
+                  <a:lumMod val="75000"/>
+                </a:schemeClr>
+              </a:buClr>
+              <a:buSzPct val="145000"/>
+              <a:buFont typeface="Arial"/>
+              <a:buNone/>
+              <a:defRPr sz="1600" kern="1200" cap="none">
+                <a:solidFill>
+                  <a:schemeClr val="tx1"/>
+                </a:solidFill>
+                <a:effectLst/>
+                <a:latin typeface="+mn-lt"/>
+                <a:ea typeface="+mn-ea"/>
+                <a:cs typeface="+mn-cs"/>
+              </a:defRPr>
+            </a:lvl4pPr>
+            <a:lvl5pPr marL="1828800" indent="0" algn="ctr" defTabSz="457200" rtl="0" eaLnBrk="1" latinLnBrk="0" hangingPunct="1">
+              <a:spcBef>
+                <a:spcPct val="20000"/>
+              </a:spcBef>
+              <a:spcAft>
+                <a:spcPts val="600"/>
+              </a:spcAft>
+              <a:buClr>
+                <a:schemeClr val="accent1">
+                  <a:lumMod val="75000"/>
+                </a:schemeClr>
+              </a:buClr>
+              <a:buSzPct val="145000"/>
+              <a:buFont typeface="Arial"/>
+              <a:buNone/>
+              <a:defRPr sz="1600" kern="1200" cap="none">
+                <a:solidFill>
+                  <a:schemeClr val="tx1"/>
+                </a:solidFill>
+                <a:effectLst/>
+                <a:latin typeface="+mn-lt"/>
+                <a:ea typeface="+mn-ea"/>
+                <a:cs typeface="+mn-cs"/>
+              </a:defRPr>
+            </a:lvl5pPr>
+            <a:lvl6pPr marL="2286000" indent="0" algn="ctr" defTabSz="457200" rtl="0" eaLnBrk="1" latinLnBrk="0" hangingPunct="1">
+              <a:spcBef>
+                <a:spcPct val="20000"/>
+              </a:spcBef>
+              <a:spcAft>
+                <a:spcPts val="600"/>
+              </a:spcAft>
+              <a:buClr>
+                <a:schemeClr val="accent1">
+                  <a:lumMod val="75000"/>
+                </a:schemeClr>
+              </a:buClr>
+              <a:buSzPct val="145000"/>
+              <a:buFont typeface="Arial"/>
+              <a:buNone/>
+              <a:defRPr sz="1600" kern="1200" cap="none">
+                <a:solidFill>
+                  <a:schemeClr val="tx1"/>
+                </a:solidFill>
+                <a:effectLst/>
+                <a:latin typeface="+mn-lt"/>
+                <a:ea typeface="+mn-ea"/>
+                <a:cs typeface="+mn-cs"/>
+              </a:defRPr>
+            </a:lvl6pPr>
+            <a:lvl7pPr marL="2743200" indent="0" algn="ctr" defTabSz="457200" rtl="0" eaLnBrk="1" latinLnBrk="0" hangingPunct="1">
+              <a:spcBef>
+                <a:spcPct val="20000"/>
+              </a:spcBef>
+              <a:spcAft>
+                <a:spcPts val="600"/>
+              </a:spcAft>
+              <a:buClr>
+                <a:schemeClr val="accent1">
+                  <a:lumMod val="75000"/>
+                </a:schemeClr>
+              </a:buClr>
+              <a:buSzPct val="145000"/>
+              <a:buFont typeface="Arial"/>
+              <a:buNone/>
+              <a:defRPr sz="1600" kern="1200" cap="none">
+                <a:solidFill>
+                  <a:schemeClr val="tx1"/>
+                </a:solidFill>
+                <a:effectLst/>
+                <a:latin typeface="+mn-lt"/>
+                <a:ea typeface="+mn-ea"/>
+                <a:cs typeface="+mn-cs"/>
+              </a:defRPr>
+            </a:lvl7pPr>
+            <a:lvl8pPr marL="3200400" indent="0" algn="ctr" defTabSz="457200" rtl="0" eaLnBrk="1" latinLnBrk="0" hangingPunct="1">
+              <a:spcBef>
+                <a:spcPct val="20000"/>
+              </a:spcBef>
+              <a:spcAft>
+                <a:spcPts val="600"/>
+              </a:spcAft>
+              <a:buClr>
+                <a:schemeClr val="accent1">
+                  <a:lumMod val="75000"/>
+                </a:schemeClr>
+              </a:buClr>
+              <a:buSzPct val="145000"/>
+              <a:buFont typeface="Arial"/>
+              <a:buNone/>
+              <a:defRPr sz="1600" kern="1200" cap="none">
+                <a:solidFill>
+                  <a:schemeClr val="tx1"/>
+                </a:solidFill>
+                <a:effectLst/>
+                <a:latin typeface="+mn-lt"/>
+                <a:ea typeface="+mn-ea"/>
+                <a:cs typeface="+mn-cs"/>
+              </a:defRPr>
+            </a:lvl8pPr>
+            <a:lvl9pPr marL="3657600" indent="0" algn="ctr" defTabSz="457200" rtl="0" eaLnBrk="1" latinLnBrk="0" hangingPunct="1">
+              <a:spcBef>
+                <a:spcPct val="20000"/>
+              </a:spcBef>
+              <a:spcAft>
+                <a:spcPts val="600"/>
+              </a:spcAft>
+              <a:buClr>
+                <a:schemeClr val="accent1">
+                  <a:lumMod val="75000"/>
+                </a:schemeClr>
+              </a:buClr>
+              <a:buSzPct val="145000"/>
+              <a:buFont typeface="Arial"/>
+              <a:buNone/>
+              <a:defRPr sz="1600" kern="1200" cap="none">
+                <a:solidFill>
+                  <a:schemeClr val="tx1"/>
+                </a:solidFill>
+                <a:effectLst/>
+                <a:latin typeface="+mn-lt"/>
+                <a:ea typeface="+mn-ea"/>
+                <a:cs typeface="+mn-cs"/>
+              </a:defRPr>
+            </a:lvl9pPr>
+          </a:lstStyle>
+          <a:p>
+            <a:r>
+              <a:rPr lang="en-US" dirty="0"/>
+              <a:t>First rule of ARIA</a:t>
+            </a:r>
+          </a:p>
+        </p:txBody>
+      </p:sp>
+      <p:sp>
+        <p:nvSpPr>
+          <p:cNvPr id="10" name="Text Placeholder 9">
+            <a:extLst>
+              <a:ext uri="{FF2B5EF4-FFF2-40B4-BE49-F238E27FC236}">
+                <a16:creationId xmlns:a16="http://schemas.microsoft.com/office/drawing/2014/main" id="{79900152-4190-4E1D-710E-A59A8AF309AF}"/>
+              </a:ext>
+            </a:extLst>
+          </p:cNvPr>
+          <p:cNvSpPr>
+            <a:spLocks noGrp="1"/>
+          </p:cNvSpPr>
+          <p:nvPr>
+            <p:ph type="body" sz="quarter" idx="12"/>
+          </p:nvPr>
+        </p:nvSpPr>
+        <p:spPr/>
+        <p:txBody>
+          <a:bodyPr/>
+          <a:lstStyle/>
+          <a:p>
+            <a:r>
+              <a:rPr lang="en-US" dirty="0">
+                <a:solidFill>
+                  <a:schemeClr val="bg1"/>
+                </a:solidFill>
+              </a:rPr>
+              <a:t>Erissa</a:t>
+            </a:r>
+          </a:p>
+        </p:txBody>
+      </p:sp>
+      <p:sp>
+        <p:nvSpPr>
+          <p:cNvPr id="2" name="Date Placeholder 1">
+            <a:extLst>
+              <a:ext uri="{FF2B5EF4-FFF2-40B4-BE49-F238E27FC236}">
+                <a16:creationId xmlns:a16="http://schemas.microsoft.com/office/drawing/2014/main" id="{B866EC4B-4FD9-C776-97E0-87B07FAE8337}"/>
+              </a:ext>
+            </a:extLst>
+          </p:cNvPr>
+          <p:cNvSpPr>
+            <a:spLocks noGrp="1"/>
+          </p:cNvSpPr>
+          <p:nvPr>
+            <p:ph type="dt" sz="half" idx="2"/>
+          </p:nvPr>
+        </p:nvSpPr>
+        <p:spPr/>
+        <p:txBody>
+          <a:bodyPr/>
+          <a:lstStyle/>
+          <a:p>
+            <a:fld id="{72B8B865-6043-45BC-B48D-1676CB43D17A}" type="datetime1">
+              <a:rPr lang="en-US" smtClean="0"/>
+              <a:pPr/>
+              <a:t>2/7/2024</a:t>
+            </a:fld>
+            <a:endParaRPr lang="en-US" dirty="0"/>
+          </a:p>
+        </p:txBody>
+      </p:sp>
+      <p:sp>
+        <p:nvSpPr>
+          <p:cNvPr id="3" name="Slide Number Placeholder 2">
+            <a:extLst>
+              <a:ext uri="{FF2B5EF4-FFF2-40B4-BE49-F238E27FC236}">
+                <a16:creationId xmlns:a16="http://schemas.microsoft.com/office/drawing/2014/main" id="{E4295421-5C34-5B72-A927-0E17EA44FDD5}"/>
+              </a:ext>
+            </a:extLst>
+          </p:cNvPr>
+          <p:cNvSpPr>
+            <a:spLocks noGrp="1"/>
+          </p:cNvSpPr>
+          <p:nvPr>
+            <p:ph type="sldNum" sz="quarter" idx="4"/>
+          </p:nvPr>
+        </p:nvSpPr>
+        <p:spPr/>
+        <p:txBody>
+          <a:bodyPr/>
+          <a:lstStyle/>
+          <a:p>
+            <a:fld id="{294A09A9-5501-47C1-A89A-A340965A2BE2}" type="slidenum">
+              <a:rPr lang="en-US" smtClean="0"/>
+              <a:pPr/>
+              <a:t>10</a:t>
+            </a:fld>
+            <a:endParaRPr lang="en-US" dirty="0"/>
+          </a:p>
+        </p:txBody>
+      </p:sp>
+    </p:spTree>
+    <p:extLst>
+      <p:ext uri="{BB962C8B-B14F-4D97-AF65-F5344CB8AC3E}">
+        <p14:creationId xmlns:p14="http://schemas.microsoft.com/office/powerpoint/2010/main" val="2455359746"/>
+      </p:ext>
+    </p:extLst>
+  </p:cSld>
+  <p:clrMapOvr>
+    <a:masterClrMapping/>
+  </p:clrMapOvr>
+</p:sld>
+</file>
+
+<file path=ppt/slides/slide11.xml><?xml version="1.0" encoding="utf-8"?>
+<p:sld xmlns:a="http://schemas.openxmlformats.org/drawingml/2006/main" xmlns:r="http://schemas.openxmlformats.org/officeDocument/2006/relationships" xmlns:p="http://schemas.openxmlformats.org/presentationml/2006/main">
+  <p:cSld>
+    <p:spTree>
+      <p:nvGrpSpPr>
+        <p:cNvPr id="1" name="">
+          <a:extLst>
+            <a:ext uri="{FF2B5EF4-FFF2-40B4-BE49-F238E27FC236}">
+              <a16:creationId xmlns:a16="http://schemas.microsoft.com/office/drawing/2014/main" id="{60CF8FC3-F5AA-A8E7-971C-7863541C65CC}"/>
+            </a:ext>
+          </a:extLst>
+        </p:cNvPr>
+        <p:cNvGrpSpPr/>
+        <p:nvPr/>
+      </p:nvGrpSpPr>
+      <p:grpSpPr>
+        <a:xfrm>
+          <a:off x="0" y="0"/>
+          <a:ext cx="0" cy="0"/>
+          <a:chOff x="0" y="0"/>
+          <a:chExt cx="0" cy="0"/>
+        </a:xfrm>
+      </p:grpSpPr>
+      <p:sp>
+        <p:nvSpPr>
+          <p:cNvPr id="8" name="Title 7">
+            <a:extLst>
+              <a:ext uri="{FF2B5EF4-FFF2-40B4-BE49-F238E27FC236}">
+                <a16:creationId xmlns:a16="http://schemas.microsoft.com/office/drawing/2014/main" id="{608D2AA8-D6DB-E057-84CE-CE9A68DEEC3F}"/>
+              </a:ext>
+            </a:extLst>
+          </p:cNvPr>
+          <p:cNvSpPr>
+            <a:spLocks noGrp="1"/>
+          </p:cNvSpPr>
+          <p:nvPr>
+            <p:ph type="title"/>
+          </p:nvPr>
+        </p:nvSpPr>
+        <p:spPr>
+          <a:xfrm>
+            <a:off x="2363686" y="1176402"/>
+            <a:ext cx="7464628" cy="881523"/>
+          </a:xfrm>
+        </p:spPr>
+        <p:txBody>
+          <a:bodyPr>
+            <a:normAutofit fontScale="90000"/>
+          </a:bodyPr>
+          <a:lstStyle/>
+          <a:p>
+            <a:r>
+              <a:rPr lang="en-US" dirty="0"/>
+              <a:t>Tools</a:t>
+            </a:r>
+          </a:p>
+        </p:txBody>
+      </p:sp>
+      <p:sp>
+        <p:nvSpPr>
+          <p:cNvPr id="13" name="Subtitle 8">
+            <a:extLst>
+              <a:ext uri="{FF2B5EF4-FFF2-40B4-BE49-F238E27FC236}">
+                <a16:creationId xmlns:a16="http://schemas.microsoft.com/office/drawing/2014/main" id="{8FB3F15D-979F-92C2-5021-5146C69DB59C}"/>
+              </a:ext>
+            </a:extLst>
+          </p:cNvPr>
+          <p:cNvSpPr txBox="1">
+            <a:spLocks/>
+          </p:cNvSpPr>
+          <p:nvPr/>
+        </p:nvSpPr>
+        <p:spPr>
+          <a:xfrm>
+            <a:off x="4070102" y="2459519"/>
+            <a:ext cx="4268106" cy="652923"/>
+          </a:xfrm>
+          <a:prstGeom prst="roundRect">
+            <a:avLst>
+              <a:gd name="adj" fmla="val 50000"/>
+            </a:avLst>
+          </a:prstGeom>
+          <a:solidFill>
+            <a:schemeClr val="accent6"/>
+          </a:solidFill>
+          <a:ln w="38100">
+            <a:solidFill>
+              <a:schemeClr val="tx1"/>
+            </a:solidFill>
+          </a:ln>
+        </p:spPr>
+        <p:txBody>
+          <a:bodyPr vert="horz" lIns="91440" tIns="45720" rIns="91440" bIns="45720" rtlCol="0" anchor="ctr">
+            <a:noAutofit/>
+          </a:bodyPr>
+          <a:lstStyle>
+            <a:lvl1pPr marL="0" indent="0" algn="ctr" defTabSz="457200" rtl="0" eaLnBrk="1" latinLnBrk="0" hangingPunct="1">
+              <a:spcBef>
+                <a:spcPct val="20000"/>
+              </a:spcBef>
+              <a:spcAft>
+                <a:spcPts val="600"/>
+              </a:spcAft>
+              <a:buClr>
+                <a:schemeClr val="accent1">
+                  <a:lumMod val="75000"/>
+                </a:schemeClr>
+              </a:buClr>
+              <a:buSzPct val="145000"/>
+              <a:buFont typeface="Arial"/>
+              <a:buNone/>
+              <a:defRPr sz="2000" kern="1200" cap="none">
+                <a:solidFill>
+                  <a:schemeClr val="tx1"/>
+                </a:solidFill>
+                <a:effectLst/>
+                <a:latin typeface="+mn-lt"/>
+                <a:ea typeface="+mn-ea"/>
+                <a:cs typeface="+mn-cs"/>
+              </a:defRPr>
+            </a:lvl1pPr>
+            <a:lvl2pPr marL="457200" indent="0" algn="ctr" defTabSz="457200" rtl="0" eaLnBrk="1" latinLnBrk="0" hangingPunct="1">
+              <a:spcBef>
+                <a:spcPct val="20000"/>
+              </a:spcBef>
+              <a:spcAft>
+                <a:spcPts val="600"/>
+              </a:spcAft>
+              <a:buClr>
+                <a:schemeClr val="accent1">
+                  <a:lumMod val="75000"/>
+                </a:schemeClr>
+              </a:buClr>
+              <a:buSzPct val="145000"/>
+              <a:buFont typeface="Arial"/>
+              <a:buNone/>
+              <a:defRPr sz="2000" kern="1200" cap="none">
+                <a:solidFill>
+                  <a:schemeClr val="tx1"/>
+                </a:solidFill>
+                <a:effectLst/>
+                <a:latin typeface="+mn-lt"/>
+                <a:ea typeface="+mn-ea"/>
+                <a:cs typeface="+mn-cs"/>
+              </a:defRPr>
+            </a:lvl2pPr>
+            <a:lvl3pPr marL="914400" indent="0" algn="ctr" defTabSz="457200" rtl="0" eaLnBrk="1" latinLnBrk="0" hangingPunct="1">
+              <a:spcBef>
+                <a:spcPct val="20000"/>
+              </a:spcBef>
+              <a:spcAft>
+                <a:spcPts val="600"/>
+              </a:spcAft>
+              <a:buClr>
+                <a:schemeClr val="accent1">
+                  <a:lumMod val="75000"/>
+                </a:schemeClr>
+              </a:buClr>
+              <a:buSzPct val="145000"/>
+              <a:buFont typeface="Arial"/>
+              <a:buNone/>
+              <a:defRPr sz="1800" kern="1200" cap="none">
+                <a:solidFill>
+                  <a:schemeClr val="tx1"/>
+                </a:solidFill>
+                <a:effectLst/>
+                <a:latin typeface="+mn-lt"/>
+                <a:ea typeface="+mn-ea"/>
+                <a:cs typeface="+mn-cs"/>
+              </a:defRPr>
+            </a:lvl3pPr>
+            <a:lvl4pPr marL="1371600" indent="0" algn="ctr" defTabSz="457200" rtl="0" eaLnBrk="1" latinLnBrk="0" hangingPunct="1">
+              <a:spcBef>
+                <a:spcPct val="20000"/>
+              </a:spcBef>
+              <a:spcAft>
+                <a:spcPts val="600"/>
+              </a:spcAft>
+              <a:buClr>
+                <a:schemeClr val="accent1">
+                  <a:lumMod val="75000"/>
+                </a:schemeClr>
+              </a:buClr>
+              <a:buSzPct val="145000"/>
+              <a:buFont typeface="Arial"/>
+              <a:buNone/>
+              <a:defRPr sz="1600" kern="1200" cap="none">
+                <a:solidFill>
+                  <a:schemeClr val="tx1"/>
+                </a:solidFill>
+                <a:effectLst/>
+                <a:latin typeface="+mn-lt"/>
+                <a:ea typeface="+mn-ea"/>
+                <a:cs typeface="+mn-cs"/>
+              </a:defRPr>
+            </a:lvl4pPr>
+            <a:lvl5pPr marL="1828800" indent="0" algn="ctr" defTabSz="457200" rtl="0" eaLnBrk="1" latinLnBrk="0" hangingPunct="1">
+              <a:spcBef>
+                <a:spcPct val="20000"/>
+              </a:spcBef>
+              <a:spcAft>
+                <a:spcPts val="600"/>
+              </a:spcAft>
+              <a:buClr>
+                <a:schemeClr val="accent1">
+                  <a:lumMod val="75000"/>
+                </a:schemeClr>
+              </a:buClr>
+              <a:buSzPct val="145000"/>
+              <a:buFont typeface="Arial"/>
+              <a:buNone/>
+              <a:defRPr sz="1600" kern="1200" cap="none">
+                <a:solidFill>
+                  <a:schemeClr val="tx1"/>
+                </a:solidFill>
+                <a:effectLst/>
+                <a:latin typeface="+mn-lt"/>
+                <a:ea typeface="+mn-ea"/>
+                <a:cs typeface="+mn-cs"/>
+              </a:defRPr>
+            </a:lvl5pPr>
+            <a:lvl6pPr marL="2286000" indent="0" algn="ctr" defTabSz="457200" rtl="0" eaLnBrk="1" latinLnBrk="0" hangingPunct="1">
+              <a:spcBef>
+                <a:spcPct val="20000"/>
+              </a:spcBef>
+              <a:spcAft>
+                <a:spcPts val="600"/>
+              </a:spcAft>
+              <a:buClr>
+                <a:schemeClr val="accent1">
+                  <a:lumMod val="75000"/>
+                </a:schemeClr>
+              </a:buClr>
+              <a:buSzPct val="145000"/>
+              <a:buFont typeface="Arial"/>
+              <a:buNone/>
+              <a:defRPr sz="1600" kern="1200" cap="none">
+                <a:solidFill>
+                  <a:schemeClr val="tx1"/>
+                </a:solidFill>
+                <a:effectLst/>
+                <a:latin typeface="+mn-lt"/>
+                <a:ea typeface="+mn-ea"/>
+                <a:cs typeface="+mn-cs"/>
+              </a:defRPr>
+            </a:lvl6pPr>
+            <a:lvl7pPr marL="2743200" indent="0" algn="ctr" defTabSz="457200" rtl="0" eaLnBrk="1" latinLnBrk="0" hangingPunct="1">
+              <a:spcBef>
+                <a:spcPct val="20000"/>
+              </a:spcBef>
+              <a:spcAft>
+                <a:spcPts val="600"/>
+              </a:spcAft>
+              <a:buClr>
+                <a:schemeClr val="accent1">
+                  <a:lumMod val="75000"/>
+                </a:schemeClr>
+              </a:buClr>
+              <a:buSzPct val="145000"/>
+              <a:buFont typeface="Arial"/>
+              <a:buNone/>
+              <a:defRPr sz="1600" kern="1200" cap="none">
+                <a:solidFill>
+                  <a:schemeClr val="tx1"/>
+                </a:solidFill>
+                <a:effectLst/>
+                <a:latin typeface="+mn-lt"/>
+                <a:ea typeface="+mn-ea"/>
+                <a:cs typeface="+mn-cs"/>
+              </a:defRPr>
+            </a:lvl7pPr>
+            <a:lvl8pPr marL="3200400" indent="0" algn="ctr" defTabSz="457200" rtl="0" eaLnBrk="1" latinLnBrk="0" hangingPunct="1">
+              <a:spcBef>
+                <a:spcPct val="20000"/>
+              </a:spcBef>
+              <a:spcAft>
+                <a:spcPts val="600"/>
+              </a:spcAft>
+              <a:buClr>
+                <a:schemeClr val="accent1">
+                  <a:lumMod val="75000"/>
+                </a:schemeClr>
+              </a:buClr>
+              <a:buSzPct val="145000"/>
+              <a:buFont typeface="Arial"/>
+              <a:buNone/>
+              <a:defRPr sz="1600" kern="1200" cap="none">
+                <a:solidFill>
+                  <a:schemeClr val="tx1"/>
+                </a:solidFill>
+                <a:effectLst/>
+                <a:latin typeface="+mn-lt"/>
+                <a:ea typeface="+mn-ea"/>
+                <a:cs typeface="+mn-cs"/>
+              </a:defRPr>
+            </a:lvl8pPr>
+            <a:lvl9pPr marL="3657600" indent="0" algn="ctr" defTabSz="457200" rtl="0" eaLnBrk="1" latinLnBrk="0" hangingPunct="1">
+              <a:spcBef>
+                <a:spcPct val="20000"/>
+              </a:spcBef>
+              <a:spcAft>
+                <a:spcPts val="600"/>
+              </a:spcAft>
+              <a:buClr>
+                <a:schemeClr val="accent1">
+                  <a:lumMod val="75000"/>
+                </a:schemeClr>
+              </a:buClr>
+              <a:buSzPct val="145000"/>
+              <a:buFont typeface="Arial"/>
+              <a:buNone/>
+              <a:defRPr sz="1600" kern="1200" cap="none">
+                <a:solidFill>
+                  <a:schemeClr val="tx1"/>
+                </a:solidFill>
+                <a:effectLst/>
+                <a:latin typeface="+mn-lt"/>
+                <a:ea typeface="+mn-ea"/>
+                <a:cs typeface="+mn-cs"/>
+              </a:defRPr>
+            </a:lvl9pPr>
+          </a:lstStyle>
+          <a:p>
+            <a:r>
+              <a:rPr lang="en-US" dirty="0"/>
+              <a:t>Bookmarklets</a:t>
+            </a:r>
+          </a:p>
+        </p:txBody>
+      </p:sp>
+      <p:sp>
+        <p:nvSpPr>
+          <p:cNvPr id="4" name="Subtitle 8">
+            <a:extLst>
+              <a:ext uri="{FF2B5EF4-FFF2-40B4-BE49-F238E27FC236}">
+                <a16:creationId xmlns:a16="http://schemas.microsoft.com/office/drawing/2014/main" id="{7C9C5BB7-787C-BE72-D468-90F8ED6A41FC}"/>
+              </a:ext>
+            </a:extLst>
+          </p:cNvPr>
+          <p:cNvSpPr txBox="1">
+            <a:spLocks/>
+          </p:cNvSpPr>
+          <p:nvPr/>
+        </p:nvSpPr>
+        <p:spPr>
+          <a:xfrm>
+            <a:off x="4070102" y="3300683"/>
+            <a:ext cx="4268106" cy="652923"/>
+          </a:xfrm>
+          <a:prstGeom prst="roundRect">
+            <a:avLst>
+              <a:gd name="adj" fmla="val 50000"/>
+            </a:avLst>
+          </a:prstGeom>
+          <a:solidFill>
+            <a:schemeClr val="accent6"/>
+          </a:solidFill>
+          <a:ln w="38100">
+            <a:solidFill>
+              <a:schemeClr val="tx1"/>
+            </a:solidFill>
+          </a:ln>
+        </p:spPr>
+        <p:txBody>
+          <a:bodyPr vert="horz" lIns="91440" tIns="45720" rIns="91440" bIns="45720" rtlCol="0" anchor="ctr">
+            <a:noAutofit/>
+          </a:bodyPr>
+          <a:lstStyle>
+            <a:lvl1pPr marL="0" indent="0" algn="ctr" defTabSz="457200" rtl="0" eaLnBrk="1" latinLnBrk="0" hangingPunct="1">
+              <a:spcBef>
+                <a:spcPct val="20000"/>
+              </a:spcBef>
+              <a:spcAft>
+                <a:spcPts val="600"/>
+              </a:spcAft>
+              <a:buClr>
+                <a:schemeClr val="accent1">
+                  <a:lumMod val="75000"/>
+                </a:schemeClr>
+              </a:buClr>
+              <a:buSzPct val="145000"/>
+              <a:buFont typeface="Arial"/>
+              <a:buNone/>
+              <a:defRPr sz="2000" kern="1200" cap="none">
+                <a:solidFill>
+                  <a:schemeClr val="tx1"/>
+                </a:solidFill>
+                <a:effectLst/>
+                <a:latin typeface="+mn-lt"/>
+                <a:ea typeface="+mn-ea"/>
+                <a:cs typeface="+mn-cs"/>
+              </a:defRPr>
+            </a:lvl1pPr>
+            <a:lvl2pPr marL="457200" indent="0" algn="ctr" defTabSz="457200" rtl="0" eaLnBrk="1" latinLnBrk="0" hangingPunct="1">
+              <a:spcBef>
+                <a:spcPct val="20000"/>
+              </a:spcBef>
+              <a:spcAft>
+                <a:spcPts val="600"/>
+              </a:spcAft>
+              <a:buClr>
+                <a:schemeClr val="accent1">
+                  <a:lumMod val="75000"/>
+                </a:schemeClr>
+              </a:buClr>
+              <a:buSzPct val="145000"/>
+              <a:buFont typeface="Arial"/>
+              <a:buNone/>
+              <a:defRPr sz="2000" kern="1200" cap="none">
+                <a:solidFill>
+                  <a:schemeClr val="tx1"/>
+                </a:solidFill>
+                <a:effectLst/>
+                <a:latin typeface="+mn-lt"/>
+                <a:ea typeface="+mn-ea"/>
+                <a:cs typeface="+mn-cs"/>
+              </a:defRPr>
+            </a:lvl2pPr>
+            <a:lvl3pPr marL="914400" indent="0" algn="ctr" defTabSz="457200" rtl="0" eaLnBrk="1" latinLnBrk="0" hangingPunct="1">
+              <a:spcBef>
+                <a:spcPct val="20000"/>
+              </a:spcBef>
+              <a:spcAft>
+                <a:spcPts val="600"/>
+              </a:spcAft>
+              <a:buClr>
+                <a:schemeClr val="accent1">
+                  <a:lumMod val="75000"/>
+                </a:schemeClr>
+              </a:buClr>
+              <a:buSzPct val="145000"/>
+              <a:buFont typeface="Arial"/>
+              <a:buNone/>
+              <a:defRPr sz="1800" kern="1200" cap="none">
+                <a:solidFill>
+                  <a:schemeClr val="tx1"/>
+                </a:solidFill>
+                <a:effectLst/>
+                <a:latin typeface="+mn-lt"/>
+                <a:ea typeface="+mn-ea"/>
+                <a:cs typeface="+mn-cs"/>
+              </a:defRPr>
+            </a:lvl3pPr>
+            <a:lvl4pPr marL="1371600" indent="0" algn="ctr" defTabSz="457200" rtl="0" eaLnBrk="1" latinLnBrk="0" hangingPunct="1">
+              <a:spcBef>
+                <a:spcPct val="20000"/>
+              </a:spcBef>
+              <a:spcAft>
+                <a:spcPts val="600"/>
+              </a:spcAft>
+              <a:buClr>
+                <a:schemeClr val="accent1">
+                  <a:lumMod val="75000"/>
+                </a:schemeClr>
+              </a:buClr>
+              <a:buSzPct val="145000"/>
+              <a:buFont typeface="Arial"/>
+              <a:buNone/>
+              <a:defRPr sz="1600" kern="1200" cap="none">
+                <a:solidFill>
+                  <a:schemeClr val="tx1"/>
+                </a:solidFill>
+                <a:effectLst/>
+                <a:latin typeface="+mn-lt"/>
+                <a:ea typeface="+mn-ea"/>
+                <a:cs typeface="+mn-cs"/>
+              </a:defRPr>
+            </a:lvl4pPr>
+            <a:lvl5pPr marL="1828800" indent="0" algn="ctr" defTabSz="457200" rtl="0" eaLnBrk="1" latinLnBrk="0" hangingPunct="1">
+              <a:spcBef>
+                <a:spcPct val="20000"/>
+              </a:spcBef>
+              <a:spcAft>
+                <a:spcPts val="600"/>
+              </a:spcAft>
+              <a:buClr>
+                <a:schemeClr val="accent1">
+                  <a:lumMod val="75000"/>
+                </a:schemeClr>
+              </a:buClr>
+              <a:buSzPct val="145000"/>
+              <a:buFont typeface="Arial"/>
+              <a:buNone/>
+              <a:defRPr sz="1600" kern="1200" cap="none">
+                <a:solidFill>
+                  <a:schemeClr val="tx1"/>
+                </a:solidFill>
+                <a:effectLst/>
+                <a:latin typeface="+mn-lt"/>
+                <a:ea typeface="+mn-ea"/>
+                <a:cs typeface="+mn-cs"/>
+              </a:defRPr>
+            </a:lvl5pPr>
+            <a:lvl6pPr marL="2286000" indent="0" algn="ctr" defTabSz="457200" rtl="0" eaLnBrk="1" latinLnBrk="0" hangingPunct="1">
+              <a:spcBef>
+                <a:spcPct val="20000"/>
+              </a:spcBef>
+              <a:spcAft>
+                <a:spcPts val="600"/>
+              </a:spcAft>
+              <a:buClr>
+                <a:schemeClr val="accent1">
+                  <a:lumMod val="75000"/>
+                </a:schemeClr>
+              </a:buClr>
+              <a:buSzPct val="145000"/>
+              <a:buFont typeface="Arial"/>
+              <a:buNone/>
+              <a:defRPr sz="1600" kern="1200" cap="none">
+                <a:solidFill>
+                  <a:schemeClr val="tx1"/>
+                </a:solidFill>
+                <a:effectLst/>
+                <a:latin typeface="+mn-lt"/>
+                <a:ea typeface="+mn-ea"/>
+                <a:cs typeface="+mn-cs"/>
+              </a:defRPr>
+            </a:lvl6pPr>
+            <a:lvl7pPr marL="2743200" indent="0" algn="ctr" defTabSz="457200" rtl="0" eaLnBrk="1" latinLnBrk="0" hangingPunct="1">
+              <a:spcBef>
+                <a:spcPct val="20000"/>
+              </a:spcBef>
+              <a:spcAft>
+                <a:spcPts val="600"/>
+              </a:spcAft>
+              <a:buClr>
+                <a:schemeClr val="accent1">
+                  <a:lumMod val="75000"/>
+                </a:schemeClr>
+              </a:buClr>
+              <a:buSzPct val="145000"/>
+              <a:buFont typeface="Arial"/>
+              <a:buNone/>
+              <a:defRPr sz="1600" kern="1200" cap="none">
+                <a:solidFill>
+                  <a:schemeClr val="tx1"/>
+                </a:solidFill>
+                <a:effectLst/>
+                <a:latin typeface="+mn-lt"/>
+                <a:ea typeface="+mn-ea"/>
+                <a:cs typeface="+mn-cs"/>
+              </a:defRPr>
+            </a:lvl7pPr>
+            <a:lvl8pPr marL="3200400" indent="0" algn="ctr" defTabSz="457200" rtl="0" eaLnBrk="1" latinLnBrk="0" hangingPunct="1">
+              <a:spcBef>
+                <a:spcPct val="20000"/>
+              </a:spcBef>
+              <a:spcAft>
+                <a:spcPts val="600"/>
+              </a:spcAft>
+              <a:buClr>
+                <a:schemeClr val="accent1">
+                  <a:lumMod val="75000"/>
+                </a:schemeClr>
+              </a:buClr>
+              <a:buSzPct val="145000"/>
+              <a:buFont typeface="Arial"/>
+              <a:buNone/>
+              <a:defRPr sz="1600" kern="1200" cap="none">
+                <a:solidFill>
+                  <a:schemeClr val="tx1"/>
+                </a:solidFill>
+                <a:effectLst/>
+                <a:latin typeface="+mn-lt"/>
+                <a:ea typeface="+mn-ea"/>
+                <a:cs typeface="+mn-cs"/>
+              </a:defRPr>
+            </a:lvl8pPr>
+            <a:lvl9pPr marL="3657600" indent="0" algn="ctr" defTabSz="457200" rtl="0" eaLnBrk="1" latinLnBrk="0" hangingPunct="1">
+              <a:spcBef>
+                <a:spcPct val="20000"/>
+              </a:spcBef>
+              <a:spcAft>
+                <a:spcPts val="600"/>
+              </a:spcAft>
+              <a:buClr>
+                <a:schemeClr val="accent1">
+                  <a:lumMod val="75000"/>
+                </a:schemeClr>
+              </a:buClr>
+              <a:buSzPct val="145000"/>
+              <a:buFont typeface="Arial"/>
+              <a:buNone/>
+              <a:defRPr sz="1600" kern="1200" cap="none">
+                <a:solidFill>
+                  <a:schemeClr val="tx1"/>
+                </a:solidFill>
+                <a:effectLst/>
+                <a:latin typeface="+mn-lt"/>
+                <a:ea typeface="+mn-ea"/>
+                <a:cs typeface="+mn-cs"/>
+              </a:defRPr>
+            </a:lvl9pPr>
+          </a:lstStyle>
+          <a:p>
+            <a:r>
+              <a:rPr lang="en-US" dirty="0"/>
+              <a:t>Extensions</a:t>
+            </a:r>
+          </a:p>
+        </p:txBody>
+      </p:sp>
+      <p:sp>
+        <p:nvSpPr>
+          <p:cNvPr id="5" name="Subtitle 8">
+            <a:extLst>
+              <a:ext uri="{FF2B5EF4-FFF2-40B4-BE49-F238E27FC236}">
+                <a16:creationId xmlns:a16="http://schemas.microsoft.com/office/drawing/2014/main" id="{C8A21984-4EE1-B9BC-3AB2-C269AEFF5C60}"/>
+              </a:ext>
+            </a:extLst>
+          </p:cNvPr>
+          <p:cNvSpPr txBox="1">
+            <a:spLocks/>
+          </p:cNvSpPr>
+          <p:nvPr/>
+        </p:nvSpPr>
+        <p:spPr>
+          <a:xfrm>
+            <a:off x="4070102" y="4147153"/>
+            <a:ext cx="4268106" cy="652923"/>
+          </a:xfrm>
+          <a:prstGeom prst="roundRect">
+            <a:avLst>
+              <a:gd name="adj" fmla="val 50000"/>
+            </a:avLst>
+          </a:prstGeom>
+          <a:solidFill>
+            <a:schemeClr val="accent6"/>
+          </a:solidFill>
+          <a:ln w="38100">
+            <a:solidFill>
+              <a:schemeClr val="tx1"/>
+            </a:solidFill>
+          </a:ln>
+        </p:spPr>
+        <p:txBody>
+          <a:bodyPr vert="horz" lIns="91440" tIns="45720" rIns="91440" bIns="45720" rtlCol="0" anchor="ctr">
+            <a:noAutofit/>
+          </a:bodyPr>
+          <a:lstStyle>
+            <a:lvl1pPr marL="0" indent="0" algn="ctr" defTabSz="457200" rtl="0" eaLnBrk="1" latinLnBrk="0" hangingPunct="1">
+              <a:spcBef>
+                <a:spcPct val="20000"/>
+              </a:spcBef>
+              <a:spcAft>
+                <a:spcPts val="600"/>
+              </a:spcAft>
+              <a:buClr>
+                <a:schemeClr val="accent1">
+                  <a:lumMod val="75000"/>
+                </a:schemeClr>
+              </a:buClr>
+              <a:buSzPct val="145000"/>
+              <a:buFont typeface="Arial"/>
+              <a:buNone/>
+              <a:defRPr sz="2000" kern="1200" cap="none">
+                <a:solidFill>
+                  <a:schemeClr val="tx1"/>
+                </a:solidFill>
+                <a:effectLst/>
+                <a:latin typeface="+mn-lt"/>
+                <a:ea typeface="+mn-ea"/>
+                <a:cs typeface="+mn-cs"/>
+              </a:defRPr>
+            </a:lvl1pPr>
+            <a:lvl2pPr marL="457200" indent="0" algn="ctr" defTabSz="457200" rtl="0" eaLnBrk="1" latinLnBrk="0" hangingPunct="1">
+              <a:spcBef>
+                <a:spcPct val="20000"/>
+              </a:spcBef>
+              <a:spcAft>
+                <a:spcPts val="600"/>
+              </a:spcAft>
+              <a:buClr>
+                <a:schemeClr val="accent1">
+                  <a:lumMod val="75000"/>
+                </a:schemeClr>
+              </a:buClr>
+              <a:buSzPct val="145000"/>
+              <a:buFont typeface="Arial"/>
+              <a:buNone/>
+              <a:defRPr sz="2000" kern="1200" cap="none">
+                <a:solidFill>
+                  <a:schemeClr val="tx1"/>
+                </a:solidFill>
+                <a:effectLst/>
+                <a:latin typeface="+mn-lt"/>
+                <a:ea typeface="+mn-ea"/>
+                <a:cs typeface="+mn-cs"/>
+              </a:defRPr>
+            </a:lvl2pPr>
+            <a:lvl3pPr marL="914400" indent="0" algn="ctr" defTabSz="457200" rtl="0" eaLnBrk="1" latinLnBrk="0" hangingPunct="1">
+              <a:spcBef>
+                <a:spcPct val="20000"/>
+              </a:spcBef>
+              <a:spcAft>
+                <a:spcPts val="600"/>
+              </a:spcAft>
+              <a:buClr>
+                <a:schemeClr val="accent1">
+                  <a:lumMod val="75000"/>
+                </a:schemeClr>
+              </a:buClr>
+              <a:buSzPct val="145000"/>
+              <a:buFont typeface="Arial"/>
+              <a:buNone/>
+              <a:defRPr sz="1800" kern="1200" cap="none">
+                <a:solidFill>
+                  <a:schemeClr val="tx1"/>
+                </a:solidFill>
+                <a:effectLst/>
+                <a:latin typeface="+mn-lt"/>
+                <a:ea typeface="+mn-ea"/>
+                <a:cs typeface="+mn-cs"/>
+              </a:defRPr>
+            </a:lvl3pPr>
+            <a:lvl4pPr marL="1371600" indent="0" algn="ctr" defTabSz="457200" rtl="0" eaLnBrk="1" latinLnBrk="0" hangingPunct="1">
+              <a:spcBef>
+                <a:spcPct val="20000"/>
+              </a:spcBef>
+              <a:spcAft>
+                <a:spcPts val="600"/>
+              </a:spcAft>
+              <a:buClr>
+                <a:schemeClr val="accent1">
+                  <a:lumMod val="75000"/>
+                </a:schemeClr>
+              </a:buClr>
+              <a:buSzPct val="145000"/>
+              <a:buFont typeface="Arial"/>
+              <a:buNone/>
+              <a:defRPr sz="1600" kern="1200" cap="none">
+                <a:solidFill>
+                  <a:schemeClr val="tx1"/>
+                </a:solidFill>
+                <a:effectLst/>
+                <a:latin typeface="+mn-lt"/>
+                <a:ea typeface="+mn-ea"/>
+                <a:cs typeface="+mn-cs"/>
+              </a:defRPr>
+            </a:lvl4pPr>
+            <a:lvl5pPr marL="1828800" indent="0" algn="ctr" defTabSz="457200" rtl="0" eaLnBrk="1" latinLnBrk="0" hangingPunct="1">
+              <a:spcBef>
+                <a:spcPct val="20000"/>
+              </a:spcBef>
+              <a:spcAft>
+                <a:spcPts val="600"/>
+              </a:spcAft>
+              <a:buClr>
+                <a:schemeClr val="accent1">
+                  <a:lumMod val="75000"/>
+                </a:schemeClr>
+              </a:buClr>
+              <a:buSzPct val="145000"/>
+              <a:buFont typeface="Arial"/>
+              <a:buNone/>
+              <a:defRPr sz="1600" kern="1200" cap="none">
+                <a:solidFill>
+                  <a:schemeClr val="tx1"/>
+                </a:solidFill>
+                <a:effectLst/>
+                <a:latin typeface="+mn-lt"/>
+                <a:ea typeface="+mn-ea"/>
+                <a:cs typeface="+mn-cs"/>
+              </a:defRPr>
+            </a:lvl5pPr>
+            <a:lvl6pPr marL="2286000" indent="0" algn="ctr" defTabSz="457200" rtl="0" eaLnBrk="1" latinLnBrk="0" hangingPunct="1">
+              <a:spcBef>
+                <a:spcPct val="20000"/>
+              </a:spcBef>
+              <a:spcAft>
+                <a:spcPts val="600"/>
+              </a:spcAft>
+              <a:buClr>
+                <a:schemeClr val="accent1">
+                  <a:lumMod val="75000"/>
+                </a:schemeClr>
+              </a:buClr>
+              <a:buSzPct val="145000"/>
+              <a:buFont typeface="Arial"/>
+              <a:buNone/>
+              <a:defRPr sz="1600" kern="1200" cap="none">
+                <a:solidFill>
+                  <a:schemeClr val="tx1"/>
+                </a:solidFill>
+                <a:effectLst/>
+                <a:latin typeface="+mn-lt"/>
+                <a:ea typeface="+mn-ea"/>
+                <a:cs typeface="+mn-cs"/>
+              </a:defRPr>
+            </a:lvl6pPr>
+            <a:lvl7pPr marL="2743200" indent="0" algn="ctr" defTabSz="457200" rtl="0" eaLnBrk="1" latinLnBrk="0" hangingPunct="1">
+              <a:spcBef>
+                <a:spcPct val="20000"/>
+              </a:spcBef>
+              <a:spcAft>
+                <a:spcPts val="600"/>
+              </a:spcAft>
+              <a:buClr>
+                <a:schemeClr val="accent1">
+                  <a:lumMod val="75000"/>
+                </a:schemeClr>
+              </a:buClr>
+              <a:buSzPct val="145000"/>
+              <a:buFont typeface="Arial"/>
+              <a:buNone/>
+              <a:defRPr sz="1600" kern="1200" cap="none">
+                <a:solidFill>
+                  <a:schemeClr val="tx1"/>
+                </a:solidFill>
+                <a:effectLst/>
+                <a:latin typeface="+mn-lt"/>
+                <a:ea typeface="+mn-ea"/>
+                <a:cs typeface="+mn-cs"/>
+              </a:defRPr>
+            </a:lvl7pPr>
+            <a:lvl8pPr marL="3200400" indent="0" algn="ctr" defTabSz="457200" rtl="0" eaLnBrk="1" latinLnBrk="0" hangingPunct="1">
+              <a:spcBef>
+                <a:spcPct val="20000"/>
+              </a:spcBef>
+              <a:spcAft>
+                <a:spcPts val="600"/>
+              </a:spcAft>
+              <a:buClr>
+                <a:schemeClr val="accent1">
+                  <a:lumMod val="75000"/>
+                </a:schemeClr>
+              </a:buClr>
+              <a:buSzPct val="145000"/>
+              <a:buFont typeface="Arial"/>
+              <a:buNone/>
+              <a:defRPr sz="1600" kern="1200" cap="none">
+                <a:solidFill>
+                  <a:schemeClr val="tx1"/>
+                </a:solidFill>
+                <a:effectLst/>
+                <a:latin typeface="+mn-lt"/>
+                <a:ea typeface="+mn-ea"/>
+                <a:cs typeface="+mn-cs"/>
+              </a:defRPr>
+            </a:lvl8pPr>
+            <a:lvl9pPr marL="3657600" indent="0" algn="ctr" defTabSz="457200" rtl="0" eaLnBrk="1" latinLnBrk="0" hangingPunct="1">
+              <a:spcBef>
+                <a:spcPct val="20000"/>
+              </a:spcBef>
+              <a:spcAft>
+                <a:spcPts val="600"/>
+              </a:spcAft>
+              <a:buClr>
+                <a:schemeClr val="accent1">
+                  <a:lumMod val="75000"/>
+                </a:schemeClr>
+              </a:buClr>
+              <a:buSzPct val="145000"/>
+              <a:buFont typeface="Arial"/>
+              <a:buNone/>
+              <a:defRPr sz="1600" kern="1200" cap="none">
+                <a:solidFill>
+                  <a:schemeClr val="tx1"/>
+                </a:solidFill>
+                <a:effectLst/>
+                <a:latin typeface="+mn-lt"/>
+                <a:ea typeface="+mn-ea"/>
+                <a:cs typeface="+mn-cs"/>
+              </a:defRPr>
+            </a:lvl9pPr>
+          </a:lstStyle>
+          <a:p>
+            <a:r>
+              <a:rPr lang="en-US" dirty="0"/>
+              <a:t>Desktop Applications</a:t>
+            </a:r>
+          </a:p>
+        </p:txBody>
+      </p:sp>
+      <p:sp>
+        <p:nvSpPr>
+          <p:cNvPr id="10" name="Text Placeholder 9">
+            <a:extLst>
+              <a:ext uri="{FF2B5EF4-FFF2-40B4-BE49-F238E27FC236}">
+                <a16:creationId xmlns:a16="http://schemas.microsoft.com/office/drawing/2014/main" id="{C72BDE7E-5F2B-9789-583B-B46224E9A375}"/>
+              </a:ext>
+            </a:extLst>
+          </p:cNvPr>
+          <p:cNvSpPr>
+            <a:spLocks noGrp="1"/>
+          </p:cNvSpPr>
+          <p:nvPr>
+            <p:ph type="body" sz="quarter" idx="12"/>
+          </p:nvPr>
+        </p:nvSpPr>
+        <p:spPr/>
+        <p:txBody>
+          <a:bodyPr/>
+          <a:lstStyle/>
+          <a:p>
+            <a:r>
+              <a:rPr lang="en-US" dirty="0">
+                <a:solidFill>
+                  <a:schemeClr val="bg1"/>
+                </a:solidFill>
+              </a:rPr>
+              <a:t>Erissa</a:t>
+            </a:r>
+          </a:p>
+        </p:txBody>
+      </p:sp>
+      <p:sp>
+        <p:nvSpPr>
+          <p:cNvPr id="2" name="Date Placeholder 1">
+            <a:extLst>
+              <a:ext uri="{FF2B5EF4-FFF2-40B4-BE49-F238E27FC236}">
+                <a16:creationId xmlns:a16="http://schemas.microsoft.com/office/drawing/2014/main" id="{594BC77F-F6BF-EBE2-D6F7-E5E57B6EF182}"/>
+              </a:ext>
+            </a:extLst>
+          </p:cNvPr>
+          <p:cNvSpPr>
+            <a:spLocks noGrp="1"/>
+          </p:cNvSpPr>
+          <p:nvPr>
+            <p:ph type="dt" sz="half" idx="2"/>
+          </p:nvPr>
+        </p:nvSpPr>
+        <p:spPr/>
+        <p:txBody>
+          <a:bodyPr/>
+          <a:lstStyle/>
+          <a:p>
+            <a:fld id="{72B8B865-6043-45BC-B48D-1676CB43D17A}" type="datetime1">
+              <a:rPr lang="en-US" smtClean="0"/>
+              <a:pPr/>
+              <a:t>2/7/2024</a:t>
+            </a:fld>
+            <a:endParaRPr lang="en-US" dirty="0"/>
+          </a:p>
+        </p:txBody>
+      </p:sp>
+      <p:sp>
+        <p:nvSpPr>
+          <p:cNvPr id="3" name="Slide Number Placeholder 2">
+            <a:extLst>
+              <a:ext uri="{FF2B5EF4-FFF2-40B4-BE49-F238E27FC236}">
+                <a16:creationId xmlns:a16="http://schemas.microsoft.com/office/drawing/2014/main" id="{F3CBA5D4-6F59-CAAA-9C63-7CFF147C90A7}"/>
+              </a:ext>
+            </a:extLst>
+          </p:cNvPr>
+          <p:cNvSpPr>
+            <a:spLocks noGrp="1"/>
+          </p:cNvSpPr>
+          <p:nvPr>
+            <p:ph type="sldNum" sz="quarter" idx="4"/>
+          </p:nvPr>
+        </p:nvSpPr>
+        <p:spPr/>
+        <p:txBody>
+          <a:bodyPr/>
+          <a:lstStyle/>
+          <a:p>
+            <a:fld id="{294A09A9-5501-47C1-A89A-A340965A2BE2}" type="slidenum">
+              <a:rPr lang="en-US" smtClean="0"/>
+              <a:pPr/>
+              <a:t>11</a:t>
+            </a:fld>
+            <a:endParaRPr lang="en-US" dirty="0"/>
+          </a:p>
+        </p:txBody>
+      </p:sp>
+    </p:spTree>
+    <p:extLst>
+      <p:ext uri="{BB962C8B-B14F-4D97-AF65-F5344CB8AC3E}">
+        <p14:creationId xmlns:p14="http://schemas.microsoft.com/office/powerpoint/2010/main" val="4083101232"/>
+      </p:ext>
+    </p:extLst>
+  </p:cSld>
+  <p:clrMapOvr>
+    <a:masterClrMapping/>
+  </p:clrMapOvr>
+</p:sld>
+</file>
+
+<file path=ppt/slides/slide12.xml><?xml version="1.0" encoding="utf-8"?>
+<p:sld xmlns:a="http://schemas.openxmlformats.org/drawingml/2006/main" xmlns:r="http://schemas.openxmlformats.org/officeDocument/2006/relationships" xmlns:p="http://schemas.openxmlformats.org/presentationml/2006/main">
+  <p:cSld>
+    <p:spTree>
+      <p:nvGrpSpPr>
+        <p:cNvPr id="1" name="">
+          <a:extLst>
+            <a:ext uri="{FF2B5EF4-FFF2-40B4-BE49-F238E27FC236}">
+              <a16:creationId xmlns:a16="http://schemas.microsoft.com/office/drawing/2014/main" id="{FE8C4CD5-79D8-0984-4341-64F5E0171D16}"/>
+            </a:ext>
+          </a:extLst>
+        </p:cNvPr>
+        <p:cNvGrpSpPr/>
+        <p:nvPr/>
+      </p:nvGrpSpPr>
+      <p:grpSpPr>
+        <a:xfrm>
+          <a:off x="0" y="0"/>
+          <a:ext cx="0" cy="0"/>
+          <a:chOff x="0" y="0"/>
+          <a:chExt cx="0" cy="0"/>
+        </a:xfrm>
+      </p:grpSpPr>
+      <p:sp>
+        <p:nvSpPr>
+          <p:cNvPr id="8" name="Title 7">
+            <a:extLst>
+              <a:ext uri="{FF2B5EF4-FFF2-40B4-BE49-F238E27FC236}">
+                <a16:creationId xmlns:a16="http://schemas.microsoft.com/office/drawing/2014/main" id="{616BD175-8B27-7F73-A990-85270AB6EA15}"/>
+              </a:ext>
+            </a:extLst>
+          </p:cNvPr>
+          <p:cNvSpPr>
+            <a:spLocks noGrp="1"/>
+          </p:cNvSpPr>
+          <p:nvPr>
+            <p:ph type="ctrTitle"/>
+          </p:nvPr>
+        </p:nvSpPr>
+        <p:spPr>
+          <a:xfrm>
+            <a:off x="1924050" y="1278307"/>
+            <a:ext cx="8343901" cy="814637"/>
+          </a:xfrm>
+        </p:spPr>
+        <p:txBody>
+          <a:bodyPr>
+            <a:normAutofit fontScale="90000"/>
+          </a:bodyPr>
+          <a:lstStyle/>
+          <a:p>
+            <a:r>
+              <a:rPr lang="en-US" dirty="0"/>
+              <a:t>Accessibility Overlays</a:t>
+            </a:r>
+          </a:p>
+        </p:txBody>
+      </p:sp>
+      <p:sp>
+        <p:nvSpPr>
+          <p:cNvPr id="10" name="Text Placeholder 9">
+            <a:extLst>
+              <a:ext uri="{FF2B5EF4-FFF2-40B4-BE49-F238E27FC236}">
+                <a16:creationId xmlns:a16="http://schemas.microsoft.com/office/drawing/2014/main" id="{A1B36471-8AAF-ABAD-7746-003B823CAEF4}"/>
+              </a:ext>
+            </a:extLst>
+          </p:cNvPr>
+          <p:cNvSpPr>
+            <a:spLocks noGrp="1"/>
+          </p:cNvSpPr>
+          <p:nvPr>
+            <p:ph type="subTitle" idx="1"/>
+          </p:nvPr>
+        </p:nvSpPr>
+        <p:spPr/>
+        <p:txBody>
+          <a:bodyPr/>
+          <a:lstStyle/>
+          <a:p>
+            <a:r>
+              <a:rPr lang="en-US" dirty="0">
+                <a:solidFill>
+                  <a:schemeClr val="bg1"/>
+                </a:solidFill>
+              </a:rPr>
+              <a:t>Decline</a:t>
+            </a:r>
+          </a:p>
+        </p:txBody>
+      </p:sp>
+      <p:sp>
+        <p:nvSpPr>
+          <p:cNvPr id="2" name="Date Placeholder 1">
+            <a:extLst>
+              <a:ext uri="{FF2B5EF4-FFF2-40B4-BE49-F238E27FC236}">
+                <a16:creationId xmlns:a16="http://schemas.microsoft.com/office/drawing/2014/main" id="{CEE24F3D-8BE4-E30B-02EC-27D0D02164C1}"/>
+              </a:ext>
+            </a:extLst>
+          </p:cNvPr>
+          <p:cNvSpPr>
+            <a:spLocks noGrp="1"/>
+          </p:cNvSpPr>
+          <p:nvPr>
+            <p:ph type="dt" sz="half" idx="4294967295"/>
+          </p:nvPr>
+        </p:nvSpPr>
+        <p:spPr>
+          <a:xfrm>
+            <a:off x="11049000" y="6226175"/>
+            <a:ext cx="1143000" cy="631825"/>
+          </a:xfrm>
+        </p:spPr>
+        <p:txBody>
+          <a:bodyPr/>
+          <a:lstStyle/>
+          <a:p>
+            <a:fld id="{72B8B865-6043-45BC-B48D-1676CB43D17A}" type="datetime1">
+              <a:rPr lang="en-US" smtClean="0"/>
+              <a:pPr/>
+              <a:t>2/7/2024</a:t>
+            </a:fld>
+            <a:endParaRPr lang="en-US" dirty="0"/>
+          </a:p>
+        </p:txBody>
+      </p:sp>
+      <p:sp>
+        <p:nvSpPr>
+          <p:cNvPr id="3" name="Slide Number Placeholder 2">
+            <a:extLst>
+              <a:ext uri="{FF2B5EF4-FFF2-40B4-BE49-F238E27FC236}">
+                <a16:creationId xmlns:a16="http://schemas.microsoft.com/office/drawing/2014/main" id="{06EF2479-CEA0-F37C-4581-3D42222E0B8C}"/>
+              </a:ext>
+            </a:extLst>
+          </p:cNvPr>
+          <p:cNvSpPr>
+            <a:spLocks noGrp="1"/>
+          </p:cNvSpPr>
+          <p:nvPr>
+            <p:ph type="sldNum" sz="quarter" idx="4294967295"/>
+          </p:nvPr>
+        </p:nvSpPr>
+        <p:spPr>
+          <a:xfrm>
+            <a:off x="11685588" y="6226175"/>
+            <a:ext cx="506412" cy="631825"/>
+          </a:xfrm>
+        </p:spPr>
+        <p:txBody>
+          <a:bodyPr/>
+          <a:lstStyle/>
+          <a:p>
+            <a:fld id="{294A09A9-5501-47C1-A89A-A340965A2BE2}" type="slidenum">
+              <a:rPr lang="en-US" smtClean="0"/>
+              <a:pPr/>
+              <a:t>12</a:t>
+            </a:fld>
+            <a:endParaRPr lang="en-US" dirty="0"/>
+          </a:p>
+        </p:txBody>
+      </p:sp>
+      <p:sp>
+        <p:nvSpPr>
+          <p:cNvPr id="7" name="TextBox 6">
+            <a:extLst>
+              <a:ext uri="{FF2B5EF4-FFF2-40B4-BE49-F238E27FC236}">
+                <a16:creationId xmlns:a16="http://schemas.microsoft.com/office/drawing/2014/main" id="{E67B3A9E-6D04-9502-8F91-C4CAF93B20C7}"/>
+              </a:ext>
+            </a:extLst>
+          </p:cNvPr>
+          <p:cNvSpPr txBox="1"/>
+          <p:nvPr/>
+        </p:nvSpPr>
+        <p:spPr>
+          <a:xfrm>
+            <a:off x="3048000" y="2342224"/>
+            <a:ext cx="6096000" cy="369332"/>
+          </a:xfrm>
+          <a:prstGeom prst="rect">
+            <a:avLst/>
+          </a:prstGeom>
+          <a:noFill/>
+        </p:spPr>
+        <p:txBody>
+          <a:bodyPr wrap="square">
+            <a:spAutoFit/>
+          </a:bodyPr>
+          <a:lstStyle/>
+          <a:p>
+            <a:pPr algn="ctr"/>
+            <a:r>
+              <a:rPr lang="en-US" dirty="0"/>
+              <a:t>Check out </a:t>
+            </a:r>
+            <a:r>
+              <a:rPr lang="en-US" dirty="0">
+                <a:hlinkClick r:id="rId3">
+                  <a:extLst>
+                    <a:ext uri="{A12FA001-AC4F-418D-AE19-62706E023703}">
+                      <ahyp:hlinkClr xmlns:ahyp="http://schemas.microsoft.com/office/drawing/2018/hyperlinkcolor" val="tx"/>
+                    </a:ext>
+                  </a:extLst>
+                </a:hlinkClick>
+              </a:rPr>
+              <a:t>https://overlayfactsheet.com/</a:t>
+            </a:r>
+            <a:r>
+              <a:rPr lang="en-US" dirty="0"/>
+              <a:t>!</a:t>
+            </a:r>
+          </a:p>
+        </p:txBody>
+      </p:sp>
+      <p:pic>
+        <p:nvPicPr>
+          <p:cNvPr id="11" name="Picture 10">
+            <a:extLst>
+              <a:ext uri="{FF2B5EF4-FFF2-40B4-BE49-F238E27FC236}">
+                <a16:creationId xmlns:a16="http://schemas.microsoft.com/office/drawing/2014/main" id="{4A5A5C9F-136C-30A7-2A00-993163B209A7}"/>
+              </a:ext>
+            </a:extLst>
+          </p:cNvPr>
+          <p:cNvPicPr>
+            <a:picLocks noChangeAspect="1"/>
+          </p:cNvPicPr>
+          <p:nvPr/>
+        </p:nvPicPr>
+        <p:blipFill>
+          <a:blip r:embed="rId4"/>
+          <a:stretch>
+            <a:fillRect/>
+          </a:stretch>
+        </p:blipFill>
+        <p:spPr>
+          <a:xfrm>
+            <a:off x="5470205" y="3238562"/>
+            <a:ext cx="1428571" cy="990476"/>
+          </a:xfrm>
+          <a:prstGeom prst="rect">
+            <a:avLst/>
+          </a:prstGeom>
+          <a:ln>
+            <a:solidFill>
+              <a:schemeClr val="tx1"/>
+            </a:solidFill>
+          </a:ln>
+        </p:spPr>
+      </p:pic>
+    </p:spTree>
+    <p:extLst>
+      <p:ext uri="{BB962C8B-B14F-4D97-AF65-F5344CB8AC3E}">
+        <p14:creationId xmlns:p14="http://schemas.microsoft.com/office/powerpoint/2010/main" val="2310442668"/>
+      </p:ext>
+    </p:extLst>
+  </p:cSld>
+  <p:clrMapOvr>
+    <a:masterClrMapping/>
+  </p:clrMapOvr>
+</p:sld>
+</file>
+
+<file path=ppt/slides/slide13.xml><?xml version="1.0" encoding="utf-8"?>
+<p:sld xmlns:a="http://schemas.openxmlformats.org/drawingml/2006/main" xmlns:r="http://schemas.openxmlformats.org/officeDocument/2006/relationships" xmlns:p="http://schemas.openxmlformats.org/presentationml/2006/main">
+  <p:cSld>
+    <p:spTree>
+      <p:nvGrpSpPr>
         <p:cNvPr id="1" name=""/>
         <p:cNvGrpSpPr/>
         <p:nvPr/>
@@ -15639,7 +18480,7 @@
           <a:p>
             <a:r>
               <a:rPr lang="en-US" dirty="0"/>
-              <a:t>Thank you</a:t>
+              <a:t>Thank you!</a:t>
             </a:r>
           </a:p>
         </p:txBody>
@@ -15702,34 +18543,6 @@
       </p:sp>
       <p:sp>
         <p:nvSpPr>
-          <p:cNvPr id="7" name="Content Placeholder 6">
-            <a:extLst>
-              <a:ext uri="{FF2B5EF4-FFF2-40B4-BE49-F238E27FC236}">
-                <a16:creationId xmlns:a16="http://schemas.microsoft.com/office/drawing/2014/main" id="{ADB6DC5B-E002-504A-92A9-78039D4B2C94}"/>
-              </a:ext>
-            </a:extLst>
-          </p:cNvPr>
-          <p:cNvSpPr>
-            <a:spLocks noGrp="1"/>
-          </p:cNvSpPr>
-          <p:nvPr>
-            <p:ph idx="11"/>
-          </p:nvPr>
-        </p:nvSpPr>
-        <p:spPr/>
-        <p:txBody>
-          <a:bodyPr/>
-          <a:lstStyle/>
-          <a:p>
-            <a:r>
-              <a:rPr lang="en-US" dirty="0"/>
-              <a:t>@Corgidev on GitHub and LinkedIn</a:t>
-            </a:r>
-          </a:p>
-        </p:txBody>
-      </p:sp>
-      <p:sp>
-        <p:nvSpPr>
           <p:cNvPr id="14" name="Text Placeholder 13">
             <a:extLst>
               <a:ext uri="{FF2B5EF4-FFF2-40B4-BE49-F238E27FC236}">
@@ -15814,8 +18627,329 @@
             <a:fld id="{294A09A9-5501-47C1-A89A-A340965A2BE2}" type="slidenum">
               <a:rPr lang="en-US" smtClean="0"/>
               <a:pPr/>
-              <a:t>10</a:t>
+              <a:t>13</a:t>
             </a:fld>
+            <a:endParaRPr lang="en-US" dirty="0"/>
+          </a:p>
+        </p:txBody>
+      </p:sp>
+      <p:pic>
+        <p:nvPicPr>
+          <p:cNvPr id="8" name="Picture 7" descr="CorgiDev Linktree QR Code">
+            <a:extLst>
+              <a:ext uri="{FF2B5EF4-FFF2-40B4-BE49-F238E27FC236}">
+                <a16:creationId xmlns:a16="http://schemas.microsoft.com/office/drawing/2014/main" id="{6F031B2B-3B18-C61A-64A5-F8EEA96068EE}"/>
+              </a:ext>
+            </a:extLst>
+          </p:cNvPr>
+          <p:cNvPicPr>
+            <a:picLocks noChangeAspect="1"/>
+          </p:cNvPicPr>
+          <p:nvPr/>
+        </p:nvPicPr>
+        <p:blipFill>
+          <a:blip r:embed="rId3"/>
+          <a:stretch>
+            <a:fillRect/>
+          </a:stretch>
+        </p:blipFill>
+        <p:spPr>
+          <a:xfrm>
+            <a:off x="5640059" y="4326192"/>
+            <a:ext cx="911881" cy="911881"/>
+          </a:xfrm>
+          <a:prstGeom prst="rect">
+            <a:avLst/>
+          </a:prstGeom>
+          <a:solidFill>
+            <a:schemeClr val="bg1"/>
+          </a:solidFill>
+          <a:ln w="38100">
+            <a:solidFill>
+              <a:schemeClr val="tx1"/>
+            </a:solidFill>
+          </a:ln>
+          <a:effectLst/>
+        </p:spPr>
+      </p:pic>
+      <p:sp>
+        <p:nvSpPr>
+          <p:cNvPr id="11" name="Content Placeholder 5">
+            <a:extLst>
+              <a:ext uri="{FF2B5EF4-FFF2-40B4-BE49-F238E27FC236}">
+                <a16:creationId xmlns:a16="http://schemas.microsoft.com/office/drawing/2014/main" id="{31960ACC-83D9-4919-A312-01690506175B}"/>
+              </a:ext>
+            </a:extLst>
+          </p:cNvPr>
+          <p:cNvSpPr txBox="1">
+            <a:spLocks/>
+          </p:cNvSpPr>
+          <p:nvPr/>
+        </p:nvSpPr>
+        <p:spPr>
+          <a:xfrm>
+            <a:off x="6768110" y="4345446"/>
+            <a:ext cx="2887167" cy="926119"/>
+          </a:xfrm>
+          <a:prstGeom prst="rect">
+            <a:avLst/>
+          </a:prstGeom>
+        </p:spPr>
+        <p:txBody>
+          <a:bodyPr vert="horz" lIns="91440" tIns="0" rIns="91440" bIns="0" rtlCol="0" anchor="ctr">
+            <a:normAutofit/>
+          </a:bodyPr>
+          <a:lstStyle>
+            <a:lvl1pPr marL="228600" indent="-228600" algn="l" defTabSz="457200" rtl="0" eaLnBrk="1" latinLnBrk="0" hangingPunct="1">
+              <a:lnSpc>
+                <a:spcPct val="150000"/>
+              </a:lnSpc>
+              <a:spcBef>
+                <a:spcPct val="20000"/>
+              </a:spcBef>
+              <a:spcAft>
+                <a:spcPts val="600"/>
+              </a:spcAft>
+              <a:buClr>
+                <a:schemeClr val="accent1">
+                  <a:lumMod val="75000"/>
+                </a:schemeClr>
+              </a:buClr>
+              <a:buSzPct val="145000"/>
+              <a:buFont typeface="Arial" panose="020B0604020202020204" pitchFamily="34" charset="0"/>
+              <a:buChar char="•"/>
+              <a:defRPr sz="2000" kern="1200" cap="none">
+                <a:solidFill>
+                  <a:schemeClr val="tx1"/>
+                </a:solidFill>
+                <a:effectLst/>
+                <a:latin typeface="+mn-lt"/>
+                <a:ea typeface="+mn-ea"/>
+                <a:cs typeface="+mn-cs"/>
+              </a:defRPr>
+            </a:lvl1pPr>
+            <a:lvl2pPr marL="742950" indent="-285750" algn="l" defTabSz="457200" rtl="0" eaLnBrk="1" latinLnBrk="0" hangingPunct="1">
+              <a:lnSpc>
+                <a:spcPct val="150000"/>
+              </a:lnSpc>
+              <a:spcBef>
+                <a:spcPct val="20000"/>
+              </a:spcBef>
+              <a:spcAft>
+                <a:spcPts val="600"/>
+              </a:spcAft>
+              <a:buClr>
+                <a:schemeClr val="accent1">
+                  <a:lumMod val="75000"/>
+                </a:schemeClr>
+              </a:buClr>
+              <a:buSzPct val="145000"/>
+              <a:buFont typeface="Arial"/>
+              <a:buChar char="•"/>
+              <a:defRPr sz="2000" kern="1200" cap="none">
+                <a:solidFill>
+                  <a:schemeClr val="tx1"/>
+                </a:solidFill>
+                <a:effectLst/>
+                <a:latin typeface="+mn-lt"/>
+                <a:ea typeface="+mn-ea"/>
+                <a:cs typeface="+mn-cs"/>
+              </a:defRPr>
+            </a:lvl2pPr>
+            <a:lvl3pPr marL="1200150" indent="-285750" algn="l" defTabSz="457200" rtl="0" eaLnBrk="1" latinLnBrk="0" hangingPunct="1">
+              <a:lnSpc>
+                <a:spcPct val="150000"/>
+              </a:lnSpc>
+              <a:spcBef>
+                <a:spcPct val="20000"/>
+              </a:spcBef>
+              <a:spcAft>
+                <a:spcPts val="600"/>
+              </a:spcAft>
+              <a:buClr>
+                <a:schemeClr val="accent1">
+                  <a:lumMod val="75000"/>
+                </a:schemeClr>
+              </a:buClr>
+              <a:buSzPct val="145000"/>
+              <a:buFont typeface="Arial"/>
+              <a:buChar char="•"/>
+              <a:defRPr sz="1800" kern="1200" cap="none">
+                <a:solidFill>
+                  <a:schemeClr val="tx1"/>
+                </a:solidFill>
+                <a:effectLst/>
+                <a:latin typeface="+mn-lt"/>
+                <a:ea typeface="+mn-ea"/>
+                <a:cs typeface="+mn-cs"/>
+              </a:defRPr>
+            </a:lvl3pPr>
+            <a:lvl4pPr marL="1543050" indent="-171450" algn="l" defTabSz="457200" rtl="0" eaLnBrk="1" latinLnBrk="0" hangingPunct="1">
+              <a:lnSpc>
+                <a:spcPct val="150000"/>
+              </a:lnSpc>
+              <a:spcBef>
+                <a:spcPct val="20000"/>
+              </a:spcBef>
+              <a:spcAft>
+                <a:spcPts val="600"/>
+              </a:spcAft>
+              <a:buClr>
+                <a:schemeClr val="accent1">
+                  <a:lumMod val="75000"/>
+                </a:schemeClr>
+              </a:buClr>
+              <a:buSzPct val="145000"/>
+              <a:buFont typeface="Arial"/>
+              <a:buChar char="•"/>
+              <a:defRPr sz="1600" kern="1200" cap="none">
+                <a:solidFill>
+                  <a:schemeClr val="tx1"/>
+                </a:solidFill>
+                <a:effectLst/>
+                <a:latin typeface="+mn-lt"/>
+                <a:ea typeface="+mn-ea"/>
+                <a:cs typeface="+mn-cs"/>
+              </a:defRPr>
+            </a:lvl4pPr>
+            <a:lvl5pPr marL="2000250" indent="-171450" algn="l" defTabSz="457200" rtl="0" eaLnBrk="1" latinLnBrk="0" hangingPunct="1">
+              <a:lnSpc>
+                <a:spcPct val="150000"/>
+              </a:lnSpc>
+              <a:spcBef>
+                <a:spcPct val="20000"/>
+              </a:spcBef>
+              <a:spcAft>
+                <a:spcPts val="600"/>
+              </a:spcAft>
+              <a:buClr>
+                <a:schemeClr val="accent1">
+                  <a:lumMod val="75000"/>
+                </a:schemeClr>
+              </a:buClr>
+              <a:buSzPct val="145000"/>
+              <a:buFont typeface="Arial"/>
+              <a:buChar char="•"/>
+              <a:defRPr sz="1600" kern="1200" cap="none">
+                <a:solidFill>
+                  <a:schemeClr val="tx1"/>
+                </a:solidFill>
+                <a:effectLst/>
+                <a:latin typeface="+mn-lt"/>
+                <a:ea typeface="+mn-ea"/>
+                <a:cs typeface="+mn-cs"/>
+              </a:defRPr>
+            </a:lvl5pPr>
+            <a:lvl6pPr marL="2514600" indent="-228600" algn="l" defTabSz="457200" rtl="0" eaLnBrk="1" latinLnBrk="0" hangingPunct="1">
+              <a:spcBef>
+                <a:spcPct val="20000"/>
+              </a:spcBef>
+              <a:spcAft>
+                <a:spcPts val="600"/>
+              </a:spcAft>
+              <a:buClr>
+                <a:schemeClr val="accent1">
+                  <a:lumMod val="75000"/>
+                </a:schemeClr>
+              </a:buClr>
+              <a:buSzPct val="145000"/>
+              <a:buFont typeface="Arial"/>
+              <a:buChar char="•"/>
+              <a:defRPr sz="1400" kern="1200" cap="none">
+                <a:solidFill>
+                  <a:schemeClr val="tx1"/>
+                </a:solidFill>
+                <a:effectLst/>
+                <a:latin typeface="+mn-lt"/>
+                <a:ea typeface="+mn-ea"/>
+                <a:cs typeface="+mn-cs"/>
+              </a:defRPr>
+            </a:lvl6pPr>
+            <a:lvl7pPr marL="2971800" indent="-228600" algn="l" defTabSz="457200" rtl="0" eaLnBrk="1" latinLnBrk="0" hangingPunct="1">
+              <a:spcBef>
+                <a:spcPct val="20000"/>
+              </a:spcBef>
+              <a:spcAft>
+                <a:spcPts val="600"/>
+              </a:spcAft>
+              <a:buClr>
+                <a:schemeClr val="accent1">
+                  <a:lumMod val="75000"/>
+                </a:schemeClr>
+              </a:buClr>
+              <a:buSzPct val="145000"/>
+              <a:buFont typeface="Arial"/>
+              <a:buChar char="•"/>
+              <a:defRPr sz="1400" kern="1200" cap="none">
+                <a:solidFill>
+                  <a:schemeClr val="tx1"/>
+                </a:solidFill>
+                <a:effectLst/>
+                <a:latin typeface="+mn-lt"/>
+                <a:ea typeface="+mn-ea"/>
+                <a:cs typeface="+mn-cs"/>
+              </a:defRPr>
+            </a:lvl7pPr>
+            <a:lvl8pPr marL="3429000" indent="-228600" algn="l" defTabSz="457200" rtl="0" eaLnBrk="1" latinLnBrk="0" hangingPunct="1">
+              <a:spcBef>
+                <a:spcPct val="20000"/>
+              </a:spcBef>
+              <a:spcAft>
+                <a:spcPts val="600"/>
+              </a:spcAft>
+              <a:buClr>
+                <a:schemeClr val="accent1">
+                  <a:lumMod val="75000"/>
+                </a:schemeClr>
+              </a:buClr>
+              <a:buSzPct val="145000"/>
+              <a:buFont typeface="Arial"/>
+              <a:buChar char="•"/>
+              <a:defRPr sz="1400" kern="1200" cap="none">
+                <a:solidFill>
+                  <a:schemeClr val="tx1"/>
+                </a:solidFill>
+                <a:effectLst/>
+                <a:latin typeface="+mn-lt"/>
+                <a:ea typeface="+mn-ea"/>
+                <a:cs typeface="+mn-cs"/>
+              </a:defRPr>
+            </a:lvl8pPr>
+            <a:lvl9pPr marL="3886200" indent="-228600" algn="l" defTabSz="457200" rtl="0" eaLnBrk="1" latinLnBrk="0" hangingPunct="1">
+              <a:spcBef>
+                <a:spcPct val="20000"/>
+              </a:spcBef>
+              <a:spcAft>
+                <a:spcPts val="600"/>
+              </a:spcAft>
+              <a:buClr>
+                <a:schemeClr val="accent1">
+                  <a:lumMod val="75000"/>
+                </a:schemeClr>
+              </a:buClr>
+              <a:buSzPct val="145000"/>
+              <a:buFont typeface="Arial"/>
+              <a:buChar char="•"/>
+              <a:defRPr sz="1400" kern="1200" cap="none">
+                <a:solidFill>
+                  <a:schemeClr val="tx1"/>
+                </a:solidFill>
+                <a:effectLst/>
+                <a:latin typeface="+mn-lt"/>
+                <a:ea typeface="+mn-ea"/>
+                <a:cs typeface="+mn-cs"/>
+              </a:defRPr>
+            </a:lvl9pPr>
+          </a:lstStyle>
+          <a:p>
+            <a:r>
+              <a:rPr lang="en-US" dirty="0"/>
+              <a:t>linktr.ee/</a:t>
+            </a:r>
+            <a:r>
+              <a:rPr lang="en-US" dirty="0" err="1"/>
+              <a:t>corgidev</a:t>
+            </a:r>
             <a:endParaRPr lang="en-US" dirty="0"/>
           </a:p>
         </p:txBody>
@@ -16155,7 +19289,13 @@
   <p:cSld>
     <p:spTree>
       <p:nvGrpSpPr>
-        <p:cNvPr id="1" name=""/>
+        <p:cNvPr id="1" name="">
+          <a:extLst>
+            <a:ext uri="{FF2B5EF4-FFF2-40B4-BE49-F238E27FC236}">
+              <a16:creationId xmlns:a16="http://schemas.microsoft.com/office/drawing/2014/main" id="{558608D5-6F70-ABCC-F563-A06E285B113B}"/>
+            </a:ext>
+          </a:extLst>
+        </p:cNvPr>
         <p:cNvGrpSpPr/>
         <p:nvPr/>
       </p:nvGrpSpPr>
@@ -16172,7 +19312,7 @@
           <p:cNvPr id="2" name="Title 1">
             <a:extLst>
               <a:ext uri="{FF2B5EF4-FFF2-40B4-BE49-F238E27FC236}">
-                <a16:creationId xmlns:a16="http://schemas.microsoft.com/office/drawing/2014/main" id="{8C543F67-9C70-4748-8C0C-3A7863422F99}"/>
+                <a16:creationId xmlns:a16="http://schemas.microsoft.com/office/drawing/2014/main" id="{56AC7569-EEC2-7F71-4FDF-D5D9F4AC86BE}"/>
               </a:ext>
             </a:extLst>
           </p:cNvPr>
@@ -16183,14 +19323,19 @@
             <p:ph type="title"/>
           </p:nvPr>
         </p:nvSpPr>
-        <p:spPr/>
-        <p:txBody>
-          <a:bodyPr/>
+        <p:spPr>
+          <a:xfrm>
+            <a:off x="1144881" y="1320979"/>
+            <a:ext cx="5821069" cy="1422221"/>
+          </a:xfrm>
+        </p:spPr>
+        <p:txBody>
+          <a:bodyPr anchor="ctr"/>
           <a:lstStyle/>
           <a:p>
             <a:r>
               <a:rPr lang="en-US" dirty="0"/>
-              <a:t>Disclaimer</a:t>
+              <a:t>Ask questions!</a:t>
             </a:r>
           </a:p>
         </p:txBody>
@@ -16200,7 +19345,7 @@
           <p:cNvPr id="3" name="Content Placeholder 2">
             <a:extLst>
               <a:ext uri="{FF2B5EF4-FFF2-40B4-BE49-F238E27FC236}">
-                <a16:creationId xmlns:a16="http://schemas.microsoft.com/office/drawing/2014/main" id="{95B371F2-DBA5-415A-82C8-651F587B857A}"/>
+                <a16:creationId xmlns:a16="http://schemas.microsoft.com/office/drawing/2014/main" id="{A77C1FCD-F2E9-9AD2-E79A-CD987EE60282}"/>
               </a:ext>
             </a:extLst>
           </p:cNvPr>
@@ -16211,32 +19356,55 @@
             <p:ph type="body" sz="quarter" idx="10"/>
           </p:nvPr>
         </p:nvSpPr>
-        <p:spPr/>
-        <p:txBody>
-          <a:bodyPr vert="horz" lIns="91440" tIns="45720" rIns="91440" bIns="45720" rtlCol="0" anchor="t">
+        <p:spPr>
+          <a:xfrm>
+            <a:off x="1144881" y="2566219"/>
+            <a:ext cx="5821069" cy="2316464"/>
+          </a:xfrm>
+        </p:spPr>
+        <p:txBody>
+          <a:bodyPr vert="horz" lIns="91440" tIns="45720" rIns="91440" bIns="45720" rtlCol="0" anchor="ctr">
             <a:normAutofit/>
           </a:bodyPr>
           <a:lstStyle/>
           <a:p>
+            <a:pPr marL="285750" indent="-285750">
+              <a:buFont typeface="Arial" panose="020B0604020202020204" pitchFamily="34" charset="0"/>
+              <a:buChar char="•"/>
+            </a:pPr>
             <a:r>
               <a:rPr lang="en-US" dirty="0"/>
-              <a:t>I’ll pull from my professional experience, but am not officially representing any of my previous, former, or future employers.</a:t>
+              <a:t>Raise your hand or type a question in chat.</a:t>
             </a:r>
           </a:p>
           <a:p>
+            <a:pPr marL="285750" indent="-285750">
+              <a:buFont typeface="Arial" panose="020B0604020202020204" pitchFamily="34" charset="0"/>
+              <a:buChar char="•"/>
+            </a:pPr>
             <a:r>
               <a:rPr lang="en-US" dirty="0"/>
-              <a:t>I may mention aspects of legislation / regulations but am not an attorney / solicitor.</a:t>
+              <a:t>I am in the Code Louisville Slack, which also has an Accessibility channel.</a:t>
+            </a:r>
+          </a:p>
+          <a:p>
+            <a:pPr marL="285750" indent="-285750">
+              <a:buFont typeface="Arial" panose="020B0604020202020204" pitchFamily="34" charset="0"/>
+              <a:buChar char="•"/>
+            </a:pPr>
+            <a:r>
+              <a:rPr lang="en-US" dirty="0"/>
+              <a:t>I will also have links to resources at the end of the presentation.</a:t>
             </a:r>
           </a:p>
         </p:txBody>
       </p:sp>
       <p:pic>
         <p:nvPicPr>
-          <p:cNvPr id="68" name="Picture Placeholder 67" descr="Keep Calm and CYA">
+          <p:cNvPr id="68" name="Picture Placeholder 67">
             <a:extLst>
               <a:ext uri="{FF2B5EF4-FFF2-40B4-BE49-F238E27FC236}">
-                <a16:creationId xmlns:a16="http://schemas.microsoft.com/office/drawing/2014/main" id="{16F28372-D3ED-85C0-6BC7-96D2F9F281EF}"/>
+                <a16:creationId xmlns:a16="http://schemas.microsoft.com/office/drawing/2014/main" id="{77278BAA-2099-B48C-A492-4AB9FE2499C1}"/>
               </a:ext>
             </a:extLst>
           </p:cNvPr>
@@ -16253,9 +19421,12 @@
               <a:ext uri="{28A0092B-C50C-407E-A947-70E740481C1C}">
                 <a14:useLocalDpi xmlns:a14="http://schemas.microsoft.com/office/drawing/2010/main" val="0"/>
               </a:ext>
+              <a:ext uri="{837473B0-CC2E-450A-ABE3-18F120FF3D39}">
+                <a1611:picAttrSrcUrl xmlns:a1611="http://schemas.microsoft.com/office/drawing/2016/11/main" r:id="rId4"/>
+              </a:ext>
             </a:extLst>
           </a:blip>
-          <a:srcRect t="6244" b="6244"/>
+          <a:srcRect l="7148" r="7148"/>
           <a:stretch/>
         </p:blipFill>
         <p:spPr/>
@@ -16265,7 +19436,7 @@
           <p:cNvPr id="11" name="Text Placeholder 10">
             <a:extLst>
               <a:ext uri="{FF2B5EF4-FFF2-40B4-BE49-F238E27FC236}">
-                <a16:creationId xmlns:a16="http://schemas.microsoft.com/office/drawing/2014/main" id="{4BFC19A2-2276-52CB-49D1-7D1BD0FE261A}"/>
+                <a16:creationId xmlns:a16="http://schemas.microsoft.com/office/drawing/2014/main" id="{1E0E3EA7-6A15-1BF9-E6CE-007689490F44}"/>
               </a:ext>
             </a:extLst>
           </p:cNvPr>
@@ -16297,7 +19468,7 @@
           <p:cNvPr id="4" name="Date Placeholder 3">
             <a:extLst>
               <a:ext uri="{FF2B5EF4-FFF2-40B4-BE49-F238E27FC236}">
-                <a16:creationId xmlns:a16="http://schemas.microsoft.com/office/drawing/2014/main" id="{A004579C-DA6D-B905-B710-1E6243E8C700}"/>
+                <a16:creationId xmlns:a16="http://schemas.microsoft.com/office/drawing/2014/main" id="{88C1E990-B776-AA49-B228-790FBB52620E}"/>
               </a:ext>
             </a:extLst>
           </p:cNvPr>
@@ -16327,7 +19498,7 @@
           <p:cNvPr id="5" name="Slide Number Placeholder 4">
             <a:extLst>
               <a:ext uri="{FF2B5EF4-FFF2-40B4-BE49-F238E27FC236}">
-                <a16:creationId xmlns:a16="http://schemas.microsoft.com/office/drawing/2014/main" id="{E1420634-75FC-1021-C59D-6A615E04CCB7}"/>
+                <a16:creationId xmlns:a16="http://schemas.microsoft.com/office/drawing/2014/main" id="{F0200662-70D3-EDB4-DB1F-AF96BB36012E}"/>
               </a:ext>
             </a:extLst>
           </p:cNvPr>
@@ -16355,7 +19526,7 @@
     </p:spTree>
     <p:extLst>
       <p:ext uri="{BB962C8B-B14F-4D97-AF65-F5344CB8AC3E}">
-        <p14:creationId xmlns:p14="http://schemas.microsoft.com/office/powerpoint/2010/main" val="1639799154"/>
+        <p14:creationId xmlns:p14="http://schemas.microsoft.com/office/powerpoint/2010/main" val="516750083"/>
       </p:ext>
     </p:extLst>
   </p:cSld>
@@ -16384,6 +19555,221 @@
       </p:grpSpPr>
       <p:sp>
         <p:nvSpPr>
+          <p:cNvPr id="2" name="Title 1">
+            <a:extLst>
+              <a:ext uri="{FF2B5EF4-FFF2-40B4-BE49-F238E27FC236}">
+                <a16:creationId xmlns:a16="http://schemas.microsoft.com/office/drawing/2014/main" id="{8C543F67-9C70-4748-8C0C-3A7863422F99}"/>
+              </a:ext>
+            </a:extLst>
+          </p:cNvPr>
+          <p:cNvSpPr>
+            <a:spLocks noGrp="1"/>
+          </p:cNvSpPr>
+          <p:nvPr>
+            <p:ph type="title"/>
+          </p:nvPr>
+        </p:nvSpPr>
+        <p:spPr/>
+        <p:txBody>
+          <a:bodyPr/>
+          <a:lstStyle/>
+          <a:p>
+            <a:r>
+              <a:rPr lang="en-US" dirty="0"/>
+              <a:t>Disclaimer</a:t>
+            </a:r>
+          </a:p>
+        </p:txBody>
+      </p:sp>
+      <p:sp>
+        <p:nvSpPr>
+          <p:cNvPr id="3" name="Content Placeholder 2">
+            <a:extLst>
+              <a:ext uri="{FF2B5EF4-FFF2-40B4-BE49-F238E27FC236}">
+                <a16:creationId xmlns:a16="http://schemas.microsoft.com/office/drawing/2014/main" id="{95B371F2-DBA5-415A-82C8-651F587B857A}"/>
+              </a:ext>
+            </a:extLst>
+          </p:cNvPr>
+          <p:cNvSpPr>
+            <a:spLocks noGrp="1"/>
+          </p:cNvSpPr>
+          <p:nvPr>
+            <p:ph type="body" sz="quarter" idx="10"/>
+          </p:nvPr>
+        </p:nvSpPr>
+        <p:spPr/>
+        <p:txBody>
+          <a:bodyPr vert="horz" lIns="91440" tIns="45720" rIns="91440" bIns="45720" rtlCol="0" anchor="t">
+            <a:normAutofit/>
+          </a:bodyPr>
+          <a:lstStyle/>
+          <a:p>
+            <a:r>
+              <a:rPr lang="en-US" dirty="0"/>
+              <a:t>I’ll pull from my professional experience, but am not officially representing any of my previous, former, or future employers.</a:t>
+            </a:r>
+          </a:p>
+          <a:p>
+            <a:r>
+              <a:rPr lang="en-US" dirty="0"/>
+              <a:t>I may mention aspects of legislation / regulations but am not an attorney / solicitor.</a:t>
+            </a:r>
+          </a:p>
+        </p:txBody>
+      </p:sp>
+      <p:pic>
+        <p:nvPicPr>
+          <p:cNvPr id="68" name="Picture Placeholder 67" descr="Keep Calm and CYA">
+            <a:extLst>
+              <a:ext uri="{FF2B5EF4-FFF2-40B4-BE49-F238E27FC236}">
+                <a16:creationId xmlns:a16="http://schemas.microsoft.com/office/drawing/2014/main" id="{16F28372-D3ED-85C0-6BC7-96D2F9F281EF}"/>
+              </a:ext>
+            </a:extLst>
+          </p:cNvPr>
+          <p:cNvPicPr>
+            <a:picLocks noGrp="1" noChangeAspect="1"/>
+          </p:cNvPicPr>
+          <p:nvPr>
+            <p:ph type="pic" sz="quarter" idx="11"/>
+          </p:nvPr>
+        </p:nvPicPr>
+        <p:blipFill>
+          <a:blip r:embed="rId3">
+            <a:extLst>
+              <a:ext uri="{28A0092B-C50C-407E-A947-70E740481C1C}">
+                <a14:useLocalDpi xmlns:a14="http://schemas.microsoft.com/office/drawing/2010/main" val="0"/>
+              </a:ext>
+            </a:extLst>
+          </a:blip>
+          <a:srcRect t="6244" b="6244"/>
+          <a:stretch/>
+        </p:blipFill>
+        <p:spPr/>
+      </p:pic>
+      <p:sp>
+        <p:nvSpPr>
+          <p:cNvPr id="11" name="Text Placeholder 10">
+            <a:extLst>
+              <a:ext uri="{FF2B5EF4-FFF2-40B4-BE49-F238E27FC236}">
+                <a16:creationId xmlns:a16="http://schemas.microsoft.com/office/drawing/2014/main" id="{4BFC19A2-2276-52CB-49D1-7D1BD0FE261A}"/>
+              </a:ext>
+            </a:extLst>
+          </p:cNvPr>
+          <p:cNvSpPr>
+            <a:spLocks noGrp="1"/>
+          </p:cNvSpPr>
+          <p:nvPr>
+            <p:ph type="body" sz="quarter" idx="12"/>
+          </p:nvPr>
+        </p:nvSpPr>
+        <p:spPr/>
+        <p:txBody>
+          <a:bodyPr/>
+          <a:lstStyle/>
+          <a:p>
+            <a:r>
+              <a:rPr lang="en-US" dirty="0">
+                <a:solidFill>
+                  <a:schemeClr val="bg1"/>
+                </a:solidFill>
+              </a:rPr>
+              <a:t>Erissa</a:t>
+            </a:r>
+          </a:p>
+        </p:txBody>
+      </p:sp>
+      <p:sp>
+        <p:nvSpPr>
+          <p:cNvPr id="4" name="Date Placeholder 3">
+            <a:extLst>
+              <a:ext uri="{FF2B5EF4-FFF2-40B4-BE49-F238E27FC236}">
+                <a16:creationId xmlns:a16="http://schemas.microsoft.com/office/drawing/2014/main" id="{A004579C-DA6D-B905-B710-1E6243E8C700}"/>
+              </a:ext>
+            </a:extLst>
+          </p:cNvPr>
+          <p:cNvSpPr>
+            <a:spLocks noGrp="1"/>
+          </p:cNvSpPr>
+          <p:nvPr>
+            <p:ph type="dt" sz="half" idx="2"/>
+          </p:nvPr>
+        </p:nvSpPr>
+        <p:spPr/>
+        <p:txBody>
+          <a:bodyPr/>
+          <a:lstStyle/>
+          <a:p>
+            <a:fld id="{EA52206C-522E-4279-9E0D-1C28CCBD7571}" type="datetime1">
+              <a:rPr lang="en-US" smtClean="0"/>
+              <a:pPr/>
+              <a:t>2/7/2024</a:t>
+            </a:fld>
+            <a:endParaRPr lang="en-US" dirty="0"/>
+          </a:p>
+        </p:txBody>
+      </p:sp>
+      <p:sp>
+        <p:nvSpPr>
+          <p:cNvPr id="5" name="Slide Number Placeholder 4">
+            <a:extLst>
+              <a:ext uri="{FF2B5EF4-FFF2-40B4-BE49-F238E27FC236}">
+                <a16:creationId xmlns:a16="http://schemas.microsoft.com/office/drawing/2014/main" id="{E1420634-75FC-1021-C59D-6A615E04CCB7}"/>
+              </a:ext>
+            </a:extLst>
+          </p:cNvPr>
+          <p:cNvSpPr>
+            <a:spLocks noGrp="1"/>
+          </p:cNvSpPr>
+          <p:nvPr>
+            <p:ph type="sldNum" sz="quarter" idx="4"/>
+          </p:nvPr>
+        </p:nvSpPr>
+        <p:spPr/>
+        <p:txBody>
+          <a:bodyPr/>
+          <a:lstStyle/>
+          <a:p>
+            <a:fld id="{294A09A9-5501-47C1-A89A-A340965A2BE2}" type="slidenum">
+              <a:rPr lang="en-US" smtClean="0"/>
+              <a:pPr/>
+              <a:t>4</a:t>
+            </a:fld>
+            <a:endParaRPr lang="en-US" dirty="0"/>
+          </a:p>
+        </p:txBody>
+      </p:sp>
+    </p:spTree>
+    <p:extLst>
+      <p:ext uri="{BB962C8B-B14F-4D97-AF65-F5344CB8AC3E}">
+        <p14:creationId xmlns:p14="http://schemas.microsoft.com/office/powerpoint/2010/main" val="1639799154"/>
+      </p:ext>
+    </p:extLst>
+  </p:cSld>
+  <p:clrMapOvr>
+    <a:masterClrMapping/>
+  </p:clrMapOvr>
+</p:sld>
+</file>
+
+<file path=ppt/slides/slide5.xml><?xml version="1.0" encoding="utf-8"?>
+<p:sld xmlns:a="http://schemas.openxmlformats.org/drawingml/2006/main" xmlns:r="http://schemas.openxmlformats.org/officeDocument/2006/relationships" xmlns:p="http://schemas.openxmlformats.org/presentationml/2006/main">
+  <p:cSld>
+    <p:spTree>
+      <p:nvGrpSpPr>
+        <p:cNvPr id="1" name=""/>
+        <p:cNvGrpSpPr/>
+        <p:nvPr/>
+      </p:nvGrpSpPr>
+      <p:grpSpPr>
+        <a:xfrm>
+          <a:off x="0" y="0"/>
+          <a:ext cx="0" cy="0"/>
+          <a:chOff x="0" y="0"/>
+          <a:chExt cx="0" cy="0"/>
+        </a:xfrm>
+      </p:grpSpPr>
+      <p:sp>
+        <p:nvSpPr>
           <p:cNvPr id="8" name="Title 7">
             <a:extLst>
               <a:ext uri="{FF2B5EF4-FFF2-40B4-BE49-F238E27FC236}">
@@ -17073,7 +20459,7 @@
             <a:fld id="{294A09A9-5501-47C1-A89A-A340965A2BE2}" type="slidenum">
               <a:rPr lang="en-US" smtClean="0"/>
               <a:pPr/>
-              <a:t>4</a:t>
+              <a:t>5</a:t>
             </a:fld>
             <a:endParaRPr lang="en-US" dirty="0"/>
           </a:p>
@@ -17092,7 +20478,7 @@
 </p:sld>
 </file>
 
-<file path=ppt/slides/slide5.xml><?xml version="1.0" encoding="utf-8"?>
+<file path=ppt/slides/slide6.xml><?xml version="1.0" encoding="utf-8"?>
 <p:sld xmlns:a="http://schemas.openxmlformats.org/drawingml/2006/main" xmlns:r="http://schemas.openxmlformats.org/officeDocument/2006/relationships" xmlns:p="http://schemas.openxmlformats.org/presentationml/2006/main">
   <p:cSld>
     <p:spTree>
@@ -17778,7 +21164,7 @@
             <a:fld id="{294A09A9-5501-47C1-A89A-A340965A2BE2}" type="slidenum">
               <a:rPr lang="en-US" smtClean="0"/>
               <a:pPr/>
-              <a:t>5</a:t>
+              <a:t>6</a:t>
             </a:fld>
             <a:endParaRPr lang="en-US" dirty="0"/>
           </a:p>
@@ -17797,7 +21183,7 @@
 </p:sld>
 </file>
 
-<file path=ppt/slides/slide6.xml><?xml version="1.0" encoding="utf-8"?>
+<file path=ppt/slides/slide7.xml><?xml version="1.0" encoding="utf-8"?>
 <p:sld xmlns:a="http://schemas.openxmlformats.org/drawingml/2006/main" xmlns:r="http://schemas.openxmlformats.org/officeDocument/2006/relationships" xmlns:p="http://schemas.openxmlformats.org/presentationml/2006/main">
   <p:cSld>
     <p:spTree>
@@ -17939,7 +21325,7 @@
             <a:fld id="{294A09A9-5501-47C1-A89A-A340965A2BE2}" type="slidenum">
               <a:rPr lang="en-US" smtClean="0"/>
               <a:pPr/>
-              <a:t>6</a:t>
+              <a:t>7</a:t>
             </a:fld>
             <a:endParaRPr lang="en-US" dirty="0"/>
           </a:p>
@@ -17958,7 +21344,7 @@
 </p:sld>
 </file>
 
-<file path=ppt/slides/slide7.xml><?xml version="1.0" encoding="utf-8"?>
+<file path=ppt/slides/slide8.xml><?xml version="1.0" encoding="utf-8"?>
 <p:sld xmlns:a="http://schemas.openxmlformats.org/drawingml/2006/main" xmlns:r="http://schemas.openxmlformats.org/officeDocument/2006/relationships" xmlns:p="http://schemas.openxmlformats.org/presentationml/2006/main">
   <p:cSld>
     <p:spTree>
@@ -18182,7 +21568,7 @@
             <a:fld id="{294A09A9-5501-47C1-A89A-A340965A2BE2}" type="slidenum">
               <a:rPr lang="en-US" smtClean="0"/>
               <a:pPr/>
-              <a:t>7</a:t>
+              <a:t>8</a:t>
             </a:fld>
             <a:endParaRPr lang="en-US" dirty="0"/>
           </a:p>
@@ -18201,7 +21587,7 @@
 </p:sld>
 </file>
 
-<file path=ppt/slides/slide8.xml><?xml version="1.0" encoding="utf-8"?>
+<file path=ppt/slides/slide9.xml><?xml version="1.0" encoding="utf-8"?>
 <p:sld xmlns:a="http://schemas.openxmlformats.org/drawingml/2006/main" xmlns:r="http://schemas.openxmlformats.org/officeDocument/2006/relationships" xmlns:p="http://schemas.openxmlformats.org/presentationml/2006/main">
   <p:cSld>
     <p:spTree>
@@ -18889,7 +22275,7 @@
             <a:fld id="{294A09A9-5501-47C1-A89A-A340965A2BE2}" type="slidenum">
               <a:rPr lang="en-US" smtClean="0"/>
               <a:pPr/>
-              <a:t>8</a:t>
+              <a:t>9</a:t>
             </a:fld>
             <a:endParaRPr lang="en-US" dirty="0"/>
           </a:p>
@@ -18899,1257 +22285,6 @@
     <p:extLst>
       <p:ext uri="{BB962C8B-B14F-4D97-AF65-F5344CB8AC3E}">
         <p14:creationId xmlns:p14="http://schemas.microsoft.com/office/powerpoint/2010/main" val="1964651791"/>
-      </p:ext>
-    </p:extLst>
-  </p:cSld>
-  <p:clrMapOvr>
-    <a:masterClrMapping/>
-  </p:clrMapOvr>
-</p:sld>
-</file>
-
-<file path=ppt/slides/slide9.xml><?xml version="1.0" encoding="utf-8"?>
-<p:sld xmlns:a="http://schemas.openxmlformats.org/drawingml/2006/main" xmlns:r="http://schemas.openxmlformats.org/officeDocument/2006/relationships" xmlns:p="http://schemas.openxmlformats.org/presentationml/2006/main">
-  <p:cSld>
-    <p:spTree>
-      <p:nvGrpSpPr>
-        <p:cNvPr id="1" name="">
-          <a:extLst>
-            <a:ext uri="{FF2B5EF4-FFF2-40B4-BE49-F238E27FC236}">
-              <a16:creationId xmlns:a16="http://schemas.microsoft.com/office/drawing/2014/main" id="{4FA93381-937C-4C5D-13E9-9F29FA28CF5B}"/>
-            </a:ext>
-          </a:extLst>
-        </p:cNvPr>
-        <p:cNvGrpSpPr/>
-        <p:nvPr/>
-      </p:nvGrpSpPr>
-      <p:grpSpPr>
-        <a:xfrm>
-          <a:off x="0" y="0"/>
-          <a:ext cx="0" cy="0"/>
-          <a:chOff x="0" y="0"/>
-          <a:chExt cx="0" cy="0"/>
-        </a:xfrm>
-      </p:grpSpPr>
-      <p:sp>
-        <p:nvSpPr>
-          <p:cNvPr id="8" name="Title 7">
-            <a:extLst>
-              <a:ext uri="{FF2B5EF4-FFF2-40B4-BE49-F238E27FC236}">
-                <a16:creationId xmlns:a16="http://schemas.microsoft.com/office/drawing/2014/main" id="{7BC29A20-7597-11DA-54C7-1A672F11054D}"/>
-              </a:ext>
-            </a:extLst>
-          </p:cNvPr>
-          <p:cNvSpPr>
-            <a:spLocks noGrp="1"/>
-          </p:cNvSpPr>
-          <p:nvPr>
-            <p:ph type="title"/>
-          </p:nvPr>
-        </p:nvSpPr>
-        <p:spPr>
-          <a:xfrm>
-            <a:off x="2363686" y="1176402"/>
-            <a:ext cx="7464628" cy="881523"/>
-          </a:xfrm>
-        </p:spPr>
-        <p:txBody>
-          <a:bodyPr>
-            <a:normAutofit fontScale="90000"/>
-          </a:bodyPr>
-          <a:lstStyle/>
-          <a:p>
-            <a:r>
-              <a:rPr lang="en-US" dirty="0"/>
-              <a:t>Structure &amp; Relationships</a:t>
-            </a:r>
-          </a:p>
-        </p:txBody>
-      </p:sp>
-      <p:sp>
-        <p:nvSpPr>
-          <p:cNvPr id="6" name="Subtitle 8">
-            <a:extLst>
-              <a:ext uri="{FF2B5EF4-FFF2-40B4-BE49-F238E27FC236}">
-                <a16:creationId xmlns:a16="http://schemas.microsoft.com/office/drawing/2014/main" id="{A28274C8-3662-78AD-2A31-42504021C802}"/>
-              </a:ext>
-            </a:extLst>
-          </p:cNvPr>
-          <p:cNvSpPr txBox="1">
-            <a:spLocks/>
-          </p:cNvSpPr>
-          <p:nvPr/>
-        </p:nvSpPr>
-        <p:spPr>
-          <a:xfrm>
-            <a:off x="3961947" y="2120901"/>
-            <a:ext cx="4268106" cy="652923"/>
-          </a:xfrm>
-          <a:prstGeom prst="roundRect">
-            <a:avLst>
-              <a:gd name="adj" fmla="val 50000"/>
-            </a:avLst>
-          </a:prstGeom>
-          <a:solidFill>
-            <a:schemeClr val="accent6"/>
-          </a:solidFill>
-          <a:ln w="38100">
-            <a:solidFill>
-              <a:schemeClr val="tx1"/>
-            </a:solidFill>
-          </a:ln>
-        </p:spPr>
-        <p:txBody>
-          <a:bodyPr vert="horz" lIns="91440" tIns="45720" rIns="91440" bIns="45720" rtlCol="0" anchor="ctr">
-            <a:noAutofit/>
-          </a:bodyPr>
-          <a:lstStyle>
-            <a:lvl1pPr marL="0" indent="0" algn="ctr" defTabSz="457200" rtl="0" eaLnBrk="1" latinLnBrk="0" hangingPunct="1">
-              <a:spcBef>
-                <a:spcPct val="20000"/>
-              </a:spcBef>
-              <a:spcAft>
-                <a:spcPts val="600"/>
-              </a:spcAft>
-              <a:buClr>
-                <a:schemeClr val="accent1">
-                  <a:lumMod val="75000"/>
-                </a:schemeClr>
-              </a:buClr>
-              <a:buSzPct val="145000"/>
-              <a:buFont typeface="Arial"/>
-              <a:buNone/>
-              <a:defRPr sz="2000" kern="1200" cap="none">
-                <a:solidFill>
-                  <a:schemeClr val="tx1"/>
-                </a:solidFill>
-                <a:effectLst/>
-                <a:latin typeface="+mn-lt"/>
-                <a:ea typeface="+mn-ea"/>
-                <a:cs typeface="+mn-cs"/>
-              </a:defRPr>
-            </a:lvl1pPr>
-            <a:lvl2pPr marL="457200" indent="0" algn="ctr" defTabSz="457200" rtl="0" eaLnBrk="1" latinLnBrk="0" hangingPunct="1">
-              <a:spcBef>
-                <a:spcPct val="20000"/>
-              </a:spcBef>
-              <a:spcAft>
-                <a:spcPts val="600"/>
-              </a:spcAft>
-              <a:buClr>
-                <a:schemeClr val="accent1">
-                  <a:lumMod val="75000"/>
-                </a:schemeClr>
-              </a:buClr>
-              <a:buSzPct val="145000"/>
-              <a:buFont typeface="Arial"/>
-              <a:buNone/>
-              <a:defRPr sz="2000" kern="1200" cap="none">
-                <a:solidFill>
-                  <a:schemeClr val="tx1"/>
-                </a:solidFill>
-                <a:effectLst/>
-                <a:latin typeface="+mn-lt"/>
-                <a:ea typeface="+mn-ea"/>
-                <a:cs typeface="+mn-cs"/>
-              </a:defRPr>
-            </a:lvl2pPr>
-            <a:lvl3pPr marL="914400" indent="0" algn="ctr" defTabSz="457200" rtl="0" eaLnBrk="1" latinLnBrk="0" hangingPunct="1">
-              <a:spcBef>
-                <a:spcPct val="20000"/>
-              </a:spcBef>
-              <a:spcAft>
-                <a:spcPts val="600"/>
-              </a:spcAft>
-              <a:buClr>
-                <a:schemeClr val="accent1">
-                  <a:lumMod val="75000"/>
-                </a:schemeClr>
-              </a:buClr>
-              <a:buSzPct val="145000"/>
-              <a:buFont typeface="Arial"/>
-              <a:buNone/>
-              <a:defRPr sz="1800" kern="1200" cap="none">
-                <a:solidFill>
-                  <a:schemeClr val="tx1"/>
-                </a:solidFill>
-                <a:effectLst/>
-                <a:latin typeface="+mn-lt"/>
-                <a:ea typeface="+mn-ea"/>
-                <a:cs typeface="+mn-cs"/>
-              </a:defRPr>
-            </a:lvl3pPr>
-            <a:lvl4pPr marL="1371600" indent="0" algn="ctr" defTabSz="457200" rtl="0" eaLnBrk="1" latinLnBrk="0" hangingPunct="1">
-              <a:spcBef>
-                <a:spcPct val="20000"/>
-              </a:spcBef>
-              <a:spcAft>
-                <a:spcPts val="600"/>
-              </a:spcAft>
-              <a:buClr>
-                <a:schemeClr val="accent1">
-                  <a:lumMod val="75000"/>
-                </a:schemeClr>
-              </a:buClr>
-              <a:buSzPct val="145000"/>
-              <a:buFont typeface="Arial"/>
-              <a:buNone/>
-              <a:defRPr sz="1600" kern="1200" cap="none">
-                <a:solidFill>
-                  <a:schemeClr val="tx1"/>
-                </a:solidFill>
-                <a:effectLst/>
-                <a:latin typeface="+mn-lt"/>
-                <a:ea typeface="+mn-ea"/>
-                <a:cs typeface="+mn-cs"/>
-              </a:defRPr>
-            </a:lvl4pPr>
-            <a:lvl5pPr marL="1828800" indent="0" algn="ctr" defTabSz="457200" rtl="0" eaLnBrk="1" latinLnBrk="0" hangingPunct="1">
-              <a:spcBef>
-                <a:spcPct val="20000"/>
-              </a:spcBef>
-              <a:spcAft>
-                <a:spcPts val="600"/>
-              </a:spcAft>
-              <a:buClr>
-                <a:schemeClr val="accent1">
-                  <a:lumMod val="75000"/>
-                </a:schemeClr>
-              </a:buClr>
-              <a:buSzPct val="145000"/>
-              <a:buFont typeface="Arial"/>
-              <a:buNone/>
-              <a:defRPr sz="1600" kern="1200" cap="none">
-                <a:solidFill>
-                  <a:schemeClr val="tx1"/>
-                </a:solidFill>
-                <a:effectLst/>
-                <a:latin typeface="+mn-lt"/>
-                <a:ea typeface="+mn-ea"/>
-                <a:cs typeface="+mn-cs"/>
-              </a:defRPr>
-            </a:lvl5pPr>
-            <a:lvl6pPr marL="2286000" indent="0" algn="ctr" defTabSz="457200" rtl="0" eaLnBrk="1" latinLnBrk="0" hangingPunct="1">
-              <a:spcBef>
-                <a:spcPct val="20000"/>
-              </a:spcBef>
-              <a:spcAft>
-                <a:spcPts val="600"/>
-              </a:spcAft>
-              <a:buClr>
-                <a:schemeClr val="accent1">
-                  <a:lumMod val="75000"/>
-                </a:schemeClr>
-              </a:buClr>
-              <a:buSzPct val="145000"/>
-              <a:buFont typeface="Arial"/>
-              <a:buNone/>
-              <a:defRPr sz="1600" kern="1200" cap="none">
-                <a:solidFill>
-                  <a:schemeClr val="tx1"/>
-                </a:solidFill>
-                <a:effectLst/>
-                <a:latin typeface="+mn-lt"/>
-                <a:ea typeface="+mn-ea"/>
-                <a:cs typeface="+mn-cs"/>
-              </a:defRPr>
-            </a:lvl6pPr>
-            <a:lvl7pPr marL="2743200" indent="0" algn="ctr" defTabSz="457200" rtl="0" eaLnBrk="1" latinLnBrk="0" hangingPunct="1">
-              <a:spcBef>
-                <a:spcPct val="20000"/>
-              </a:spcBef>
-              <a:spcAft>
-                <a:spcPts val="600"/>
-              </a:spcAft>
-              <a:buClr>
-                <a:schemeClr val="accent1">
-                  <a:lumMod val="75000"/>
-                </a:schemeClr>
-              </a:buClr>
-              <a:buSzPct val="145000"/>
-              <a:buFont typeface="Arial"/>
-              <a:buNone/>
-              <a:defRPr sz="1600" kern="1200" cap="none">
-                <a:solidFill>
-                  <a:schemeClr val="tx1"/>
-                </a:solidFill>
-                <a:effectLst/>
-                <a:latin typeface="+mn-lt"/>
-                <a:ea typeface="+mn-ea"/>
-                <a:cs typeface="+mn-cs"/>
-              </a:defRPr>
-            </a:lvl7pPr>
-            <a:lvl8pPr marL="3200400" indent="0" algn="ctr" defTabSz="457200" rtl="0" eaLnBrk="1" latinLnBrk="0" hangingPunct="1">
-              <a:spcBef>
-                <a:spcPct val="20000"/>
-              </a:spcBef>
-              <a:spcAft>
-                <a:spcPts val="600"/>
-              </a:spcAft>
-              <a:buClr>
-                <a:schemeClr val="accent1">
-                  <a:lumMod val="75000"/>
-                </a:schemeClr>
-              </a:buClr>
-              <a:buSzPct val="145000"/>
-              <a:buFont typeface="Arial"/>
-              <a:buNone/>
-              <a:defRPr sz="1600" kern="1200" cap="none">
-                <a:solidFill>
-                  <a:schemeClr val="tx1"/>
-                </a:solidFill>
-                <a:effectLst/>
-                <a:latin typeface="+mn-lt"/>
-                <a:ea typeface="+mn-ea"/>
-                <a:cs typeface="+mn-cs"/>
-              </a:defRPr>
-            </a:lvl8pPr>
-            <a:lvl9pPr marL="3657600" indent="0" algn="ctr" defTabSz="457200" rtl="0" eaLnBrk="1" latinLnBrk="0" hangingPunct="1">
-              <a:spcBef>
-                <a:spcPct val="20000"/>
-              </a:spcBef>
-              <a:spcAft>
-                <a:spcPts val="600"/>
-              </a:spcAft>
-              <a:buClr>
-                <a:schemeClr val="accent1">
-                  <a:lumMod val="75000"/>
-                </a:schemeClr>
-              </a:buClr>
-              <a:buSzPct val="145000"/>
-              <a:buFont typeface="Arial"/>
-              <a:buNone/>
-              <a:defRPr sz="1600" kern="1200" cap="none">
-                <a:solidFill>
-                  <a:schemeClr val="tx1"/>
-                </a:solidFill>
-                <a:effectLst/>
-                <a:latin typeface="+mn-lt"/>
-                <a:ea typeface="+mn-ea"/>
-                <a:cs typeface="+mn-cs"/>
-              </a:defRPr>
-            </a:lvl9pPr>
-          </a:lstStyle>
-          <a:p>
-            <a:r>
-              <a:rPr lang="en-US" dirty="0"/>
-              <a:t>Semantics</a:t>
-            </a:r>
-          </a:p>
-        </p:txBody>
-      </p:sp>
-      <p:sp>
-        <p:nvSpPr>
-          <p:cNvPr id="13" name="Subtitle 8">
-            <a:extLst>
-              <a:ext uri="{FF2B5EF4-FFF2-40B4-BE49-F238E27FC236}">
-                <a16:creationId xmlns:a16="http://schemas.microsoft.com/office/drawing/2014/main" id="{DCD7C783-5E39-BD78-C78A-9EB9BA588000}"/>
-              </a:ext>
-            </a:extLst>
-          </p:cNvPr>
-          <p:cNvSpPr txBox="1">
-            <a:spLocks/>
-          </p:cNvSpPr>
-          <p:nvPr/>
-        </p:nvSpPr>
-        <p:spPr>
-          <a:xfrm>
-            <a:off x="3961947" y="2967371"/>
-            <a:ext cx="4268106" cy="652923"/>
-          </a:xfrm>
-          <a:prstGeom prst="roundRect">
-            <a:avLst>
-              <a:gd name="adj" fmla="val 50000"/>
-            </a:avLst>
-          </a:prstGeom>
-          <a:solidFill>
-            <a:schemeClr val="accent6"/>
-          </a:solidFill>
-          <a:ln w="38100">
-            <a:solidFill>
-              <a:schemeClr val="tx1"/>
-            </a:solidFill>
-          </a:ln>
-        </p:spPr>
-        <p:txBody>
-          <a:bodyPr vert="horz" lIns="91440" tIns="45720" rIns="91440" bIns="45720" rtlCol="0" anchor="ctr">
-            <a:noAutofit/>
-          </a:bodyPr>
-          <a:lstStyle>
-            <a:lvl1pPr marL="0" indent="0" algn="ctr" defTabSz="457200" rtl="0" eaLnBrk="1" latinLnBrk="0" hangingPunct="1">
-              <a:spcBef>
-                <a:spcPct val="20000"/>
-              </a:spcBef>
-              <a:spcAft>
-                <a:spcPts val="600"/>
-              </a:spcAft>
-              <a:buClr>
-                <a:schemeClr val="accent1">
-                  <a:lumMod val="75000"/>
-                </a:schemeClr>
-              </a:buClr>
-              <a:buSzPct val="145000"/>
-              <a:buFont typeface="Arial"/>
-              <a:buNone/>
-              <a:defRPr sz="2000" kern="1200" cap="none">
-                <a:solidFill>
-                  <a:schemeClr val="tx1"/>
-                </a:solidFill>
-                <a:effectLst/>
-                <a:latin typeface="+mn-lt"/>
-                <a:ea typeface="+mn-ea"/>
-                <a:cs typeface="+mn-cs"/>
-              </a:defRPr>
-            </a:lvl1pPr>
-            <a:lvl2pPr marL="457200" indent="0" algn="ctr" defTabSz="457200" rtl="0" eaLnBrk="1" latinLnBrk="0" hangingPunct="1">
-              <a:spcBef>
-                <a:spcPct val="20000"/>
-              </a:spcBef>
-              <a:spcAft>
-                <a:spcPts val="600"/>
-              </a:spcAft>
-              <a:buClr>
-                <a:schemeClr val="accent1">
-                  <a:lumMod val="75000"/>
-                </a:schemeClr>
-              </a:buClr>
-              <a:buSzPct val="145000"/>
-              <a:buFont typeface="Arial"/>
-              <a:buNone/>
-              <a:defRPr sz="2000" kern="1200" cap="none">
-                <a:solidFill>
-                  <a:schemeClr val="tx1"/>
-                </a:solidFill>
-                <a:effectLst/>
-                <a:latin typeface="+mn-lt"/>
-                <a:ea typeface="+mn-ea"/>
-                <a:cs typeface="+mn-cs"/>
-              </a:defRPr>
-            </a:lvl2pPr>
-            <a:lvl3pPr marL="914400" indent="0" algn="ctr" defTabSz="457200" rtl="0" eaLnBrk="1" latinLnBrk="0" hangingPunct="1">
-              <a:spcBef>
-                <a:spcPct val="20000"/>
-              </a:spcBef>
-              <a:spcAft>
-                <a:spcPts val="600"/>
-              </a:spcAft>
-              <a:buClr>
-                <a:schemeClr val="accent1">
-                  <a:lumMod val="75000"/>
-                </a:schemeClr>
-              </a:buClr>
-              <a:buSzPct val="145000"/>
-              <a:buFont typeface="Arial"/>
-              <a:buNone/>
-              <a:defRPr sz="1800" kern="1200" cap="none">
-                <a:solidFill>
-                  <a:schemeClr val="tx1"/>
-                </a:solidFill>
-                <a:effectLst/>
-                <a:latin typeface="+mn-lt"/>
-                <a:ea typeface="+mn-ea"/>
-                <a:cs typeface="+mn-cs"/>
-              </a:defRPr>
-            </a:lvl3pPr>
-            <a:lvl4pPr marL="1371600" indent="0" algn="ctr" defTabSz="457200" rtl="0" eaLnBrk="1" latinLnBrk="0" hangingPunct="1">
-              <a:spcBef>
-                <a:spcPct val="20000"/>
-              </a:spcBef>
-              <a:spcAft>
-                <a:spcPts val="600"/>
-              </a:spcAft>
-              <a:buClr>
-                <a:schemeClr val="accent1">
-                  <a:lumMod val="75000"/>
-                </a:schemeClr>
-              </a:buClr>
-              <a:buSzPct val="145000"/>
-              <a:buFont typeface="Arial"/>
-              <a:buNone/>
-              <a:defRPr sz="1600" kern="1200" cap="none">
-                <a:solidFill>
-                  <a:schemeClr val="tx1"/>
-                </a:solidFill>
-                <a:effectLst/>
-                <a:latin typeface="+mn-lt"/>
-                <a:ea typeface="+mn-ea"/>
-                <a:cs typeface="+mn-cs"/>
-              </a:defRPr>
-            </a:lvl4pPr>
-            <a:lvl5pPr marL="1828800" indent="0" algn="ctr" defTabSz="457200" rtl="0" eaLnBrk="1" latinLnBrk="0" hangingPunct="1">
-              <a:spcBef>
-                <a:spcPct val="20000"/>
-              </a:spcBef>
-              <a:spcAft>
-                <a:spcPts val="600"/>
-              </a:spcAft>
-              <a:buClr>
-                <a:schemeClr val="accent1">
-                  <a:lumMod val="75000"/>
-                </a:schemeClr>
-              </a:buClr>
-              <a:buSzPct val="145000"/>
-              <a:buFont typeface="Arial"/>
-              <a:buNone/>
-              <a:defRPr sz="1600" kern="1200" cap="none">
-                <a:solidFill>
-                  <a:schemeClr val="tx1"/>
-                </a:solidFill>
-                <a:effectLst/>
-                <a:latin typeface="+mn-lt"/>
-                <a:ea typeface="+mn-ea"/>
-                <a:cs typeface="+mn-cs"/>
-              </a:defRPr>
-            </a:lvl5pPr>
-            <a:lvl6pPr marL="2286000" indent="0" algn="ctr" defTabSz="457200" rtl="0" eaLnBrk="1" latinLnBrk="0" hangingPunct="1">
-              <a:spcBef>
-                <a:spcPct val="20000"/>
-              </a:spcBef>
-              <a:spcAft>
-                <a:spcPts val="600"/>
-              </a:spcAft>
-              <a:buClr>
-                <a:schemeClr val="accent1">
-                  <a:lumMod val="75000"/>
-                </a:schemeClr>
-              </a:buClr>
-              <a:buSzPct val="145000"/>
-              <a:buFont typeface="Arial"/>
-              <a:buNone/>
-              <a:defRPr sz="1600" kern="1200" cap="none">
-                <a:solidFill>
-                  <a:schemeClr val="tx1"/>
-                </a:solidFill>
-                <a:effectLst/>
-                <a:latin typeface="+mn-lt"/>
-                <a:ea typeface="+mn-ea"/>
-                <a:cs typeface="+mn-cs"/>
-              </a:defRPr>
-            </a:lvl6pPr>
-            <a:lvl7pPr marL="2743200" indent="0" algn="ctr" defTabSz="457200" rtl="0" eaLnBrk="1" latinLnBrk="0" hangingPunct="1">
-              <a:spcBef>
-                <a:spcPct val="20000"/>
-              </a:spcBef>
-              <a:spcAft>
-                <a:spcPts val="600"/>
-              </a:spcAft>
-              <a:buClr>
-                <a:schemeClr val="accent1">
-                  <a:lumMod val="75000"/>
-                </a:schemeClr>
-              </a:buClr>
-              <a:buSzPct val="145000"/>
-              <a:buFont typeface="Arial"/>
-              <a:buNone/>
-              <a:defRPr sz="1600" kern="1200" cap="none">
-                <a:solidFill>
-                  <a:schemeClr val="tx1"/>
-                </a:solidFill>
-                <a:effectLst/>
-                <a:latin typeface="+mn-lt"/>
-                <a:ea typeface="+mn-ea"/>
-                <a:cs typeface="+mn-cs"/>
-              </a:defRPr>
-            </a:lvl7pPr>
-            <a:lvl8pPr marL="3200400" indent="0" algn="ctr" defTabSz="457200" rtl="0" eaLnBrk="1" latinLnBrk="0" hangingPunct="1">
-              <a:spcBef>
-                <a:spcPct val="20000"/>
-              </a:spcBef>
-              <a:spcAft>
-                <a:spcPts val="600"/>
-              </a:spcAft>
-              <a:buClr>
-                <a:schemeClr val="accent1">
-                  <a:lumMod val="75000"/>
-                </a:schemeClr>
-              </a:buClr>
-              <a:buSzPct val="145000"/>
-              <a:buFont typeface="Arial"/>
-              <a:buNone/>
-              <a:defRPr sz="1600" kern="1200" cap="none">
-                <a:solidFill>
-                  <a:schemeClr val="tx1"/>
-                </a:solidFill>
-                <a:effectLst/>
-                <a:latin typeface="+mn-lt"/>
-                <a:ea typeface="+mn-ea"/>
-                <a:cs typeface="+mn-cs"/>
-              </a:defRPr>
-            </a:lvl8pPr>
-            <a:lvl9pPr marL="3657600" indent="0" algn="ctr" defTabSz="457200" rtl="0" eaLnBrk="1" latinLnBrk="0" hangingPunct="1">
-              <a:spcBef>
-                <a:spcPct val="20000"/>
-              </a:spcBef>
-              <a:spcAft>
-                <a:spcPts val="600"/>
-              </a:spcAft>
-              <a:buClr>
-                <a:schemeClr val="accent1">
-                  <a:lumMod val="75000"/>
-                </a:schemeClr>
-              </a:buClr>
-              <a:buSzPct val="145000"/>
-              <a:buFont typeface="Arial"/>
-              <a:buNone/>
-              <a:defRPr sz="1600" kern="1200" cap="none">
-                <a:solidFill>
-                  <a:schemeClr val="tx1"/>
-                </a:solidFill>
-                <a:effectLst/>
-                <a:latin typeface="+mn-lt"/>
-                <a:ea typeface="+mn-ea"/>
-                <a:cs typeface="+mn-cs"/>
-              </a:defRPr>
-            </a:lvl9pPr>
-          </a:lstStyle>
-          <a:p>
-            <a:r>
-              <a:rPr lang="en-US" dirty="0"/>
-              <a:t>Landmarks</a:t>
-            </a:r>
-          </a:p>
-        </p:txBody>
-      </p:sp>
-      <p:sp>
-        <p:nvSpPr>
-          <p:cNvPr id="4" name="Subtitle 8">
-            <a:extLst>
-              <a:ext uri="{FF2B5EF4-FFF2-40B4-BE49-F238E27FC236}">
-                <a16:creationId xmlns:a16="http://schemas.microsoft.com/office/drawing/2014/main" id="{A758D4D7-5822-9265-F296-5C3085B0464B}"/>
-              </a:ext>
-            </a:extLst>
-          </p:cNvPr>
-          <p:cNvSpPr txBox="1">
-            <a:spLocks/>
-          </p:cNvSpPr>
-          <p:nvPr/>
-        </p:nvSpPr>
-        <p:spPr>
-          <a:xfrm>
-            <a:off x="3961947" y="3808535"/>
-            <a:ext cx="4268106" cy="652923"/>
-          </a:xfrm>
-          <a:prstGeom prst="roundRect">
-            <a:avLst>
-              <a:gd name="adj" fmla="val 50000"/>
-            </a:avLst>
-          </a:prstGeom>
-          <a:solidFill>
-            <a:schemeClr val="accent6"/>
-          </a:solidFill>
-          <a:ln w="38100">
-            <a:solidFill>
-              <a:schemeClr val="tx1"/>
-            </a:solidFill>
-          </a:ln>
-        </p:spPr>
-        <p:txBody>
-          <a:bodyPr vert="horz" lIns="91440" tIns="45720" rIns="91440" bIns="45720" rtlCol="0" anchor="ctr">
-            <a:noAutofit/>
-          </a:bodyPr>
-          <a:lstStyle>
-            <a:lvl1pPr marL="0" indent="0" algn="ctr" defTabSz="457200" rtl="0" eaLnBrk="1" latinLnBrk="0" hangingPunct="1">
-              <a:spcBef>
-                <a:spcPct val="20000"/>
-              </a:spcBef>
-              <a:spcAft>
-                <a:spcPts val="600"/>
-              </a:spcAft>
-              <a:buClr>
-                <a:schemeClr val="accent1">
-                  <a:lumMod val="75000"/>
-                </a:schemeClr>
-              </a:buClr>
-              <a:buSzPct val="145000"/>
-              <a:buFont typeface="Arial"/>
-              <a:buNone/>
-              <a:defRPr sz="2000" kern="1200" cap="none">
-                <a:solidFill>
-                  <a:schemeClr val="tx1"/>
-                </a:solidFill>
-                <a:effectLst/>
-                <a:latin typeface="+mn-lt"/>
-                <a:ea typeface="+mn-ea"/>
-                <a:cs typeface="+mn-cs"/>
-              </a:defRPr>
-            </a:lvl1pPr>
-            <a:lvl2pPr marL="457200" indent="0" algn="ctr" defTabSz="457200" rtl="0" eaLnBrk="1" latinLnBrk="0" hangingPunct="1">
-              <a:spcBef>
-                <a:spcPct val="20000"/>
-              </a:spcBef>
-              <a:spcAft>
-                <a:spcPts val="600"/>
-              </a:spcAft>
-              <a:buClr>
-                <a:schemeClr val="accent1">
-                  <a:lumMod val="75000"/>
-                </a:schemeClr>
-              </a:buClr>
-              <a:buSzPct val="145000"/>
-              <a:buFont typeface="Arial"/>
-              <a:buNone/>
-              <a:defRPr sz="2000" kern="1200" cap="none">
-                <a:solidFill>
-                  <a:schemeClr val="tx1"/>
-                </a:solidFill>
-                <a:effectLst/>
-                <a:latin typeface="+mn-lt"/>
-                <a:ea typeface="+mn-ea"/>
-                <a:cs typeface="+mn-cs"/>
-              </a:defRPr>
-            </a:lvl2pPr>
-            <a:lvl3pPr marL="914400" indent="0" algn="ctr" defTabSz="457200" rtl="0" eaLnBrk="1" latinLnBrk="0" hangingPunct="1">
-              <a:spcBef>
-                <a:spcPct val="20000"/>
-              </a:spcBef>
-              <a:spcAft>
-                <a:spcPts val="600"/>
-              </a:spcAft>
-              <a:buClr>
-                <a:schemeClr val="accent1">
-                  <a:lumMod val="75000"/>
-                </a:schemeClr>
-              </a:buClr>
-              <a:buSzPct val="145000"/>
-              <a:buFont typeface="Arial"/>
-              <a:buNone/>
-              <a:defRPr sz="1800" kern="1200" cap="none">
-                <a:solidFill>
-                  <a:schemeClr val="tx1"/>
-                </a:solidFill>
-                <a:effectLst/>
-                <a:latin typeface="+mn-lt"/>
-                <a:ea typeface="+mn-ea"/>
-                <a:cs typeface="+mn-cs"/>
-              </a:defRPr>
-            </a:lvl3pPr>
-            <a:lvl4pPr marL="1371600" indent="0" algn="ctr" defTabSz="457200" rtl="0" eaLnBrk="1" latinLnBrk="0" hangingPunct="1">
-              <a:spcBef>
-                <a:spcPct val="20000"/>
-              </a:spcBef>
-              <a:spcAft>
-                <a:spcPts val="600"/>
-              </a:spcAft>
-              <a:buClr>
-                <a:schemeClr val="accent1">
-                  <a:lumMod val="75000"/>
-                </a:schemeClr>
-              </a:buClr>
-              <a:buSzPct val="145000"/>
-              <a:buFont typeface="Arial"/>
-              <a:buNone/>
-              <a:defRPr sz="1600" kern="1200" cap="none">
-                <a:solidFill>
-                  <a:schemeClr val="tx1"/>
-                </a:solidFill>
-                <a:effectLst/>
-                <a:latin typeface="+mn-lt"/>
-                <a:ea typeface="+mn-ea"/>
-                <a:cs typeface="+mn-cs"/>
-              </a:defRPr>
-            </a:lvl4pPr>
-            <a:lvl5pPr marL="1828800" indent="0" algn="ctr" defTabSz="457200" rtl="0" eaLnBrk="1" latinLnBrk="0" hangingPunct="1">
-              <a:spcBef>
-                <a:spcPct val="20000"/>
-              </a:spcBef>
-              <a:spcAft>
-                <a:spcPts val="600"/>
-              </a:spcAft>
-              <a:buClr>
-                <a:schemeClr val="accent1">
-                  <a:lumMod val="75000"/>
-                </a:schemeClr>
-              </a:buClr>
-              <a:buSzPct val="145000"/>
-              <a:buFont typeface="Arial"/>
-              <a:buNone/>
-              <a:defRPr sz="1600" kern="1200" cap="none">
-                <a:solidFill>
-                  <a:schemeClr val="tx1"/>
-                </a:solidFill>
-                <a:effectLst/>
-                <a:latin typeface="+mn-lt"/>
-                <a:ea typeface="+mn-ea"/>
-                <a:cs typeface="+mn-cs"/>
-              </a:defRPr>
-            </a:lvl5pPr>
-            <a:lvl6pPr marL="2286000" indent="0" algn="ctr" defTabSz="457200" rtl="0" eaLnBrk="1" latinLnBrk="0" hangingPunct="1">
-              <a:spcBef>
-                <a:spcPct val="20000"/>
-              </a:spcBef>
-              <a:spcAft>
-                <a:spcPts val="600"/>
-              </a:spcAft>
-              <a:buClr>
-                <a:schemeClr val="accent1">
-                  <a:lumMod val="75000"/>
-                </a:schemeClr>
-              </a:buClr>
-              <a:buSzPct val="145000"/>
-              <a:buFont typeface="Arial"/>
-              <a:buNone/>
-              <a:defRPr sz="1600" kern="1200" cap="none">
-                <a:solidFill>
-                  <a:schemeClr val="tx1"/>
-                </a:solidFill>
-                <a:effectLst/>
-                <a:latin typeface="+mn-lt"/>
-                <a:ea typeface="+mn-ea"/>
-                <a:cs typeface="+mn-cs"/>
-              </a:defRPr>
-            </a:lvl6pPr>
-            <a:lvl7pPr marL="2743200" indent="0" algn="ctr" defTabSz="457200" rtl="0" eaLnBrk="1" latinLnBrk="0" hangingPunct="1">
-              <a:spcBef>
-                <a:spcPct val="20000"/>
-              </a:spcBef>
-              <a:spcAft>
-                <a:spcPts val="600"/>
-              </a:spcAft>
-              <a:buClr>
-                <a:schemeClr val="accent1">
-                  <a:lumMod val="75000"/>
-                </a:schemeClr>
-              </a:buClr>
-              <a:buSzPct val="145000"/>
-              <a:buFont typeface="Arial"/>
-              <a:buNone/>
-              <a:defRPr sz="1600" kern="1200" cap="none">
-                <a:solidFill>
-                  <a:schemeClr val="tx1"/>
-                </a:solidFill>
-                <a:effectLst/>
-                <a:latin typeface="+mn-lt"/>
-                <a:ea typeface="+mn-ea"/>
-                <a:cs typeface="+mn-cs"/>
-              </a:defRPr>
-            </a:lvl7pPr>
-            <a:lvl8pPr marL="3200400" indent="0" algn="ctr" defTabSz="457200" rtl="0" eaLnBrk="1" latinLnBrk="0" hangingPunct="1">
-              <a:spcBef>
-                <a:spcPct val="20000"/>
-              </a:spcBef>
-              <a:spcAft>
-                <a:spcPts val="600"/>
-              </a:spcAft>
-              <a:buClr>
-                <a:schemeClr val="accent1">
-                  <a:lumMod val="75000"/>
-                </a:schemeClr>
-              </a:buClr>
-              <a:buSzPct val="145000"/>
-              <a:buFont typeface="Arial"/>
-              <a:buNone/>
-              <a:defRPr sz="1600" kern="1200" cap="none">
-                <a:solidFill>
-                  <a:schemeClr val="tx1"/>
-                </a:solidFill>
-                <a:effectLst/>
-                <a:latin typeface="+mn-lt"/>
-                <a:ea typeface="+mn-ea"/>
-                <a:cs typeface="+mn-cs"/>
-              </a:defRPr>
-            </a:lvl8pPr>
-            <a:lvl9pPr marL="3657600" indent="0" algn="ctr" defTabSz="457200" rtl="0" eaLnBrk="1" latinLnBrk="0" hangingPunct="1">
-              <a:spcBef>
-                <a:spcPct val="20000"/>
-              </a:spcBef>
-              <a:spcAft>
-                <a:spcPts val="600"/>
-              </a:spcAft>
-              <a:buClr>
-                <a:schemeClr val="accent1">
-                  <a:lumMod val="75000"/>
-                </a:schemeClr>
-              </a:buClr>
-              <a:buSzPct val="145000"/>
-              <a:buFont typeface="Arial"/>
-              <a:buNone/>
-              <a:defRPr sz="1600" kern="1200" cap="none">
-                <a:solidFill>
-                  <a:schemeClr val="tx1"/>
-                </a:solidFill>
-                <a:effectLst/>
-                <a:latin typeface="+mn-lt"/>
-                <a:ea typeface="+mn-ea"/>
-                <a:cs typeface="+mn-cs"/>
-              </a:defRPr>
-            </a:lvl9pPr>
-          </a:lstStyle>
-          <a:p>
-            <a:r>
-              <a:rPr lang="en-US" dirty="0"/>
-              <a:t>Best Practices</a:t>
-            </a:r>
-          </a:p>
-        </p:txBody>
-      </p:sp>
-      <p:sp>
-        <p:nvSpPr>
-          <p:cNvPr id="5" name="Subtitle 8">
-            <a:extLst>
-              <a:ext uri="{FF2B5EF4-FFF2-40B4-BE49-F238E27FC236}">
-                <a16:creationId xmlns:a16="http://schemas.microsoft.com/office/drawing/2014/main" id="{3FDC724E-86C9-0207-B00F-05D61B2FE87B}"/>
-              </a:ext>
-            </a:extLst>
-          </p:cNvPr>
-          <p:cNvSpPr txBox="1">
-            <a:spLocks/>
-          </p:cNvSpPr>
-          <p:nvPr/>
-        </p:nvSpPr>
-        <p:spPr>
-          <a:xfrm>
-            <a:off x="3961947" y="4655005"/>
-            <a:ext cx="4268106" cy="652923"/>
-          </a:xfrm>
-          <a:prstGeom prst="roundRect">
-            <a:avLst>
-              <a:gd name="adj" fmla="val 50000"/>
-            </a:avLst>
-          </a:prstGeom>
-          <a:solidFill>
-            <a:schemeClr val="accent6"/>
-          </a:solidFill>
-          <a:ln w="38100">
-            <a:solidFill>
-              <a:schemeClr val="tx1"/>
-            </a:solidFill>
-          </a:ln>
-        </p:spPr>
-        <p:txBody>
-          <a:bodyPr vert="horz" lIns="91440" tIns="45720" rIns="91440" bIns="45720" rtlCol="0" anchor="ctr">
-            <a:noAutofit/>
-          </a:bodyPr>
-          <a:lstStyle>
-            <a:lvl1pPr marL="0" indent="0" algn="ctr" defTabSz="457200" rtl="0" eaLnBrk="1" latinLnBrk="0" hangingPunct="1">
-              <a:spcBef>
-                <a:spcPct val="20000"/>
-              </a:spcBef>
-              <a:spcAft>
-                <a:spcPts val="600"/>
-              </a:spcAft>
-              <a:buClr>
-                <a:schemeClr val="accent1">
-                  <a:lumMod val="75000"/>
-                </a:schemeClr>
-              </a:buClr>
-              <a:buSzPct val="145000"/>
-              <a:buFont typeface="Arial"/>
-              <a:buNone/>
-              <a:defRPr sz="2000" kern="1200" cap="none">
-                <a:solidFill>
-                  <a:schemeClr val="tx1"/>
-                </a:solidFill>
-                <a:effectLst/>
-                <a:latin typeface="+mn-lt"/>
-                <a:ea typeface="+mn-ea"/>
-                <a:cs typeface="+mn-cs"/>
-              </a:defRPr>
-            </a:lvl1pPr>
-            <a:lvl2pPr marL="457200" indent="0" algn="ctr" defTabSz="457200" rtl="0" eaLnBrk="1" latinLnBrk="0" hangingPunct="1">
-              <a:spcBef>
-                <a:spcPct val="20000"/>
-              </a:spcBef>
-              <a:spcAft>
-                <a:spcPts val="600"/>
-              </a:spcAft>
-              <a:buClr>
-                <a:schemeClr val="accent1">
-                  <a:lumMod val="75000"/>
-                </a:schemeClr>
-              </a:buClr>
-              <a:buSzPct val="145000"/>
-              <a:buFont typeface="Arial"/>
-              <a:buNone/>
-              <a:defRPr sz="2000" kern="1200" cap="none">
-                <a:solidFill>
-                  <a:schemeClr val="tx1"/>
-                </a:solidFill>
-                <a:effectLst/>
-                <a:latin typeface="+mn-lt"/>
-                <a:ea typeface="+mn-ea"/>
-                <a:cs typeface="+mn-cs"/>
-              </a:defRPr>
-            </a:lvl2pPr>
-            <a:lvl3pPr marL="914400" indent="0" algn="ctr" defTabSz="457200" rtl="0" eaLnBrk="1" latinLnBrk="0" hangingPunct="1">
-              <a:spcBef>
-                <a:spcPct val="20000"/>
-              </a:spcBef>
-              <a:spcAft>
-                <a:spcPts val="600"/>
-              </a:spcAft>
-              <a:buClr>
-                <a:schemeClr val="accent1">
-                  <a:lumMod val="75000"/>
-                </a:schemeClr>
-              </a:buClr>
-              <a:buSzPct val="145000"/>
-              <a:buFont typeface="Arial"/>
-              <a:buNone/>
-              <a:defRPr sz="1800" kern="1200" cap="none">
-                <a:solidFill>
-                  <a:schemeClr val="tx1"/>
-                </a:solidFill>
-                <a:effectLst/>
-                <a:latin typeface="+mn-lt"/>
-                <a:ea typeface="+mn-ea"/>
-                <a:cs typeface="+mn-cs"/>
-              </a:defRPr>
-            </a:lvl3pPr>
-            <a:lvl4pPr marL="1371600" indent="0" algn="ctr" defTabSz="457200" rtl="0" eaLnBrk="1" latinLnBrk="0" hangingPunct="1">
-              <a:spcBef>
-                <a:spcPct val="20000"/>
-              </a:spcBef>
-              <a:spcAft>
-                <a:spcPts val="600"/>
-              </a:spcAft>
-              <a:buClr>
-                <a:schemeClr val="accent1">
-                  <a:lumMod val="75000"/>
-                </a:schemeClr>
-              </a:buClr>
-              <a:buSzPct val="145000"/>
-              <a:buFont typeface="Arial"/>
-              <a:buNone/>
-              <a:defRPr sz="1600" kern="1200" cap="none">
-                <a:solidFill>
-                  <a:schemeClr val="tx1"/>
-                </a:solidFill>
-                <a:effectLst/>
-                <a:latin typeface="+mn-lt"/>
-                <a:ea typeface="+mn-ea"/>
-                <a:cs typeface="+mn-cs"/>
-              </a:defRPr>
-            </a:lvl4pPr>
-            <a:lvl5pPr marL="1828800" indent="0" algn="ctr" defTabSz="457200" rtl="0" eaLnBrk="1" latinLnBrk="0" hangingPunct="1">
-              <a:spcBef>
-                <a:spcPct val="20000"/>
-              </a:spcBef>
-              <a:spcAft>
-                <a:spcPts val="600"/>
-              </a:spcAft>
-              <a:buClr>
-                <a:schemeClr val="accent1">
-                  <a:lumMod val="75000"/>
-                </a:schemeClr>
-              </a:buClr>
-              <a:buSzPct val="145000"/>
-              <a:buFont typeface="Arial"/>
-              <a:buNone/>
-              <a:defRPr sz="1600" kern="1200" cap="none">
-                <a:solidFill>
-                  <a:schemeClr val="tx1"/>
-                </a:solidFill>
-                <a:effectLst/>
-                <a:latin typeface="+mn-lt"/>
-                <a:ea typeface="+mn-ea"/>
-                <a:cs typeface="+mn-cs"/>
-              </a:defRPr>
-            </a:lvl5pPr>
-            <a:lvl6pPr marL="2286000" indent="0" algn="ctr" defTabSz="457200" rtl="0" eaLnBrk="1" latinLnBrk="0" hangingPunct="1">
-              <a:spcBef>
-                <a:spcPct val="20000"/>
-              </a:spcBef>
-              <a:spcAft>
-                <a:spcPts val="600"/>
-              </a:spcAft>
-              <a:buClr>
-                <a:schemeClr val="accent1">
-                  <a:lumMod val="75000"/>
-                </a:schemeClr>
-              </a:buClr>
-              <a:buSzPct val="145000"/>
-              <a:buFont typeface="Arial"/>
-              <a:buNone/>
-              <a:defRPr sz="1600" kern="1200" cap="none">
-                <a:solidFill>
-                  <a:schemeClr val="tx1"/>
-                </a:solidFill>
-                <a:effectLst/>
-                <a:latin typeface="+mn-lt"/>
-                <a:ea typeface="+mn-ea"/>
-                <a:cs typeface="+mn-cs"/>
-              </a:defRPr>
-            </a:lvl6pPr>
-            <a:lvl7pPr marL="2743200" indent="0" algn="ctr" defTabSz="457200" rtl="0" eaLnBrk="1" latinLnBrk="0" hangingPunct="1">
-              <a:spcBef>
-                <a:spcPct val="20000"/>
-              </a:spcBef>
-              <a:spcAft>
-                <a:spcPts val="600"/>
-              </a:spcAft>
-              <a:buClr>
-                <a:schemeClr val="accent1">
-                  <a:lumMod val="75000"/>
-                </a:schemeClr>
-              </a:buClr>
-              <a:buSzPct val="145000"/>
-              <a:buFont typeface="Arial"/>
-              <a:buNone/>
-              <a:defRPr sz="1600" kern="1200" cap="none">
-                <a:solidFill>
-                  <a:schemeClr val="tx1"/>
-                </a:solidFill>
-                <a:effectLst/>
-                <a:latin typeface="+mn-lt"/>
-                <a:ea typeface="+mn-ea"/>
-                <a:cs typeface="+mn-cs"/>
-              </a:defRPr>
-            </a:lvl7pPr>
-            <a:lvl8pPr marL="3200400" indent="0" algn="ctr" defTabSz="457200" rtl="0" eaLnBrk="1" latinLnBrk="0" hangingPunct="1">
-              <a:spcBef>
-                <a:spcPct val="20000"/>
-              </a:spcBef>
-              <a:spcAft>
-                <a:spcPts val="600"/>
-              </a:spcAft>
-              <a:buClr>
-                <a:schemeClr val="accent1">
-                  <a:lumMod val="75000"/>
-                </a:schemeClr>
-              </a:buClr>
-              <a:buSzPct val="145000"/>
-              <a:buFont typeface="Arial"/>
-              <a:buNone/>
-              <a:defRPr sz="1600" kern="1200" cap="none">
-                <a:solidFill>
-                  <a:schemeClr val="tx1"/>
-                </a:solidFill>
-                <a:effectLst/>
-                <a:latin typeface="+mn-lt"/>
-                <a:ea typeface="+mn-ea"/>
-                <a:cs typeface="+mn-cs"/>
-              </a:defRPr>
-            </a:lvl8pPr>
-            <a:lvl9pPr marL="3657600" indent="0" algn="ctr" defTabSz="457200" rtl="0" eaLnBrk="1" latinLnBrk="0" hangingPunct="1">
-              <a:spcBef>
-                <a:spcPct val="20000"/>
-              </a:spcBef>
-              <a:spcAft>
-                <a:spcPts val="600"/>
-              </a:spcAft>
-              <a:buClr>
-                <a:schemeClr val="accent1">
-                  <a:lumMod val="75000"/>
-                </a:schemeClr>
-              </a:buClr>
-              <a:buSzPct val="145000"/>
-              <a:buFont typeface="Arial"/>
-              <a:buNone/>
-              <a:defRPr sz="1600" kern="1200" cap="none">
-                <a:solidFill>
-                  <a:schemeClr val="tx1"/>
-                </a:solidFill>
-                <a:effectLst/>
-                <a:latin typeface="+mn-lt"/>
-                <a:ea typeface="+mn-ea"/>
-                <a:cs typeface="+mn-cs"/>
-              </a:defRPr>
-            </a:lvl9pPr>
-          </a:lstStyle>
-          <a:p>
-            <a:r>
-              <a:rPr lang="en-US" dirty="0"/>
-              <a:t>First rule of ARIA</a:t>
-            </a:r>
-          </a:p>
-        </p:txBody>
-      </p:sp>
-      <p:sp>
-        <p:nvSpPr>
-          <p:cNvPr id="10" name="Text Placeholder 9">
-            <a:extLst>
-              <a:ext uri="{FF2B5EF4-FFF2-40B4-BE49-F238E27FC236}">
-                <a16:creationId xmlns:a16="http://schemas.microsoft.com/office/drawing/2014/main" id="{79900152-4190-4E1D-710E-A59A8AF309AF}"/>
-              </a:ext>
-            </a:extLst>
-          </p:cNvPr>
-          <p:cNvSpPr>
-            <a:spLocks noGrp="1"/>
-          </p:cNvSpPr>
-          <p:nvPr>
-            <p:ph type="body" sz="quarter" idx="12"/>
-          </p:nvPr>
-        </p:nvSpPr>
-        <p:spPr/>
-        <p:txBody>
-          <a:bodyPr/>
-          <a:lstStyle/>
-          <a:p>
-            <a:r>
-              <a:rPr lang="en-US" dirty="0">
-                <a:solidFill>
-                  <a:schemeClr val="bg1"/>
-                </a:solidFill>
-              </a:rPr>
-              <a:t>Erissa</a:t>
-            </a:r>
-          </a:p>
-        </p:txBody>
-      </p:sp>
-      <p:sp>
-        <p:nvSpPr>
-          <p:cNvPr id="2" name="Date Placeholder 1">
-            <a:extLst>
-              <a:ext uri="{FF2B5EF4-FFF2-40B4-BE49-F238E27FC236}">
-                <a16:creationId xmlns:a16="http://schemas.microsoft.com/office/drawing/2014/main" id="{B866EC4B-4FD9-C776-97E0-87B07FAE8337}"/>
-              </a:ext>
-            </a:extLst>
-          </p:cNvPr>
-          <p:cNvSpPr>
-            <a:spLocks noGrp="1"/>
-          </p:cNvSpPr>
-          <p:nvPr>
-            <p:ph type="dt" sz="half" idx="2"/>
-          </p:nvPr>
-        </p:nvSpPr>
-        <p:spPr/>
-        <p:txBody>
-          <a:bodyPr/>
-          <a:lstStyle/>
-          <a:p>
-            <a:fld id="{72B8B865-6043-45BC-B48D-1676CB43D17A}" type="datetime1">
-              <a:rPr lang="en-US" smtClean="0"/>
-              <a:pPr/>
-              <a:t>2/7/2024</a:t>
-            </a:fld>
-            <a:endParaRPr lang="en-US" dirty="0"/>
-          </a:p>
-        </p:txBody>
-      </p:sp>
-      <p:sp>
-        <p:nvSpPr>
-          <p:cNvPr id="3" name="Slide Number Placeholder 2">
-            <a:extLst>
-              <a:ext uri="{FF2B5EF4-FFF2-40B4-BE49-F238E27FC236}">
-                <a16:creationId xmlns:a16="http://schemas.microsoft.com/office/drawing/2014/main" id="{E4295421-5C34-5B72-A927-0E17EA44FDD5}"/>
-              </a:ext>
-            </a:extLst>
-          </p:cNvPr>
-          <p:cNvSpPr>
-            <a:spLocks noGrp="1"/>
-          </p:cNvSpPr>
-          <p:nvPr>
-            <p:ph type="sldNum" sz="quarter" idx="4"/>
-          </p:nvPr>
-        </p:nvSpPr>
-        <p:spPr/>
-        <p:txBody>
-          <a:bodyPr/>
-          <a:lstStyle/>
-          <a:p>
-            <a:fld id="{294A09A9-5501-47C1-A89A-A340965A2BE2}" type="slidenum">
-              <a:rPr lang="en-US" smtClean="0"/>
-              <a:pPr/>
-              <a:t>9</a:t>
-            </a:fld>
-            <a:endParaRPr lang="en-US" dirty="0"/>
-          </a:p>
-        </p:txBody>
-      </p:sp>
-    </p:spTree>
-    <p:extLst>
-      <p:ext uri="{BB962C8B-B14F-4D97-AF65-F5344CB8AC3E}">
-        <p14:creationId xmlns:p14="http://schemas.microsoft.com/office/powerpoint/2010/main" val="2455359746"/>
       </p:ext>
     </p:extLst>
   </p:cSld>
@@ -21026,6 +23161,35 @@
 </file>
 
 <file path=customXml/item1.xml><?xml version="1.0" encoding="utf-8"?>
+<?mso-contentType ?>
+<FormTemplates xmlns="http://schemas.microsoft.com/sharepoint/v3/contenttype/forms">
+  <Display>DocumentLibraryForm</Display>
+  <Edit>DocumentLibraryForm</Edit>
+  <New>DocumentLibraryForm</New>
+</FormTemplates>
+</file>
+
+<file path=customXml/item2.xml><?xml version="1.0" encoding="utf-8"?>
+<p:properties xmlns:p="http://schemas.microsoft.com/office/2006/metadata/properties" xmlns:xsi="http://www.w3.org/2001/XMLSchema-instance" xmlns:pc="http://schemas.microsoft.com/office/infopath/2007/PartnerControls">
+  <documentManagement>
+    <_ip_UnifiedCompliancePolicyUIAction xmlns="http://schemas.microsoft.com/sharepoint/v3" xsi:nil="true"/>
+    <Image xmlns="71af3243-3dd4-4a8d-8c0d-dd76da1f02a5">
+      <Url xsi:nil="true"/>
+      <Description xsi:nil="true"/>
+    </Image>
+    <Status xmlns="71af3243-3dd4-4a8d-8c0d-dd76da1f02a5">Not started</Status>
+    <Background xmlns="71af3243-3dd4-4a8d-8c0d-dd76da1f02a5">false</Background>
+    <_ip_UnifiedCompliancePolicyProperties xmlns="http://schemas.microsoft.com/sharepoint/v3" xsi:nil="true"/>
+    <ImageTagsTaxHTField xmlns="71af3243-3dd4-4a8d-8c0d-dd76da1f02a5">
+      <Terms xmlns="http://schemas.microsoft.com/office/infopath/2007/PartnerControls"/>
+    </ImageTagsTaxHTField>
+    <TaxCatchAll xmlns="230e9df3-be65-4c73-a93b-d1236ebd677e" xsi:nil="true"/>
+    <MediaServiceKeyPoints xmlns="71af3243-3dd4-4a8d-8c0d-dd76da1f02a5" xsi:nil="true"/>
+  </documentManagement>
+</p:properties>
+</file>
+
+<file path=customXml/item3.xml><?xml version="1.0" encoding="utf-8"?>
 <ct:contentTypeSchema xmlns:ct="http://schemas.microsoft.com/office/2006/metadata/contentType" xmlns:ma="http://schemas.microsoft.com/office/2006/metadata/properties/metaAttributes" ct:_="" ma:_="" ma:contentTypeName="Document" ma:contentTypeID="0x01010079F111ED35F8CC479449609E8A0923A6" ma:contentTypeVersion="28" ma:contentTypeDescription="Create a new document." ma:contentTypeScope="" ma:versionID="60f5a4f2d2b0abadcf532d48ebf9cb71">
   <xsd:schema xmlns:xsd="http://www.w3.org/2001/XMLSchema" xmlns:xs="http://www.w3.org/2001/XMLSchema" xmlns:p="http://schemas.microsoft.com/office/2006/metadata/properties" xmlns:ns1="http://schemas.microsoft.com/sharepoint/v3" xmlns:ns2="71af3243-3dd4-4a8d-8c0d-dd76da1f02a5" xmlns:ns3="16c05727-aa75-4e4a-9b5f-8a80a1165891" xmlns:ns4="230e9df3-be65-4c73-a93b-d1236ebd677e" targetNamespace="http://schemas.microsoft.com/office/2006/metadata/properties" ma:root="true" ma:fieldsID="7dd78129e6a1811f84807ad11c651531" ns1:_="" ns2:_="" ns3:_="" ns4:_="">
     <xsd:import namespace="http://schemas.microsoft.com/sharepoint/v3"/>
@@ -21337,36 +23501,27 @@
 </ct:contentTypeSchema>
 </file>
 
-<file path=customXml/item2.xml><?xml version="1.0" encoding="utf-8"?>
-<p:properties xmlns:p="http://schemas.microsoft.com/office/2006/metadata/properties" xmlns:xsi="http://www.w3.org/2001/XMLSchema-instance" xmlns:pc="http://schemas.microsoft.com/office/infopath/2007/PartnerControls">
-  <documentManagement>
-    <_ip_UnifiedCompliancePolicyUIAction xmlns="http://schemas.microsoft.com/sharepoint/v3" xsi:nil="true"/>
-    <Image xmlns="71af3243-3dd4-4a8d-8c0d-dd76da1f02a5">
-      <Url xsi:nil="true"/>
-      <Description xsi:nil="true"/>
-    </Image>
-    <Status xmlns="71af3243-3dd4-4a8d-8c0d-dd76da1f02a5">Not started</Status>
-    <Background xmlns="71af3243-3dd4-4a8d-8c0d-dd76da1f02a5">false</Background>
-    <_ip_UnifiedCompliancePolicyProperties xmlns="http://schemas.microsoft.com/sharepoint/v3" xsi:nil="true"/>
-    <ImageTagsTaxHTField xmlns="71af3243-3dd4-4a8d-8c0d-dd76da1f02a5">
-      <Terms xmlns="http://schemas.microsoft.com/office/infopath/2007/PartnerControls"/>
-    </ImageTagsTaxHTField>
-    <TaxCatchAll xmlns="230e9df3-be65-4c73-a93b-d1236ebd677e" xsi:nil="true"/>
-    <MediaServiceKeyPoints xmlns="71af3243-3dd4-4a8d-8c0d-dd76da1f02a5" xsi:nil="true"/>
-  </documentManagement>
-</p:properties>
+<file path=customXml/itemProps1.xml><?xml version="1.0" encoding="utf-8"?>
+<ds:datastoreItem xmlns:ds="http://schemas.openxmlformats.org/officeDocument/2006/customXml" ds:itemID="{E6C52E68-191B-4883-A1EE-52F93DB694AA}">
+  <ds:schemaRefs>
+    <ds:schemaRef ds:uri="http://schemas.microsoft.com/sharepoint/v3/contenttype/forms"/>
+  </ds:schemaRefs>
+</ds:datastoreItem>
 </file>
 
-<file path=customXml/item3.xml><?xml version="1.0" encoding="utf-8"?>
-<?mso-contentType ?>
-<FormTemplates xmlns="http://schemas.microsoft.com/sharepoint/v3/contenttype/forms">
-  <Display>DocumentLibraryForm</Display>
-  <Edit>DocumentLibraryForm</Edit>
-  <New>DocumentLibraryForm</New>
-</FormTemplates>
+<file path=customXml/itemProps2.xml><?xml version="1.0" encoding="utf-8"?>
+<ds:datastoreItem xmlns:ds="http://schemas.openxmlformats.org/officeDocument/2006/customXml" ds:itemID="{55F65D0A-9CCC-4F61-B2C0-E968BCA5F60A}">
+  <ds:schemaRefs>
+    <ds:schemaRef ds:uri="http://schemas.microsoft.com/office/2006/metadata/properties"/>
+    <ds:schemaRef ds:uri="http://schemas.microsoft.com/office/infopath/2007/PartnerControls"/>
+    <ds:schemaRef ds:uri="http://schemas.microsoft.com/sharepoint/v3"/>
+    <ds:schemaRef ds:uri="71af3243-3dd4-4a8d-8c0d-dd76da1f02a5"/>
+    <ds:schemaRef ds:uri="230e9df3-be65-4c73-a93b-d1236ebd677e"/>
+  </ds:schemaRefs>
+</ds:datastoreItem>
 </file>
 
-<file path=customXml/itemProps1.xml><?xml version="1.0" encoding="utf-8"?>
+<file path=customXml/itemProps3.xml><?xml version="1.0" encoding="utf-8"?>
 <ds:datastoreItem xmlns:ds="http://schemas.openxmlformats.org/officeDocument/2006/customXml" ds:itemID="{16095F90-A7E0-4DA0-8E95-EB34584D62EC}">
   <ds:schemaRefs>
     <ds:schemaRef ds:uri="http://schemas.microsoft.com/office/2006/metadata/contentType"/>
@@ -21387,26 +23542,6 @@
 </ds:datastoreItem>
 </file>
 
-<file path=customXml/itemProps2.xml><?xml version="1.0" encoding="utf-8"?>
-<ds:datastoreItem xmlns:ds="http://schemas.openxmlformats.org/officeDocument/2006/customXml" ds:itemID="{55F65D0A-9CCC-4F61-B2C0-E968BCA5F60A}">
-  <ds:schemaRefs>
-    <ds:schemaRef ds:uri="http://schemas.microsoft.com/office/2006/metadata/properties"/>
-    <ds:schemaRef ds:uri="http://schemas.microsoft.com/office/infopath/2007/PartnerControls"/>
-    <ds:schemaRef ds:uri="http://schemas.microsoft.com/sharepoint/v3"/>
-    <ds:schemaRef ds:uri="71af3243-3dd4-4a8d-8c0d-dd76da1f02a5"/>
-    <ds:schemaRef ds:uri="230e9df3-be65-4c73-a93b-d1236ebd677e"/>
-  </ds:schemaRefs>
-</ds:datastoreItem>
-</file>
-
-<file path=customXml/itemProps3.xml><?xml version="1.0" encoding="utf-8"?>
-<ds:datastoreItem xmlns:ds="http://schemas.openxmlformats.org/officeDocument/2006/customXml" ds:itemID="{E6C52E68-191B-4883-A1EE-52F93DB694AA}">
-  <ds:schemaRefs>
-    <ds:schemaRef ds:uri="http://schemas.microsoft.com/sharepoint/v3/contenttype/forms"/>
-  </ds:schemaRefs>
-</ds:datastoreItem>
-</file>
-
 <file path=docMetadata/LabelInfo.xml><?xml version="1.0" encoding="utf-8"?>
 <clbl:labelList xmlns:clbl="http://schemas.microsoft.com/office/2020/mipLabelMetadata"/>
 </file>